--- a/teaching/cs699-fm-for-robotics-spring-2021/course-intro.pptx
+++ b/teaching/cs699-fm-for-robotics-spring-2021/course-intro.pptx
@@ -5,23 +5,30 @@
     <p:sldMasterId id="2147483648" r:id="rId1"/>
   </p:sldMasterIdLst>
   <p:notesMasterIdLst>
-    <p:notesMasterId r:id="rId16"/>
+    <p:notesMasterId r:id="rId23"/>
   </p:notesMasterIdLst>
   <p:sldIdLst>
     <p:sldId id="256" r:id="rId2"/>
     <p:sldId id="261" r:id="rId3"/>
-    <p:sldId id="262" r:id="rId4"/>
-    <p:sldId id="275" r:id="rId5"/>
-    <p:sldId id="260" r:id="rId6"/>
-    <p:sldId id="264" r:id="rId7"/>
-    <p:sldId id="265" r:id="rId8"/>
-    <p:sldId id="276" r:id="rId9"/>
-    <p:sldId id="274" r:id="rId10"/>
-    <p:sldId id="277" r:id="rId11"/>
-    <p:sldId id="278" r:id="rId12"/>
-    <p:sldId id="267" r:id="rId13"/>
-    <p:sldId id="270" r:id="rId14"/>
-    <p:sldId id="272" r:id="rId15"/>
+    <p:sldId id="279" r:id="rId4"/>
+    <p:sldId id="282" r:id="rId5"/>
+    <p:sldId id="283" r:id="rId6"/>
+    <p:sldId id="284" r:id="rId7"/>
+    <p:sldId id="275" r:id="rId8"/>
+    <p:sldId id="286" r:id="rId9"/>
+    <p:sldId id="280" r:id="rId10"/>
+    <p:sldId id="285" r:id="rId11"/>
+    <p:sldId id="287" r:id="rId12"/>
+    <p:sldId id="288" r:id="rId13"/>
+    <p:sldId id="289" r:id="rId14"/>
+    <p:sldId id="290" r:id="rId15"/>
+    <p:sldId id="277" r:id="rId16"/>
+    <p:sldId id="291" r:id="rId17"/>
+    <p:sldId id="292" r:id="rId18"/>
+    <p:sldId id="293" r:id="rId19"/>
+    <p:sldId id="270" r:id="rId20"/>
+    <p:sldId id="294" r:id="rId21"/>
+    <p:sldId id="272" r:id="rId22"/>
   </p:sldIdLst>
   <p:sldSz cx="12192000" cy="6858000"/>
   <p:notesSz cx="6858000" cy="9144000"/>
@@ -210,7 +217,7 @@
           <a:p>
             <a:fld id="{6580C23F-98B7-41D4-A9FA-15A275A51486}" type="datetimeFigureOut">
               <a:rPr lang="en-US" smtClean="0"/>
-              <a:t>8/19/2018</a:t>
+              <a:t>1/25/2021</a:t>
             </a:fld>
             <a:endParaRPr lang="en-US"/>
           </a:p>
@@ -477,90 +484,6 @@
 </p:notesMaster>
 </file>
 
-<file path=ppt/notesSlides/notesSlide1.xml><?xml version="1.0" encoding="utf-8"?>
-<p:notes xmlns:a="http://schemas.openxmlformats.org/drawingml/2006/main" xmlns:r="http://schemas.openxmlformats.org/officeDocument/2006/relationships" xmlns:p="http://schemas.openxmlformats.org/presentationml/2006/main">
-  <p:cSld>
-    <p:spTree>
-      <p:nvGrpSpPr>
-        <p:cNvPr id="1" name=""/>
-        <p:cNvGrpSpPr/>
-        <p:nvPr/>
-      </p:nvGrpSpPr>
-      <p:grpSpPr>
-        <a:xfrm>
-          <a:off x="0" y="0"/>
-          <a:ext cx="0" cy="0"/>
-          <a:chOff x="0" y="0"/>
-          <a:chExt cx="0" cy="0"/>
-        </a:xfrm>
-      </p:grpSpPr>
-      <p:sp>
-        <p:nvSpPr>
-          <p:cNvPr id="2" name="Slide Image Placeholder 1"/>
-          <p:cNvSpPr>
-            <a:spLocks noGrp="1" noRot="1" noChangeAspect="1"/>
-          </p:cNvSpPr>
-          <p:nvPr>
-            <p:ph type="sldImg"/>
-          </p:nvPr>
-        </p:nvSpPr>
-        <p:spPr/>
-      </p:sp>
-      <p:sp>
-        <p:nvSpPr>
-          <p:cNvPr id="3" name="Notes Placeholder 2"/>
-          <p:cNvSpPr>
-            <a:spLocks noGrp="1"/>
-          </p:cNvSpPr>
-          <p:nvPr>
-            <p:ph type="body" idx="1"/>
-          </p:nvPr>
-        </p:nvSpPr>
-        <p:spPr/>
-        <p:txBody>
-          <a:bodyPr/>
-          <a:lstStyle/>
-          <a:p>
-            <a:endParaRPr lang="en-US" dirty="0"/>
-          </a:p>
-        </p:txBody>
-      </p:sp>
-      <p:sp>
-        <p:nvSpPr>
-          <p:cNvPr id="4" name="Slide Number Placeholder 3"/>
-          <p:cNvSpPr>
-            <a:spLocks noGrp="1"/>
-          </p:cNvSpPr>
-          <p:nvPr>
-            <p:ph type="sldNum" sz="quarter" idx="10"/>
-          </p:nvPr>
-        </p:nvSpPr>
-        <p:spPr/>
-        <p:txBody>
-          <a:bodyPr/>
-          <a:lstStyle/>
-          <a:p>
-            <a:fld id="{E586B107-AA8F-4C65-A94C-468C6EEC3A14}" type="slidenum">
-              <a:rPr lang="en-US" smtClean="0"/>
-              <a:t>5</a:t>
-            </a:fld>
-            <a:endParaRPr lang="en-US"/>
-          </a:p>
-        </p:txBody>
-      </p:sp>
-    </p:spTree>
-    <p:extLst>
-      <p:ext uri="{BB962C8B-B14F-4D97-AF65-F5344CB8AC3E}">
-        <p14:creationId xmlns:p14="http://schemas.microsoft.com/office/powerpoint/2010/main" val="2141980629"/>
-      </p:ext>
-    </p:extLst>
-  </p:cSld>
-  <p:clrMapOvr>
-    <a:masterClrMapping/>
-  </p:clrMapOvr>
-</p:notes>
-</file>
-
 <file path=ppt/slideLayouts/slideLayout1.xml><?xml version="1.0" encoding="utf-8"?>
 <p:sldLayout xmlns:a="http://schemas.openxmlformats.org/drawingml/2006/main" xmlns:r="http://schemas.openxmlformats.org/officeDocument/2006/relationships" xmlns:p="http://schemas.openxmlformats.org/presentationml/2006/main" type="title" preserve="1">
   <p:cSld name="Title Slide">
@@ -699,10 +622,10 @@
         </p:nvGrpSpPr>
         <p:grpSpPr>
           <a:xfrm>
-            <a:off x="0" y="5758322"/>
-            <a:ext cx="12192000" cy="1099678"/>
-            <a:chOff x="50006" y="5327414"/>
-            <a:chExt cx="12192000" cy="1099678"/>
+            <a:off x="0" y="6150112"/>
+            <a:ext cx="12192000" cy="707888"/>
+            <a:chOff x="50006" y="5719204"/>
+            <a:chExt cx="12192000" cy="707888"/>
           </a:xfrm>
         </p:grpSpPr>
         <p:sp>
@@ -719,8 +642,8 @@
           </p:nvSpPr>
           <p:spPr>
             <a:xfrm>
-              <a:off x="50006" y="5375274"/>
-              <a:ext cx="12192000" cy="1051818"/>
+              <a:off x="50006" y="5719204"/>
+              <a:ext cx="12192000" cy="707887"/>
             </a:xfrm>
             <a:prstGeom prst="rect">
               <a:avLst/>
@@ -792,8 +715,8 @@
           </p:nvSpPr>
           <p:spPr>
             <a:xfrm>
-              <a:off x="71438" y="5327414"/>
-              <a:ext cx="5712958" cy="1077218"/>
+              <a:off x="50006" y="5719206"/>
+              <a:ext cx="5712958" cy="707886"/>
             </a:xfrm>
             <a:prstGeom prst="rect">
               <a:avLst/>
@@ -808,7 +731,7 @@
             <a:p>
               <a:pPr defTabSz="457200"/>
               <a:r>
-                <a:rPr lang="en-US" sz="3200" b="1" dirty="0">
+                <a:rPr lang="en-US" sz="1800" b="1" dirty="0">
                   <a:solidFill>
                     <a:srgbClr val="FFC000"/>
                   </a:solidFill>
@@ -818,7 +741,7 @@
                 <a:t>USC </a:t>
               </a:r>
               <a:r>
-                <a:rPr lang="en-US" sz="3200" dirty="0">
+                <a:rPr lang="en-US" sz="1800" dirty="0">
                   <a:solidFill>
                     <a:srgbClr val="FFC000"/>
                   </a:solidFill>
@@ -831,7 +754,7 @@
             <a:p>
               <a:pPr defTabSz="457200"/>
               <a:r>
-                <a:rPr lang="en-US" sz="1600" dirty="0">
+                <a:rPr lang="en-US" sz="1050" dirty="0">
                   <a:solidFill>
                     <a:srgbClr val="FFC000"/>
                   </a:solidFill>
@@ -844,7 +767,7 @@
             <a:p>
               <a:pPr defTabSz="457200"/>
               <a:r>
-                <a:rPr lang="en-US" sz="1600" dirty="0">
+                <a:rPr lang="en-US" sz="1050" dirty="0">
                   <a:solidFill>
                     <a:srgbClr val="FFC000"/>
                   </a:solidFill>
@@ -854,7 +777,7 @@
                 <a:t>		</a:t>
               </a:r>
               <a:r>
-                <a:rPr lang="en-US" sz="1600" i="1" dirty="0">
+                <a:rPr lang="en-US" sz="1050" i="1" dirty="0">
                   <a:solidFill>
                     <a:srgbClr val="FFC000"/>
                   </a:solidFill>
@@ -1001,10 +924,10 @@
         </p:nvGrpSpPr>
         <p:grpSpPr>
           <a:xfrm>
-            <a:off x="3570" y="5759682"/>
-            <a:ext cx="12192000" cy="1099678"/>
-            <a:chOff x="50006" y="5327414"/>
-            <a:chExt cx="12192000" cy="1099678"/>
+            <a:off x="3570" y="6209616"/>
+            <a:ext cx="12192000" cy="707887"/>
+            <a:chOff x="50006" y="5777348"/>
+            <a:chExt cx="12192000" cy="707887"/>
           </a:xfrm>
         </p:grpSpPr>
         <p:sp>
@@ -1021,8 +944,8 @@
           </p:nvSpPr>
           <p:spPr>
             <a:xfrm>
-              <a:off x="50006" y="5375274"/>
-              <a:ext cx="12192000" cy="1051818"/>
+              <a:off x="50006" y="5777348"/>
+              <a:ext cx="12192000" cy="649743"/>
             </a:xfrm>
             <a:prstGeom prst="rect">
               <a:avLst/>
@@ -1094,8 +1017,8 @@
           </p:nvSpPr>
           <p:spPr>
             <a:xfrm>
-              <a:off x="71438" y="5327414"/>
-              <a:ext cx="5712958" cy="1077218"/>
+              <a:off x="50006" y="5777349"/>
+              <a:ext cx="5712958" cy="707886"/>
             </a:xfrm>
             <a:prstGeom prst="rect">
               <a:avLst/>
@@ -1110,7 +1033,7 @@
             <a:p>
               <a:pPr defTabSz="457200"/>
               <a:r>
-                <a:rPr lang="en-US" sz="3200" b="1" dirty="0">
+                <a:rPr lang="en-US" sz="1800" b="1" dirty="0">
                   <a:solidFill>
                     <a:srgbClr val="FFC000"/>
                   </a:solidFill>
@@ -1120,7 +1043,7 @@
                 <a:t>USC </a:t>
               </a:r>
               <a:r>
-                <a:rPr lang="en-US" sz="3200" dirty="0">
+                <a:rPr lang="en-US" sz="1800" dirty="0">
                   <a:solidFill>
                     <a:srgbClr val="FFC000"/>
                   </a:solidFill>
@@ -1133,7 +1056,7 @@
             <a:p>
               <a:pPr defTabSz="457200"/>
               <a:r>
-                <a:rPr lang="en-US" sz="1600" dirty="0">
+                <a:rPr lang="en-US" sz="1050" dirty="0">
                   <a:solidFill>
                     <a:srgbClr val="FFC000"/>
                   </a:solidFill>
@@ -1146,7 +1069,7 @@
             <a:p>
               <a:pPr defTabSz="457200"/>
               <a:r>
-                <a:rPr lang="en-US" sz="1600" dirty="0">
+                <a:rPr lang="en-US" sz="1050" dirty="0">
                   <a:solidFill>
                     <a:srgbClr val="FFC000"/>
                   </a:solidFill>
@@ -1156,7 +1079,7 @@
                 <a:t>		</a:t>
               </a:r>
               <a:r>
-                <a:rPr lang="en-US" sz="1600" i="1" dirty="0">
+                <a:rPr lang="en-US" sz="1050" i="1" dirty="0">
                   <a:solidFill>
                     <a:srgbClr val="FFC000"/>
                   </a:solidFill>
@@ -1184,7 +1107,7 @@
           <p:nvPr userDrawn="1"/>
         </p:nvPicPr>
         <mc:AlternateContent xmlns:mc="http://schemas.openxmlformats.org/markup-compatibility/2006">
-          <mc:Choice xmlns="" xmlns:mv="urn:schemas-microsoft-com:mac:vml" xmlns:ma="http://schemas.microsoft.com/office/mac/drawingml/2008/main" Requires="ma">
+          <mc:Choice xmlns:ma="http://schemas.microsoft.com/office/mac/drawingml/2008/main" xmlns:mv="urn:schemas-microsoft-com:mac:vml" xmlns="" Requires="ma">
             <p:blipFill>
               <a:blip r:embed="rId3"/>
               <a:stretch>
@@ -1211,152 +1134,6 @@
           </a:prstGeom>
         </p:spPr>
       </p:pic>
-      <p:sp>
-        <p:nvSpPr>
-          <p:cNvPr id="13" name="Rectangle 12">
-            <a:extLst>
-              <a:ext uri="{FF2B5EF4-FFF2-40B4-BE49-F238E27FC236}">
-                <a16:creationId xmlns:a16="http://schemas.microsoft.com/office/drawing/2014/main" id="{26381F13-A4A4-444E-9C5F-0C7501D9BF81}"/>
-              </a:ext>
-            </a:extLst>
-          </p:cNvPr>
-          <p:cNvSpPr/>
-          <p:nvPr userDrawn="1"/>
-        </p:nvSpPr>
-        <p:spPr>
-          <a:xfrm>
-            <a:off x="0" y="2713"/>
-            <a:ext cx="12192000" cy="302605"/>
-          </a:xfrm>
-          <a:prstGeom prst="rect">
-            <a:avLst/>
-          </a:prstGeom>
-          <a:solidFill>
-            <a:srgbClr val="990000"/>
-          </a:solidFill>
-          <a:ln w="9525" cap="flat" cmpd="sng" algn="ctr">
-            <a:noFill/>
-            <a:prstDash val="solid"/>
-          </a:ln>
-          <a:effectLst>
-            <a:outerShdw blurRad="40000" dist="23000" dir="5400000" rotWithShape="0">
-              <a:srgbClr val="000000">
-                <a:alpha val="35000"/>
-              </a:srgbClr>
-            </a:outerShdw>
-          </a:effectLst>
-        </p:spPr>
-        <p:txBody>
-          <a:bodyPr rtlCol="0" anchor="ctr"/>
-          <a:lstStyle/>
-          <a:p>
-            <a:pPr marL="0" marR="0" lvl="0" indent="0" algn="ctr" defTabSz="457200" eaLnBrk="1" fontAlgn="auto" latinLnBrk="0" hangingPunct="1">
-              <a:lnSpc>
-                <a:spcPct val="100000"/>
-              </a:lnSpc>
-              <a:spcBef>
-                <a:spcPts val="0"/>
-              </a:spcBef>
-              <a:spcAft>
-                <a:spcPts val="0"/>
-              </a:spcAft>
-              <a:buClrTx/>
-              <a:buSzTx/>
-              <a:buFontTx/>
-              <a:buNone/>
-              <a:tabLst/>
-              <a:defRPr/>
-            </a:pPr>
-            <a:endParaRPr kumimoji="0" lang="en-US" sz="4000" b="0" i="0" u="none" strike="noStrike" kern="0" cap="none" spc="0" normalizeH="0" baseline="0" noProof="0" dirty="0">
-              <a:ln>
-                <a:noFill/>
-              </a:ln>
-              <a:solidFill>
-                <a:prstClr val="white"/>
-              </a:solidFill>
-              <a:effectLst/>
-              <a:uLnTx/>
-              <a:uFillTx/>
-              <a:latin typeface="Times New Roman" panose="02020603050405020304" pitchFamily="18" charset="0"/>
-              <a:ea typeface="+mn-ea"/>
-              <a:cs typeface="Times New Roman" panose="02020603050405020304" pitchFamily="18" charset="0"/>
-            </a:endParaRPr>
-          </a:p>
-        </p:txBody>
-      </p:sp>
-      <p:sp>
-        <p:nvSpPr>
-          <p:cNvPr id="14" name="Rectangle 13">
-            <a:extLst>
-              <a:ext uri="{FF2B5EF4-FFF2-40B4-BE49-F238E27FC236}">
-                <a16:creationId xmlns:a16="http://schemas.microsoft.com/office/drawing/2014/main" id="{3477AB79-4F9F-47F3-934B-DC6AA693504D}"/>
-              </a:ext>
-            </a:extLst>
-          </p:cNvPr>
-          <p:cNvSpPr/>
-          <p:nvPr userDrawn="1"/>
-        </p:nvSpPr>
-        <p:spPr>
-          <a:xfrm flipV="1">
-            <a:off x="9522" y="294440"/>
-            <a:ext cx="12192000" cy="50800"/>
-          </a:xfrm>
-          <a:prstGeom prst="rect">
-            <a:avLst/>
-          </a:prstGeom>
-          <a:solidFill>
-            <a:srgbClr val="FFCC00"/>
-          </a:solidFill>
-          <a:ln w="9525" cap="flat" cmpd="sng" algn="ctr">
-            <a:noFill/>
-            <a:prstDash val="solid"/>
-          </a:ln>
-          <a:effectLst>
-            <a:outerShdw blurRad="40000" dist="20000" dir="5400000" rotWithShape="0">
-              <a:srgbClr val="000000">
-                <a:alpha val="38000"/>
-              </a:srgbClr>
-            </a:outerShdw>
-          </a:effectLst>
-        </p:spPr>
-        <p:txBody>
-          <a:bodyPr rtlCol="0" anchor="ctr"/>
-          <a:lstStyle/>
-          <a:p>
-            <a:pPr marL="0" marR="0" lvl="0" indent="0" algn="ctr" defTabSz="457200" eaLnBrk="1" fontAlgn="auto" latinLnBrk="0" hangingPunct="1">
-              <a:lnSpc>
-                <a:spcPct val="100000"/>
-              </a:lnSpc>
-              <a:spcBef>
-                <a:spcPts val="0"/>
-              </a:spcBef>
-              <a:spcAft>
-                <a:spcPts val="0"/>
-              </a:spcAft>
-              <a:buClrTx/>
-              <a:buSzTx/>
-              <a:buFontTx/>
-              <a:buNone/>
-              <a:tabLst/>
-              <a:defRPr/>
-            </a:pPr>
-            <a:endParaRPr kumimoji="0" lang="en-US" sz="1800" b="0" i="0" u="none" strike="noStrike" kern="0" cap="none" spc="0" normalizeH="0" baseline="0" noProof="0">
-              <a:ln>
-                <a:noFill/>
-              </a:ln>
-              <a:solidFill>
-                <a:srgbClr val="990000"/>
-              </a:solidFill>
-              <a:effectLst/>
-              <a:uLnTx/>
-              <a:uFillTx/>
-              <a:latin typeface="Calibri" panose="020F0502020204030204"/>
-              <a:ea typeface="+mn-ea"/>
-              <a:cs typeface="+mn-cs"/>
-            </a:endParaRPr>
-          </a:p>
-        </p:txBody>
-      </p:sp>
       <p:sp>
         <p:nvSpPr>
           <p:cNvPr id="17" name="Title 16">
@@ -2055,14 +1832,7 @@
           <a:p>
             <a:r>
               <a:rPr lang="en-US" dirty="0"/>
-              <a:t>Topics in Formal Reasoning for</a:t>
-            </a:r>
-            <a:br>
-              <a:rPr lang="en-US" dirty="0"/>
-            </a:br>
-            <a:r>
-              <a:rPr lang="en-US" dirty="0"/>
-              <a:t>Cyber-Physical Systems</a:t>
+              <a:t>Formal Methods for Robotics</a:t>
             </a:r>
           </a:p>
         </p:txBody>
@@ -2091,13 +1861,13 @@
         </p:spPr>
         <p:txBody>
           <a:bodyPr>
-            <a:normAutofit fontScale="92500" lnSpcReduction="10000"/>
+            <a:normAutofit/>
           </a:bodyPr>
           <a:lstStyle/>
           <a:p>
             <a:r>
               <a:rPr lang="en-US" dirty="0"/>
-              <a:t>Fall 2018: CSCI 699</a:t>
+              <a:t>Spring 2021: CSCI 699</a:t>
             </a:r>
           </a:p>
           <a:p>
@@ -2108,12 +1878,6 @@
           </a:p>
           <a:p>
             <a:endParaRPr lang="en-US" dirty="0"/>
-          </a:p>
-          <a:p>
-            <a:r>
-              <a:rPr lang="en-US" dirty="0"/>
-              <a:t>Course materials: http://www-bcf.usc.edu/~jdeshmuk/teaching/cs699-fm-for-cps/index.html</a:t>
-            </a:r>
           </a:p>
         </p:txBody>
       </p:sp>
@@ -2187,7 +1951,7 @@
           <p:cNvPr id="2" name="Content Placeholder 1">
             <a:extLst>
               <a:ext uri="{FF2B5EF4-FFF2-40B4-BE49-F238E27FC236}">
-                <a16:creationId xmlns:a16="http://schemas.microsoft.com/office/drawing/2014/main" id="{76F883EC-2A55-41D4-B74D-C903AA1D9CC8}"/>
+                <a16:creationId xmlns:a16="http://schemas.microsoft.com/office/drawing/2014/main" id="{73066917-2B28-43B5-A3CA-D7E47BC6106A}"/>
               </a:ext>
             </a:extLst>
           </p:cNvPr>
@@ -2201,108 +1965,54 @@
         <p:spPr/>
         <p:txBody>
           <a:bodyPr>
-            <a:normAutofit lnSpcReduction="10000"/>
+            <a:normAutofit/>
           </a:bodyPr>
           <a:lstStyle/>
           <a:p>
             <a:r>
               <a:rPr lang="en-US" dirty="0"/>
-              <a:t>Every week read one, two or three papers</a:t>
-            </a:r>
-          </a:p>
-          <a:p>
-            <a:r>
-              <a:rPr lang="en-US" dirty="0"/>
-              <a:t>Turn in a 1 or 2-page summary of reading material before class</a:t>
-            </a:r>
-          </a:p>
-          <a:p>
-            <a:r>
-              <a:rPr lang="en-US" dirty="0"/>
-              <a:t>Presentation-style summary, address 5 questions for each paper</a:t>
-            </a:r>
-          </a:p>
-          <a:p>
-            <a:pPr marL="868680" lvl="1" indent="-457200">
-              <a:buFont typeface="+mj-lt"/>
-              <a:buAutoNum type="arabicPeriod"/>
-            </a:pPr>
-            <a:r>
-              <a:rPr lang="en-US" dirty="0"/>
-              <a:t>What is the main problem addressed by the paper?</a:t>
-            </a:r>
-          </a:p>
-          <a:p>
-            <a:pPr marL="868680" lvl="1" indent="-457200">
-              <a:buFont typeface="+mj-lt"/>
-              <a:buAutoNum type="arabicPeriod"/>
-            </a:pPr>
-            <a:r>
-              <a:rPr lang="en-US" dirty="0"/>
-              <a:t>What was done before, and how does this paper improve on it? </a:t>
-            </a:r>
-            <a:r>
-              <a:rPr lang="en-US" dirty="0">
-                <a:solidFill>
-                  <a:srgbClr val="FF0000"/>
-                </a:solidFill>
-              </a:rPr>
-              <a:t>OR</a:t>
-            </a:r>
-            <a:r>
-              <a:rPr lang="en-US" dirty="0"/>
-              <a:t> What are the pros/cons of different techniques addressed in this paper? </a:t>
-            </a:r>
-          </a:p>
-          <a:p>
-            <a:pPr marL="868680" lvl="1" indent="-457200">
-              <a:buFont typeface="+mj-lt"/>
-              <a:buAutoNum type="arabicPeriod"/>
-            </a:pPr>
-            <a:r>
-              <a:rPr lang="en-US" dirty="0"/>
-              <a:t>What is the one cool mathematical factoid or proof technique that was learned from this paper?</a:t>
-            </a:r>
-          </a:p>
-          <a:p>
-            <a:pPr marL="868680" lvl="1" indent="-457200">
-              <a:buFont typeface="+mj-lt"/>
-              <a:buAutoNum type="arabicPeriod"/>
-            </a:pPr>
-            <a:r>
-              <a:rPr lang="en-US" dirty="0"/>
-              <a:t>What part of the paper was difficult to understand?</a:t>
-            </a:r>
-          </a:p>
-          <a:p>
-            <a:pPr marL="868680" lvl="1" indent="-457200">
-              <a:buFont typeface="+mj-lt"/>
-              <a:buAutoNum type="arabicPeriod"/>
-            </a:pPr>
-            <a:r>
-              <a:rPr lang="en-US" dirty="0"/>
-              <a:t>What generalization or extension of the paper could be done? </a:t>
-            </a:r>
-            <a:r>
-              <a:rPr lang="en-US" dirty="0">
-                <a:solidFill>
-                  <a:srgbClr val="FF0000"/>
-                </a:solidFill>
-              </a:rPr>
-              <a:t>OR</a:t>
-            </a:r>
-            <a:r>
-              <a:rPr lang="en-US" dirty="0"/>
-              <a:t> What are the open problems? </a:t>
+              <a:t>Formal methods community has focused on “correct by construction” design from specifications</a:t>
+            </a:r>
+          </a:p>
+          <a:p>
+            <a:r>
+              <a:rPr lang="en-US" dirty="0"/>
+              <a:t>Robotics community has traditionally focused on performance objectives</a:t>
             </a:r>
           </a:p>
           <a:p>
             <a:pPr lvl="1"/>
-            <a:endParaRPr lang="en-US" dirty="0"/>
+            <a:r>
+              <a:rPr lang="en-US" dirty="0"/>
+              <a:t>No one typically starts a new robot project by saying, “these are all the things I want my robot behaviors to formally satisfy”</a:t>
+            </a:r>
+          </a:p>
+          <a:p>
+            <a:r>
+              <a:rPr lang="en-US" dirty="0"/>
+              <a:t>Popular techniques for controlling a robot through software</a:t>
+            </a:r>
           </a:p>
           <a:p>
             <a:pPr lvl="1"/>
-            <a:endParaRPr lang="en-US" dirty="0"/>
+            <a:r>
+              <a:rPr lang="en-US" dirty="0"/>
+              <a:t>Many hours of debugging</a:t>
+            </a:r>
+          </a:p>
+          <a:p>
+            <a:pPr lvl="1"/>
+            <a:r>
+              <a:rPr lang="en-US" dirty="0"/>
+              <a:t>Reinforcement Learning (training the robot through carrots and sticks)</a:t>
+            </a:r>
+          </a:p>
+          <a:p>
+            <a:pPr lvl="1"/>
+            <a:r>
+              <a:rPr lang="en-US" dirty="0"/>
+              <a:t>Learning from Demonstrations (training the robot by showing it what to do)</a:t>
+            </a:r>
           </a:p>
           <a:p>
             <a:pPr marL="0" indent="0">
@@ -2310,6 +2020,10 @@
             </a:pPr>
             <a:endParaRPr lang="en-US" dirty="0"/>
           </a:p>
+          <a:p>
+            <a:pPr lvl="1"/>
+            <a:endParaRPr lang="en-US" dirty="0"/>
+          </a:p>
         </p:txBody>
       </p:sp>
       <p:sp>
@@ -2317,7 +2031,7 @@
           <p:cNvPr id="3" name="Title 2">
             <a:extLst>
               <a:ext uri="{FF2B5EF4-FFF2-40B4-BE49-F238E27FC236}">
-                <a16:creationId xmlns:a16="http://schemas.microsoft.com/office/drawing/2014/main" id="{4EE0D067-5415-4E92-B3AD-CC5ECE493587}"/>
+                <a16:creationId xmlns:a16="http://schemas.microsoft.com/office/drawing/2014/main" id="{0FF865B7-5DAA-4A1A-86A0-C1F7134988E9}"/>
               </a:ext>
             </a:extLst>
           </p:cNvPr>
@@ -2335,7 +2049,7 @@
           <a:p>
             <a:r>
               <a:rPr lang="en-US" dirty="0"/>
-              <a:t>Course structure: Focus on reading papers</a:t>
+              <a:t>Controller/Policy Synthesis</a:t>
             </a:r>
           </a:p>
         </p:txBody>
@@ -2345,7 +2059,7 @@
           <p:cNvPr id="4" name="Slide Number Placeholder 3">
             <a:extLst>
               <a:ext uri="{FF2B5EF4-FFF2-40B4-BE49-F238E27FC236}">
-                <a16:creationId xmlns:a16="http://schemas.microsoft.com/office/drawing/2014/main" id="{E44B5595-9550-4259-B1EB-A040DADD8A90}"/>
+                <a16:creationId xmlns:a16="http://schemas.microsoft.com/office/drawing/2014/main" id="{DD63DCB8-9D5B-4649-8641-E1136D032800}"/>
               </a:ext>
             </a:extLst>
           </p:cNvPr>
@@ -2373,7 +2087,7 @@
     </p:spTree>
     <p:extLst>
       <p:ext uri="{BB962C8B-B14F-4D97-AF65-F5344CB8AC3E}">
-        <p14:creationId xmlns:p14="http://schemas.microsoft.com/office/powerpoint/2010/main" val="351687964"/>
+        <p14:creationId xmlns:p14="http://schemas.microsoft.com/office/powerpoint/2010/main" val="1156511627"/>
       </p:ext>
     </p:extLst>
   </p:cSld>
@@ -2405,7 +2119,7 @@
           <p:cNvPr id="2" name="Content Placeholder 1">
             <a:extLst>
               <a:ext uri="{FF2B5EF4-FFF2-40B4-BE49-F238E27FC236}">
-                <a16:creationId xmlns:a16="http://schemas.microsoft.com/office/drawing/2014/main" id="{76F883EC-2A55-41D4-B74D-C903AA1D9CC8}"/>
+                <a16:creationId xmlns:a16="http://schemas.microsoft.com/office/drawing/2014/main" id="{8A2309CF-81ED-4743-8619-2D009E84C822}"/>
               </a:ext>
             </a:extLst>
           </p:cNvPr>
@@ -2421,64 +2135,77 @@
           <a:bodyPr/>
           <a:lstStyle/>
           <a:p>
-            <a:r>
-              <a:rPr lang="en-US" dirty="0"/>
-              <a:t>During class, we will discuss the paper</a:t>
-            </a:r>
-          </a:p>
-          <a:p>
-            <a:pPr lvl="1"/>
-            <a:r>
-              <a:rPr lang="en-US" dirty="0"/>
-              <a:t>One or two lead presenters per paper</a:t>
-            </a:r>
-          </a:p>
-          <a:p>
-            <a:pPr lvl="1"/>
-            <a:r>
-              <a:rPr lang="en-US" dirty="0"/>
-              <a:t>Every person has to speak!</a:t>
-            </a:r>
-          </a:p>
-          <a:p>
-            <a:pPr lvl="1"/>
-            <a:r>
-              <a:rPr lang="en-US" dirty="0"/>
-              <a:t>Ask questions</a:t>
-            </a:r>
-          </a:p>
-          <a:p>
-            <a:pPr marL="411480" lvl="1" indent="0">
+            <a:pPr marL="0" indent="0" algn="ctr">
+              <a:buNone/>
+            </a:pPr>
+            <a:r>
+              <a:rPr lang="en-US" dirty="0"/>
+              <a:t>How do we bridge the gap between formal methods </a:t>
+            </a:r>
+          </a:p>
+          <a:p>
+            <a:pPr marL="0" indent="0" algn="ctr">
+              <a:buNone/>
+            </a:pPr>
+            <a:r>
+              <a:rPr lang="en-US" i="1" dirty="0"/>
+              <a:t>for reasoning about system correctness </a:t>
+            </a:r>
+            <a:r>
+              <a:rPr lang="en-US" i="1" dirty="0" err="1"/>
+              <a:t>w.r.t.</a:t>
+            </a:r>
+            <a:r>
+              <a:rPr lang="en-US" i="1" dirty="0"/>
+              <a:t> behavioral specifications </a:t>
+            </a:r>
+          </a:p>
+          <a:p>
+            <a:pPr marL="0" indent="0" algn="ctr">
+              <a:buNone/>
+            </a:pPr>
+            <a:r>
+              <a:rPr lang="en-US" dirty="0"/>
+              <a:t>and </a:t>
+            </a:r>
+          </a:p>
+          <a:p>
+            <a:pPr marL="0" indent="0" algn="ctr">
+              <a:buNone/>
+            </a:pPr>
+            <a:r>
+              <a:rPr lang="en-US" i="1" dirty="0"/>
+              <a:t>correct-by-construction design from logical specifications</a:t>
+            </a:r>
+          </a:p>
+          <a:p>
+            <a:pPr marL="0" indent="0" algn="ctr">
+              <a:buNone/>
+            </a:pPr>
+            <a:r>
+              <a:rPr lang="en-US" dirty="0"/>
+              <a:t>with</a:t>
+            </a:r>
+          </a:p>
+          <a:p>
+            <a:pPr marL="0" indent="0" algn="ctr">
+              <a:buNone/>
+            </a:pPr>
+            <a:r>
+              <a:rPr lang="en-US" i="1" dirty="0"/>
+              <a:t>techniques and applications from the robotics domain</a:t>
+            </a:r>
+            <a:r>
+              <a:rPr lang="en-US" dirty="0"/>
+              <a:t>?</a:t>
+            </a:r>
+          </a:p>
+          <a:p>
+            <a:pPr marL="0" indent="0" algn="ctr">
               <a:buNone/>
             </a:pPr>
             <a:endParaRPr lang="en-US" dirty="0"/>
           </a:p>
-          <a:p>
-            <a:r>
-              <a:rPr lang="en-US" dirty="0"/>
-              <a:t>Scribing</a:t>
-            </a:r>
-          </a:p>
-          <a:p>
-            <a:pPr lvl="1"/>
-            <a:r>
-              <a:rPr lang="en-US" dirty="0"/>
-              <a:t>One or two scribes per class</a:t>
-            </a:r>
-          </a:p>
-          <a:p>
-            <a:pPr lvl="1"/>
-            <a:r>
-              <a:rPr lang="en-US" dirty="0"/>
-              <a:t>Scribe responsible for creating at most 10 slide summary of discussion (to be posted on course webpage)</a:t>
-            </a:r>
-          </a:p>
-          <a:p>
-            <a:endParaRPr lang="en-US" dirty="0"/>
-          </a:p>
-          <a:p>
-            <a:endParaRPr lang="en-US" dirty="0"/>
-          </a:p>
         </p:txBody>
       </p:sp>
       <p:sp>
@@ -2486,7 +2213,7 @@
           <p:cNvPr id="3" name="Title 2">
             <a:extLst>
               <a:ext uri="{FF2B5EF4-FFF2-40B4-BE49-F238E27FC236}">
-                <a16:creationId xmlns:a16="http://schemas.microsoft.com/office/drawing/2014/main" id="{4EE0D067-5415-4E92-B3AD-CC5ECE493587}"/>
+                <a16:creationId xmlns:a16="http://schemas.microsoft.com/office/drawing/2014/main" id="{FB87F887-C591-4BBA-8BEB-A713FB2B57AA}"/>
               </a:ext>
             </a:extLst>
           </p:cNvPr>
@@ -2504,7 +2231,7 @@
           <a:p>
             <a:r>
               <a:rPr lang="en-US" dirty="0"/>
-              <a:t>Course structure: Class discussion</a:t>
+              <a:t>What is the aim of this course?</a:t>
             </a:r>
           </a:p>
         </p:txBody>
@@ -2514,7 +2241,7 @@
           <p:cNvPr id="4" name="Slide Number Placeholder 3">
             <a:extLst>
               <a:ext uri="{FF2B5EF4-FFF2-40B4-BE49-F238E27FC236}">
-                <a16:creationId xmlns:a16="http://schemas.microsoft.com/office/drawing/2014/main" id="{E44B5595-9550-4259-B1EB-A040DADD8A90}"/>
+                <a16:creationId xmlns:a16="http://schemas.microsoft.com/office/drawing/2014/main" id="{B249B0EA-11C3-42E8-ACB2-9CAD7F762A9F}"/>
               </a:ext>
             </a:extLst>
           </p:cNvPr>
@@ -2542,7 +2269,7 @@
     </p:spTree>
     <p:extLst>
       <p:ext uri="{BB962C8B-B14F-4D97-AF65-F5344CB8AC3E}">
-        <p14:creationId xmlns:p14="http://schemas.microsoft.com/office/powerpoint/2010/main" val="4122388818"/>
+        <p14:creationId xmlns:p14="http://schemas.microsoft.com/office/powerpoint/2010/main" val="429723715"/>
       </p:ext>
     </p:extLst>
   </p:cSld>
@@ -2574,7 +2301,7 @@
           <p:cNvPr id="2" name="Content Placeholder 1">
             <a:extLst>
               <a:ext uri="{FF2B5EF4-FFF2-40B4-BE49-F238E27FC236}">
-                <a16:creationId xmlns:a16="http://schemas.microsoft.com/office/drawing/2014/main" id="{24A71A69-D97C-42AC-9447-E2AB76AD6B10}"/>
+                <a16:creationId xmlns:a16="http://schemas.microsoft.com/office/drawing/2014/main" id="{1EF00A16-C288-470E-B297-DA4DAE24779C}"/>
               </a:ext>
             </a:extLst>
           </p:cNvPr>
@@ -2590,66 +2317,34 @@
           <a:bodyPr/>
           <a:lstStyle/>
           <a:p>
-            <a:r>
-              <a:rPr lang="en-US" dirty="0"/>
-              <a:t>Project types:</a:t>
-            </a:r>
-          </a:p>
-          <a:p>
-            <a:pPr lvl="1"/>
-            <a:r>
-              <a:rPr lang="en-US" dirty="0"/>
-              <a:t>Research Project: Write a research paper on a fundamental question and identify possible solutions. Instructor will give some topics if needed</a:t>
-            </a:r>
-          </a:p>
-          <a:p>
-            <a:pPr lvl="1"/>
-            <a:r>
-              <a:rPr lang="en-US" dirty="0"/>
-              <a:t>Survey Project: Pick a sub-area of formal methods for CPS and write a thorough survey on that area</a:t>
-            </a:r>
-          </a:p>
-          <a:p>
-            <a:pPr lvl="1"/>
-            <a:r>
-              <a:rPr lang="en-US" dirty="0"/>
-              <a:t>Programming Project: Build a tool to formally analyze CPS models.</a:t>
-            </a:r>
-          </a:p>
-          <a:p>
-            <a:r>
-              <a:rPr lang="en-US" dirty="0"/>
-              <a:t>Format</a:t>
-            </a:r>
-          </a:p>
-          <a:p>
-            <a:pPr lvl="1"/>
-            <a:r>
-              <a:rPr lang="en-US" dirty="0"/>
-              <a:t>Proposal due mid-term</a:t>
-            </a:r>
-          </a:p>
-          <a:p>
-            <a:pPr lvl="1"/>
-            <a:r>
-              <a:rPr lang="en-US" dirty="0"/>
-              <a:t>Final paper (15 page LNCS style)</a:t>
-            </a:r>
-          </a:p>
-          <a:p>
-            <a:pPr lvl="1"/>
-            <a:r>
-              <a:rPr lang="en-US" dirty="0"/>
-              <a:t>Must use LaTeX, or give </a:t>
-            </a:r>
-            <a:r>
-              <a:rPr lang="en-US" b="1" i="1" dirty="0"/>
-              <a:t>very</a:t>
-            </a:r>
-            <a:r>
-              <a:rPr lang="en-US" dirty="0"/>
-              <a:t> good reason for using any other typesetting system</a:t>
-            </a:r>
+            <a:endParaRPr lang="en-US" dirty="0"/>
+          </a:p>
+          <a:p>
+            <a:r>
+              <a:rPr lang="en-US" dirty="0"/>
+              <a:t>Learn to digest papers from formal methods and (theoretical) learning-based techniques in robotics </a:t>
+            </a:r>
+          </a:p>
+          <a:p>
+            <a:endParaRPr lang="en-US" dirty="0"/>
+          </a:p>
+          <a:p>
+            <a:r>
+              <a:rPr lang="en-US" dirty="0"/>
+              <a:t>Learn to write papers in these areas</a:t>
+            </a:r>
+          </a:p>
+          <a:p>
+            <a:endParaRPr lang="en-US" dirty="0"/>
+          </a:p>
+          <a:p>
+            <a:r>
+              <a:rPr lang="en-US" dirty="0"/>
+              <a:t>Learn to review papers in these areas</a:t>
+            </a:r>
+          </a:p>
+          <a:p>
+            <a:endParaRPr lang="en-US" dirty="0"/>
           </a:p>
         </p:txBody>
       </p:sp>
@@ -2658,7 +2353,7 @@
           <p:cNvPr id="3" name="Title 2">
             <a:extLst>
               <a:ext uri="{FF2B5EF4-FFF2-40B4-BE49-F238E27FC236}">
-                <a16:creationId xmlns:a16="http://schemas.microsoft.com/office/drawing/2014/main" id="{0A8D2567-7729-4134-8332-336BCDD6B7FD}"/>
+                <a16:creationId xmlns:a16="http://schemas.microsoft.com/office/drawing/2014/main" id="{DCF25AB7-5A2B-4A52-AA2E-7C951FA638E2}"/>
               </a:ext>
             </a:extLst>
           </p:cNvPr>
@@ -2676,7 +2371,7 @@
           <a:p>
             <a:r>
               <a:rPr lang="en-US" dirty="0"/>
-              <a:t>Class Project: options</a:t>
+              <a:t>What is the instructional goal of this course?</a:t>
             </a:r>
           </a:p>
         </p:txBody>
@@ -2686,7 +2381,7 @@
           <p:cNvPr id="4" name="Slide Number Placeholder 3">
             <a:extLst>
               <a:ext uri="{FF2B5EF4-FFF2-40B4-BE49-F238E27FC236}">
-                <a16:creationId xmlns:a16="http://schemas.microsoft.com/office/drawing/2014/main" id="{10480738-6D6C-4166-8A6E-131BCD3D42A9}"/>
+                <a16:creationId xmlns:a16="http://schemas.microsoft.com/office/drawing/2014/main" id="{7A916E03-2D80-4AEC-8313-78DBFE0B726E}"/>
               </a:ext>
             </a:extLst>
           </p:cNvPr>
@@ -2714,7 +2409,7 @@
     </p:spTree>
     <p:extLst>
       <p:ext uri="{BB962C8B-B14F-4D97-AF65-F5344CB8AC3E}">
-        <p14:creationId xmlns:p14="http://schemas.microsoft.com/office/powerpoint/2010/main" val="2244765697"/>
+        <p14:creationId xmlns:p14="http://schemas.microsoft.com/office/powerpoint/2010/main" val="817465012"/>
       </p:ext>
     </p:extLst>
   </p:cSld>
@@ -2746,7 +2441,7 @@
           <p:cNvPr id="2" name="Content Placeholder 1">
             <a:extLst>
               <a:ext uri="{FF2B5EF4-FFF2-40B4-BE49-F238E27FC236}">
-                <a16:creationId xmlns:a16="http://schemas.microsoft.com/office/drawing/2014/main" id="{6FB4652C-46C0-45CC-B704-482FE906812C}"/>
+                <a16:creationId xmlns:a16="http://schemas.microsoft.com/office/drawing/2014/main" id="{276328F0-67DC-445F-926C-F637FD692B21}"/>
               </a:ext>
             </a:extLst>
           </p:cNvPr>
@@ -2757,39 +2452,57 @@
             <p:ph idx="1"/>
           </p:nvPr>
         </p:nvSpPr>
-        <p:spPr>
-          <a:xfrm>
-            <a:off x="166681" y="2243737"/>
-            <a:ext cx="11699087" cy="2689413"/>
-          </a:xfrm>
-        </p:spPr>
+        <p:spPr/>
         <p:txBody>
           <a:bodyPr/>
           <a:lstStyle/>
-          <a:p>
-            <a:r>
-              <a:rPr lang="en-US" dirty="0"/>
-              <a:t>Assignments: 45% (5 x 9)</a:t>
-            </a:r>
-          </a:p>
-          <a:p>
-            <a:r>
-              <a:rPr lang="en-US" dirty="0"/>
-              <a:t>Scribing + Participation: 25% (10+15)</a:t>
-            </a:r>
-          </a:p>
-          <a:p>
-            <a:r>
-              <a:rPr lang="en-US" dirty="0"/>
-              <a:t>Project: 30% (Proposal + Final talk: 5, Final Paper: 25)</a:t>
-            </a:r>
-          </a:p>
           <a:p>
             <a:pPr marL="0" indent="0">
               <a:buNone/>
             </a:pPr>
             <a:endParaRPr lang="en-US" dirty="0"/>
           </a:p>
+          <a:p>
+            <a:r>
+              <a:rPr lang="en-US" dirty="0"/>
+              <a:t>Each one of you can take your term paper for this semester and submit it to a conference/journal with some extra effort</a:t>
+            </a:r>
+          </a:p>
+          <a:p>
+            <a:endParaRPr lang="en-US" dirty="0"/>
+          </a:p>
+          <a:p>
+            <a:r>
+              <a:rPr lang="en-US" dirty="0"/>
+              <a:t>Your advisor says, “This is such a well-written paper review. Amazing!”</a:t>
+            </a:r>
+          </a:p>
+          <a:p>
+            <a:endParaRPr lang="en-US" dirty="0"/>
+          </a:p>
+          <a:p>
+            <a:r>
+              <a:rPr lang="en-US" dirty="0"/>
+              <a:t>You feel like the </a:t>
+            </a:r>
+            <a:r>
+              <a:rPr lang="en-US" dirty="0" err="1"/>
+              <a:t>mathy</a:t>
+            </a:r>
+            <a:r>
+              <a:rPr lang="en-US" dirty="0"/>
+              <a:t> topics you read about in this course bring excitement to your life</a:t>
+            </a:r>
+          </a:p>
+          <a:p>
+            <a:endParaRPr lang="en-US" dirty="0"/>
+          </a:p>
+          <a:p>
+            <a:pPr marL="0" indent="0">
+              <a:buNone/>
+            </a:pPr>
+            <a:endParaRPr lang="en-US" dirty="0"/>
+          </a:p>
         </p:txBody>
       </p:sp>
       <p:sp>
@@ -2797,7 +2510,7 @@
           <p:cNvPr id="3" name="Title 2">
             <a:extLst>
               <a:ext uri="{FF2B5EF4-FFF2-40B4-BE49-F238E27FC236}">
-                <a16:creationId xmlns:a16="http://schemas.microsoft.com/office/drawing/2014/main" id="{3EB475ED-F08E-41E7-B6A0-D3FF2F4AA7D3}"/>
+                <a16:creationId xmlns:a16="http://schemas.microsoft.com/office/drawing/2014/main" id="{C08EF7BA-C88A-4AC6-9EC6-7215B3C60E71}"/>
               </a:ext>
             </a:extLst>
           </p:cNvPr>
@@ -2815,7 +2528,7 @@
           <a:p>
             <a:r>
               <a:rPr lang="en-US" dirty="0"/>
-              <a:t>Grading and Evaluation Breakdown</a:t>
+              <a:t>Jyo will be very happy if </a:t>
             </a:r>
           </a:p>
         </p:txBody>
@@ -2825,7 +2538,7 @@
           <p:cNvPr id="4" name="Slide Number Placeholder 3">
             <a:extLst>
               <a:ext uri="{FF2B5EF4-FFF2-40B4-BE49-F238E27FC236}">
-                <a16:creationId xmlns:a16="http://schemas.microsoft.com/office/drawing/2014/main" id="{90BE5378-889E-4E30-A787-3C9C856A5337}"/>
+                <a16:creationId xmlns:a16="http://schemas.microsoft.com/office/drawing/2014/main" id="{2087ACA0-DC04-471E-88EC-D7FF9E6FCC79}"/>
               </a:ext>
             </a:extLst>
           </p:cNvPr>
@@ -2853,7 +2566,7 @@
     </p:spTree>
     <p:extLst>
       <p:ext uri="{BB962C8B-B14F-4D97-AF65-F5344CB8AC3E}">
-        <p14:creationId xmlns:p14="http://schemas.microsoft.com/office/powerpoint/2010/main" val="2418828916"/>
+        <p14:creationId xmlns:p14="http://schemas.microsoft.com/office/powerpoint/2010/main" val="1290092362"/>
       </p:ext>
     </p:extLst>
   </p:cSld>
@@ -2882,38 +2595,10 @@
       </p:grpSpPr>
       <p:sp>
         <p:nvSpPr>
-          <p:cNvPr id="3" name="Title 2">
-            <a:extLst>
-              <a:ext uri="{FF2B5EF4-FFF2-40B4-BE49-F238E27FC236}">
-                <a16:creationId xmlns:a16="http://schemas.microsoft.com/office/drawing/2014/main" id="{770E9C3A-B37F-4ADF-899B-AC2EA49325FB}"/>
-              </a:ext>
-            </a:extLst>
-          </p:cNvPr>
-          <p:cNvSpPr>
-            <a:spLocks noGrp="1"/>
-          </p:cNvSpPr>
-          <p:nvPr>
-            <p:ph type="title"/>
-          </p:nvPr>
-        </p:nvSpPr>
-        <p:spPr/>
-        <p:txBody>
-          <a:bodyPr/>
-          <a:lstStyle/>
-          <a:p>
-            <a:r>
-              <a:rPr lang="en-US" dirty="0"/>
-              <a:t>Introductions …</a:t>
-            </a:r>
-          </a:p>
-        </p:txBody>
-      </p:sp>
-      <p:sp>
-        <p:nvSpPr>
-          <p:cNvPr id="5" name="Content Placeholder 4">
-            <a:extLst>
-              <a:ext uri="{FF2B5EF4-FFF2-40B4-BE49-F238E27FC236}">
-                <a16:creationId xmlns:a16="http://schemas.microsoft.com/office/drawing/2014/main" id="{203829F2-4AFB-47B6-B6B5-A71A8D74CBA2}"/>
+          <p:cNvPr id="2" name="Content Placeholder 1">
+            <a:extLst>
+              <a:ext uri="{FF2B5EF4-FFF2-40B4-BE49-F238E27FC236}">
+                <a16:creationId xmlns:a16="http://schemas.microsoft.com/office/drawing/2014/main" id="{2E68BD38-BCD8-4212-A3D8-5C87D05F4CD3}"/>
               </a:ext>
             </a:extLst>
           </p:cNvPr>
@@ -2926,8 +2611,8 @@
         </p:nvSpPr>
         <p:spPr>
           <a:xfrm>
-            <a:off x="166680" y="2044313"/>
-            <a:ext cx="11699087" cy="2620256"/>
+            <a:off x="166681" y="2231923"/>
+            <a:ext cx="11699087" cy="3452118"/>
           </a:xfrm>
         </p:spPr>
         <p:txBody>
@@ -2936,47 +2621,87 @@
           <a:p>
             <a:r>
               <a:rPr lang="en-US" dirty="0"/>
-              <a:t>What’s your background?</a:t>
-            </a:r>
-          </a:p>
-          <a:p>
-            <a:r>
-              <a:rPr lang="en-US" dirty="0"/>
-              <a:t>Why did you feel like taking this course?</a:t>
-            </a:r>
-          </a:p>
-          <a:p>
-            <a:r>
-              <a:rPr lang="en-US" dirty="0"/>
-              <a:t>What do you expect to get out of it?</a:t>
-            </a:r>
-          </a:p>
-          <a:p>
-            <a:r>
-              <a:rPr lang="en-US" dirty="0"/>
-              <a:t>One </a:t>
-            </a:r>
-            <a:r>
-              <a:rPr lang="en-US" b="1" dirty="0">
-                <a:solidFill>
-                  <a:srgbClr val="FF0000"/>
-                </a:solidFill>
-              </a:rPr>
-              <a:t>fun</a:t>
-            </a:r>
-            <a:r>
-              <a:rPr lang="en-US" dirty="0"/>
-              <a:t> fact about you</a:t>
-            </a:r>
-          </a:p>
-        </p:txBody>
-      </p:sp>
-      <p:sp>
-        <p:nvSpPr>
-          <p:cNvPr id="2" name="Slide Number Placeholder 1">
-            <a:extLst>
-              <a:ext uri="{FF2B5EF4-FFF2-40B4-BE49-F238E27FC236}">
-                <a16:creationId xmlns:a16="http://schemas.microsoft.com/office/drawing/2014/main" id="{0331EB4F-0E12-4FCE-BEB7-8B8D48658EF4}"/>
+              <a:t>Read papers in 6 different areas</a:t>
+            </a:r>
+          </a:p>
+          <a:p>
+            <a:pPr lvl="1"/>
+            <a:r>
+              <a:rPr lang="en-US" dirty="0"/>
+              <a:t>Background for verification of robotic systems</a:t>
+            </a:r>
+          </a:p>
+          <a:p>
+            <a:pPr lvl="1"/>
+            <a:r>
+              <a:rPr lang="en-US" dirty="0"/>
+              <a:t>Temporal logic specifications</a:t>
+            </a:r>
+          </a:p>
+          <a:p>
+            <a:pPr lvl="1"/>
+            <a:r>
+              <a:rPr lang="en-US" dirty="0"/>
+              <a:t>Synthesis from logical specifications</a:t>
+            </a:r>
+          </a:p>
+          <a:p>
+            <a:pPr lvl="1"/>
+            <a:r>
+              <a:rPr lang="en-US" dirty="0"/>
+              <a:t>Path planning from specifications</a:t>
+            </a:r>
+          </a:p>
+          <a:p>
+            <a:pPr lvl="1"/>
+            <a:r>
+              <a:rPr lang="en-US" dirty="0"/>
+              <a:t>Reinforcement Learning from specifications, reasoning about correctness of RL/deep RL</a:t>
+            </a:r>
+          </a:p>
+          <a:p>
+            <a:pPr lvl="1"/>
+            <a:r>
+              <a:rPr lang="en-US" dirty="0"/>
+              <a:t>Learning specifications and learning from demonstrations</a:t>
+            </a:r>
+          </a:p>
+        </p:txBody>
+      </p:sp>
+      <p:sp>
+        <p:nvSpPr>
+          <p:cNvPr id="3" name="Title 2">
+            <a:extLst>
+              <a:ext uri="{FF2B5EF4-FFF2-40B4-BE49-F238E27FC236}">
+                <a16:creationId xmlns:a16="http://schemas.microsoft.com/office/drawing/2014/main" id="{0FAD6CC7-D074-41BE-A250-A4DAA770552D}"/>
+              </a:ext>
+            </a:extLst>
+          </p:cNvPr>
+          <p:cNvSpPr>
+            <a:spLocks noGrp="1"/>
+          </p:cNvSpPr>
+          <p:nvPr>
+            <p:ph type="title"/>
+          </p:nvPr>
+        </p:nvSpPr>
+        <p:spPr/>
+        <p:txBody>
+          <a:bodyPr/>
+          <a:lstStyle/>
+          <a:p>
+            <a:r>
+              <a:rPr lang="en-US" dirty="0"/>
+              <a:t>Okay, so what do we plan to learn?</a:t>
+            </a:r>
+          </a:p>
+        </p:txBody>
+      </p:sp>
+      <p:sp>
+        <p:nvSpPr>
+          <p:cNvPr id="4" name="Slide Number Placeholder 3">
+            <a:extLst>
+              <a:ext uri="{FF2B5EF4-FFF2-40B4-BE49-F238E27FC236}">
+                <a16:creationId xmlns:a16="http://schemas.microsoft.com/office/drawing/2014/main" id="{B032FB2B-6FAE-454A-BB92-A9D5A2BE0FE1}"/>
               </a:ext>
             </a:extLst>
           </p:cNvPr>
@@ -3004,7 +2729,861 @@
     </p:spTree>
     <p:extLst>
       <p:ext uri="{BB962C8B-B14F-4D97-AF65-F5344CB8AC3E}">
-        <p14:creationId xmlns:p14="http://schemas.microsoft.com/office/powerpoint/2010/main" val="3387314526"/>
+        <p14:creationId xmlns:p14="http://schemas.microsoft.com/office/powerpoint/2010/main" val="2320357034"/>
+      </p:ext>
+    </p:extLst>
+  </p:cSld>
+  <p:clrMapOvr>
+    <a:masterClrMapping/>
+  </p:clrMapOvr>
+</p:sld>
+</file>
+
+<file path=ppt/slides/slide15.xml><?xml version="1.0" encoding="utf-8"?>
+<p:sld xmlns:a="http://schemas.openxmlformats.org/drawingml/2006/main" xmlns:r="http://schemas.openxmlformats.org/officeDocument/2006/relationships" xmlns:p="http://schemas.openxmlformats.org/presentationml/2006/main">
+  <p:cSld>
+    <p:spTree>
+      <p:nvGrpSpPr>
+        <p:cNvPr id="1" name=""/>
+        <p:cNvGrpSpPr/>
+        <p:nvPr/>
+      </p:nvGrpSpPr>
+      <p:grpSpPr>
+        <a:xfrm>
+          <a:off x="0" y="0"/>
+          <a:ext cx="0" cy="0"/>
+          <a:chOff x="0" y="0"/>
+          <a:chExt cx="0" cy="0"/>
+        </a:xfrm>
+      </p:grpSpPr>
+      <p:sp>
+        <p:nvSpPr>
+          <p:cNvPr id="2" name="Content Placeholder 1">
+            <a:extLst>
+              <a:ext uri="{FF2B5EF4-FFF2-40B4-BE49-F238E27FC236}">
+                <a16:creationId xmlns:a16="http://schemas.microsoft.com/office/drawing/2014/main" id="{76F883EC-2A55-41D4-B74D-C903AA1D9CC8}"/>
+              </a:ext>
+            </a:extLst>
+          </p:cNvPr>
+          <p:cNvSpPr>
+            <a:spLocks noGrp="1"/>
+          </p:cNvSpPr>
+          <p:nvPr>
+            <p:ph idx="1"/>
+          </p:nvPr>
+        </p:nvSpPr>
+        <p:spPr>
+          <a:xfrm>
+            <a:off x="166681" y="1573161"/>
+            <a:ext cx="11699087" cy="4110880"/>
+          </a:xfrm>
+        </p:spPr>
+        <p:txBody>
+          <a:bodyPr>
+            <a:normAutofit/>
+          </a:bodyPr>
+          <a:lstStyle/>
+          <a:p>
+            <a:r>
+              <a:rPr lang="en-US" dirty="0"/>
+              <a:t>Every week read one, two or three papers</a:t>
+            </a:r>
+          </a:p>
+          <a:p>
+            <a:r>
+              <a:rPr lang="en-US" dirty="0"/>
+              <a:t>Turn in a decent paragraph or two about each paper read on Slack</a:t>
+            </a:r>
+          </a:p>
+          <a:p>
+            <a:pPr lvl="1"/>
+            <a:r>
+              <a:rPr lang="en-US" dirty="0"/>
+              <a:t>Early bird gets the worm: try to avoid overlap with your peers</a:t>
+            </a:r>
+          </a:p>
+          <a:p>
+            <a:pPr lvl="1"/>
+            <a:r>
+              <a:rPr lang="en-US" dirty="0"/>
+              <a:t>Comment on some cool math trick you noticed in the paper</a:t>
+            </a:r>
+          </a:p>
+          <a:p>
+            <a:pPr lvl="1"/>
+            <a:r>
+              <a:rPr lang="en-US" dirty="0"/>
+              <a:t>Comment on ideas that it inspired in you, ways to extend the paper</a:t>
+            </a:r>
+          </a:p>
+          <a:p>
+            <a:pPr lvl="1"/>
+            <a:r>
+              <a:rPr lang="en-US" dirty="0"/>
+              <a:t>I will grade in the bulk: no individual grading for summaries, but subjective grading based on the bulk of your summaries and their quality </a:t>
+            </a:r>
+          </a:p>
+          <a:p>
+            <a:r>
+              <a:rPr lang="en-US" dirty="0"/>
+              <a:t>Volunteer (or be volunteered) for presenting </a:t>
+            </a:r>
+            <a:r>
+              <a:rPr lang="en-US" b="1" dirty="0"/>
+              <a:t>one </a:t>
+            </a:r>
+            <a:r>
+              <a:rPr lang="en-US" dirty="0"/>
+              <a:t>paper each week</a:t>
+            </a:r>
+          </a:p>
+          <a:p>
+            <a:pPr lvl="1"/>
+            <a:r>
+              <a:rPr lang="en-US" dirty="0"/>
+              <a:t>Some papers may need two </a:t>
+            </a:r>
+            <a:r>
+              <a:rPr lang="en-US" dirty="0" err="1"/>
+              <a:t>voluneers</a:t>
+            </a:r>
+            <a:endParaRPr lang="en-US" b="1" dirty="0"/>
+          </a:p>
+          <a:p>
+            <a:pPr lvl="1"/>
+            <a:endParaRPr lang="en-US" dirty="0"/>
+          </a:p>
+          <a:p>
+            <a:endParaRPr lang="en-US" dirty="0"/>
+          </a:p>
+          <a:p>
+            <a:endParaRPr lang="en-US" dirty="0"/>
+          </a:p>
+          <a:p>
+            <a:pPr lvl="1"/>
+            <a:endParaRPr lang="en-US" dirty="0"/>
+          </a:p>
+          <a:p>
+            <a:endParaRPr lang="en-US" dirty="0"/>
+          </a:p>
+          <a:p>
+            <a:pPr lvl="1"/>
+            <a:endParaRPr lang="en-US" dirty="0"/>
+          </a:p>
+          <a:p>
+            <a:pPr marL="0" indent="0">
+              <a:buNone/>
+            </a:pPr>
+            <a:endParaRPr lang="en-US" dirty="0"/>
+          </a:p>
+        </p:txBody>
+      </p:sp>
+      <p:sp>
+        <p:nvSpPr>
+          <p:cNvPr id="3" name="Title 2">
+            <a:extLst>
+              <a:ext uri="{FF2B5EF4-FFF2-40B4-BE49-F238E27FC236}">
+                <a16:creationId xmlns:a16="http://schemas.microsoft.com/office/drawing/2014/main" id="{4EE0D067-5415-4E92-B3AD-CC5ECE493587}"/>
+              </a:ext>
+            </a:extLst>
+          </p:cNvPr>
+          <p:cNvSpPr>
+            <a:spLocks noGrp="1"/>
+          </p:cNvSpPr>
+          <p:nvPr>
+            <p:ph type="title"/>
+          </p:nvPr>
+        </p:nvSpPr>
+        <p:spPr/>
+        <p:txBody>
+          <a:bodyPr/>
+          <a:lstStyle/>
+          <a:p>
+            <a:r>
+              <a:rPr lang="en-US" dirty="0"/>
+              <a:t>Course grunt work</a:t>
+            </a:r>
+          </a:p>
+        </p:txBody>
+      </p:sp>
+      <p:sp>
+        <p:nvSpPr>
+          <p:cNvPr id="4" name="Slide Number Placeholder 3">
+            <a:extLst>
+              <a:ext uri="{FF2B5EF4-FFF2-40B4-BE49-F238E27FC236}">
+                <a16:creationId xmlns:a16="http://schemas.microsoft.com/office/drawing/2014/main" id="{E44B5595-9550-4259-B1EB-A040DADD8A90}"/>
+              </a:ext>
+            </a:extLst>
+          </p:cNvPr>
+          <p:cNvSpPr>
+            <a:spLocks noGrp="1"/>
+          </p:cNvSpPr>
+          <p:nvPr>
+            <p:ph type="sldNum" sz="quarter" idx="12"/>
+          </p:nvPr>
+        </p:nvSpPr>
+        <p:spPr/>
+        <p:txBody>
+          <a:bodyPr/>
+          <a:lstStyle/>
+          <a:p>
+            <a:fld id="{29AAD378-655A-49C6-813C-9FD132EF7440}" type="slidenum">
+              <a:rPr lang="en-US" smtClean="0"/>
+              <a:pPr/>
+              <a:t>15</a:t>
+            </a:fld>
+            <a:endParaRPr lang="en-US"/>
+          </a:p>
+        </p:txBody>
+      </p:sp>
+    </p:spTree>
+    <p:extLst>
+      <p:ext uri="{BB962C8B-B14F-4D97-AF65-F5344CB8AC3E}">
+        <p14:creationId xmlns:p14="http://schemas.microsoft.com/office/powerpoint/2010/main" val="351687964"/>
+      </p:ext>
+    </p:extLst>
+  </p:cSld>
+  <p:clrMapOvr>
+    <a:masterClrMapping/>
+  </p:clrMapOvr>
+</p:sld>
+</file>
+
+<file path=ppt/slides/slide16.xml><?xml version="1.0" encoding="utf-8"?>
+<p:sld xmlns:a="http://schemas.openxmlformats.org/drawingml/2006/main" xmlns:r="http://schemas.openxmlformats.org/officeDocument/2006/relationships" xmlns:p="http://schemas.openxmlformats.org/presentationml/2006/main">
+  <p:cSld>
+    <p:spTree>
+      <p:nvGrpSpPr>
+        <p:cNvPr id="1" name=""/>
+        <p:cNvGrpSpPr/>
+        <p:nvPr/>
+      </p:nvGrpSpPr>
+      <p:grpSpPr>
+        <a:xfrm>
+          <a:off x="0" y="0"/>
+          <a:ext cx="0" cy="0"/>
+          <a:chOff x="0" y="0"/>
+          <a:chExt cx="0" cy="0"/>
+        </a:xfrm>
+      </p:grpSpPr>
+      <p:sp>
+        <p:nvSpPr>
+          <p:cNvPr id="2" name="Content Placeholder 1">
+            <a:extLst>
+              <a:ext uri="{FF2B5EF4-FFF2-40B4-BE49-F238E27FC236}">
+                <a16:creationId xmlns:a16="http://schemas.microsoft.com/office/drawing/2014/main" id="{A7EB884D-D0BF-4295-B861-87796D7D452B}"/>
+              </a:ext>
+            </a:extLst>
+          </p:cNvPr>
+          <p:cNvSpPr>
+            <a:spLocks noGrp="1"/>
+          </p:cNvSpPr>
+          <p:nvPr>
+            <p:ph idx="1"/>
+          </p:nvPr>
+        </p:nvSpPr>
+        <p:spPr/>
+        <p:txBody>
+          <a:bodyPr>
+            <a:normAutofit/>
+          </a:bodyPr>
+          <a:lstStyle/>
+          <a:p>
+            <a:r>
+              <a:rPr lang="en-US" dirty="0"/>
+              <a:t>Present the paper like its your own paper that you are presenting at a conference that is very generous in time</a:t>
+            </a:r>
+          </a:p>
+          <a:p>
+            <a:pPr lvl="1"/>
+            <a:r>
+              <a:rPr lang="en-US" dirty="0"/>
+              <a:t>Plan for a 30-45 min presentation!</a:t>
+            </a:r>
+          </a:p>
+          <a:p>
+            <a:endParaRPr lang="en-US" dirty="0"/>
+          </a:p>
+          <a:p>
+            <a:r>
+              <a:rPr lang="en-US" dirty="0"/>
+              <a:t>Discuss:</a:t>
+            </a:r>
+          </a:p>
+          <a:p>
+            <a:pPr lvl="1"/>
+            <a:r>
+              <a:rPr lang="en-US" dirty="0"/>
+              <a:t>What did you “not get” in the paper? </a:t>
+            </a:r>
+          </a:p>
+          <a:p>
+            <a:pPr lvl="1"/>
+            <a:r>
+              <a:rPr lang="en-US" dirty="0"/>
+              <a:t>What things did you find interesting and feel like sharing with others</a:t>
+            </a:r>
+          </a:p>
+          <a:p>
+            <a:pPr lvl="1"/>
+            <a:r>
+              <a:rPr lang="en-US" dirty="0"/>
+              <a:t>Criticize! How could they have improved &lt;blah&gt;?</a:t>
+            </a:r>
+          </a:p>
+          <a:p>
+            <a:pPr lvl="1"/>
+            <a:r>
+              <a:rPr lang="en-US" dirty="0"/>
+              <a:t>Explain! Whiteboard stuff!</a:t>
+            </a:r>
+          </a:p>
+          <a:p>
+            <a:pPr marL="411480" lvl="1" indent="0">
+              <a:buNone/>
+            </a:pPr>
+            <a:endParaRPr lang="en-US" dirty="0"/>
+          </a:p>
+        </p:txBody>
+      </p:sp>
+      <p:sp>
+        <p:nvSpPr>
+          <p:cNvPr id="3" name="Title 2">
+            <a:extLst>
+              <a:ext uri="{FF2B5EF4-FFF2-40B4-BE49-F238E27FC236}">
+                <a16:creationId xmlns:a16="http://schemas.microsoft.com/office/drawing/2014/main" id="{F5BEDCE0-B830-427D-BC3B-8BF14BE2FF34}"/>
+              </a:ext>
+            </a:extLst>
+          </p:cNvPr>
+          <p:cNvSpPr>
+            <a:spLocks noGrp="1"/>
+          </p:cNvSpPr>
+          <p:nvPr>
+            <p:ph type="title"/>
+          </p:nvPr>
+        </p:nvSpPr>
+        <p:spPr/>
+        <p:txBody>
+          <a:bodyPr/>
+          <a:lstStyle/>
+          <a:p>
+            <a:r>
+              <a:rPr lang="en-US" dirty="0"/>
+              <a:t>Presentation and Discussion</a:t>
+            </a:r>
+          </a:p>
+        </p:txBody>
+      </p:sp>
+      <p:sp>
+        <p:nvSpPr>
+          <p:cNvPr id="4" name="Slide Number Placeholder 3">
+            <a:extLst>
+              <a:ext uri="{FF2B5EF4-FFF2-40B4-BE49-F238E27FC236}">
+                <a16:creationId xmlns:a16="http://schemas.microsoft.com/office/drawing/2014/main" id="{034B0336-A6C7-49EC-A81D-5F7511B541E9}"/>
+              </a:ext>
+            </a:extLst>
+          </p:cNvPr>
+          <p:cNvSpPr>
+            <a:spLocks noGrp="1"/>
+          </p:cNvSpPr>
+          <p:nvPr>
+            <p:ph type="sldNum" sz="quarter" idx="12"/>
+          </p:nvPr>
+        </p:nvSpPr>
+        <p:spPr/>
+        <p:txBody>
+          <a:bodyPr/>
+          <a:lstStyle/>
+          <a:p>
+            <a:fld id="{29AAD378-655A-49C6-813C-9FD132EF7440}" type="slidenum">
+              <a:rPr lang="en-US" smtClean="0"/>
+              <a:pPr/>
+              <a:t>16</a:t>
+            </a:fld>
+            <a:endParaRPr lang="en-US"/>
+          </a:p>
+        </p:txBody>
+      </p:sp>
+    </p:spTree>
+    <p:extLst>
+      <p:ext uri="{BB962C8B-B14F-4D97-AF65-F5344CB8AC3E}">
+        <p14:creationId xmlns:p14="http://schemas.microsoft.com/office/powerpoint/2010/main" val="465481233"/>
+      </p:ext>
+    </p:extLst>
+  </p:cSld>
+  <p:clrMapOvr>
+    <a:masterClrMapping/>
+  </p:clrMapOvr>
+</p:sld>
+</file>
+
+<file path=ppt/slides/slide17.xml><?xml version="1.0" encoding="utf-8"?>
+<p:sld xmlns:a="http://schemas.openxmlformats.org/drawingml/2006/main" xmlns:r="http://schemas.openxmlformats.org/officeDocument/2006/relationships" xmlns:p="http://schemas.openxmlformats.org/presentationml/2006/main">
+  <p:cSld>
+    <p:spTree>
+      <p:nvGrpSpPr>
+        <p:cNvPr id="1" name=""/>
+        <p:cNvGrpSpPr/>
+        <p:nvPr/>
+      </p:nvGrpSpPr>
+      <p:grpSpPr>
+        <a:xfrm>
+          <a:off x="0" y="0"/>
+          <a:ext cx="0" cy="0"/>
+          <a:chOff x="0" y="0"/>
+          <a:chExt cx="0" cy="0"/>
+        </a:xfrm>
+      </p:grpSpPr>
+      <p:sp>
+        <p:nvSpPr>
+          <p:cNvPr id="2" name="Content Placeholder 1">
+            <a:extLst>
+              <a:ext uri="{FF2B5EF4-FFF2-40B4-BE49-F238E27FC236}">
+                <a16:creationId xmlns:a16="http://schemas.microsoft.com/office/drawing/2014/main" id="{7572534D-A4FA-4FB1-880B-2F310F67FF36}"/>
+              </a:ext>
+            </a:extLst>
+          </p:cNvPr>
+          <p:cNvSpPr>
+            <a:spLocks noGrp="1"/>
+          </p:cNvSpPr>
+          <p:nvPr>
+            <p:ph idx="1"/>
+          </p:nvPr>
+        </p:nvSpPr>
+        <p:spPr/>
+        <p:txBody>
+          <a:bodyPr>
+            <a:normAutofit lnSpcReduction="10000"/>
+          </a:bodyPr>
+          <a:lstStyle/>
+          <a:p>
+            <a:r>
+              <a:rPr lang="en-US" dirty="0"/>
+              <a:t>In my opinion the most fun part of this class</a:t>
+            </a:r>
+          </a:p>
+          <a:p>
+            <a:r>
+              <a:rPr lang="en-US" dirty="0"/>
+              <a:t>First two weeks: we will reserve 30-45 mins to discuss your project ideas</a:t>
+            </a:r>
+          </a:p>
+          <a:p>
+            <a:r>
+              <a:rPr lang="en-US" dirty="0"/>
+              <a:t>March 1: Paper Skeleton Due</a:t>
+            </a:r>
+          </a:p>
+          <a:p>
+            <a:pPr lvl="1"/>
+            <a:r>
+              <a:rPr lang="en-US" dirty="0"/>
+              <a:t>Intro + Related work + Prelims + Problem Definition + Solution Overview</a:t>
+            </a:r>
+          </a:p>
+          <a:p>
+            <a:r>
+              <a:rPr lang="en-US" dirty="0"/>
+              <a:t>March 15: You get reviews from a “PC” of your peers (2 to 3 reviews / paper)</a:t>
+            </a:r>
+          </a:p>
+          <a:p>
+            <a:pPr lvl="1"/>
+            <a:r>
+              <a:rPr lang="en-US" dirty="0"/>
+              <a:t>Use the reviews to refine your paper</a:t>
+            </a:r>
+          </a:p>
+          <a:p>
+            <a:r>
+              <a:rPr lang="en-US" dirty="0"/>
+              <a:t>April 5 : “Almost-Paper” Due</a:t>
+            </a:r>
+          </a:p>
+          <a:p>
+            <a:pPr lvl="1"/>
+            <a:r>
+              <a:rPr lang="en-US" dirty="0"/>
+              <a:t>Almost paper = Paper Skeleton + Summary of main results / experimental setup</a:t>
+            </a:r>
+          </a:p>
+          <a:p>
+            <a:r>
+              <a:rPr lang="en-US" dirty="0"/>
+              <a:t>April 19: You get reviews </a:t>
+            </a:r>
+          </a:p>
+          <a:p>
+            <a:r>
+              <a:rPr lang="en-US" dirty="0"/>
+              <a:t>May 12 : Polished paper due</a:t>
+            </a:r>
+          </a:p>
+          <a:p>
+            <a:endParaRPr lang="en-US" dirty="0"/>
+          </a:p>
+          <a:p>
+            <a:endParaRPr lang="en-US" dirty="0"/>
+          </a:p>
+        </p:txBody>
+      </p:sp>
+      <p:sp>
+        <p:nvSpPr>
+          <p:cNvPr id="3" name="Title 2">
+            <a:extLst>
+              <a:ext uri="{FF2B5EF4-FFF2-40B4-BE49-F238E27FC236}">
+                <a16:creationId xmlns:a16="http://schemas.microsoft.com/office/drawing/2014/main" id="{0A9C5789-59FB-490D-8A65-372DE0FFCFA1}"/>
+              </a:ext>
+            </a:extLst>
+          </p:cNvPr>
+          <p:cNvSpPr>
+            <a:spLocks noGrp="1"/>
+          </p:cNvSpPr>
+          <p:nvPr>
+            <p:ph type="title"/>
+          </p:nvPr>
+        </p:nvSpPr>
+        <p:spPr/>
+        <p:txBody>
+          <a:bodyPr/>
+          <a:lstStyle/>
+          <a:p>
+            <a:r>
+              <a:rPr lang="en-US" dirty="0"/>
+              <a:t>Peer Review!</a:t>
+            </a:r>
+          </a:p>
+        </p:txBody>
+      </p:sp>
+      <p:sp>
+        <p:nvSpPr>
+          <p:cNvPr id="4" name="Slide Number Placeholder 3">
+            <a:extLst>
+              <a:ext uri="{FF2B5EF4-FFF2-40B4-BE49-F238E27FC236}">
+                <a16:creationId xmlns:a16="http://schemas.microsoft.com/office/drawing/2014/main" id="{4A4DF869-AFB3-4F2A-8F5C-11F0332A574F}"/>
+              </a:ext>
+            </a:extLst>
+          </p:cNvPr>
+          <p:cNvSpPr>
+            <a:spLocks noGrp="1"/>
+          </p:cNvSpPr>
+          <p:nvPr>
+            <p:ph type="sldNum" sz="quarter" idx="12"/>
+          </p:nvPr>
+        </p:nvSpPr>
+        <p:spPr/>
+        <p:txBody>
+          <a:bodyPr/>
+          <a:lstStyle/>
+          <a:p>
+            <a:fld id="{29AAD378-655A-49C6-813C-9FD132EF7440}" type="slidenum">
+              <a:rPr lang="en-US" smtClean="0"/>
+              <a:pPr/>
+              <a:t>17</a:t>
+            </a:fld>
+            <a:endParaRPr lang="en-US"/>
+          </a:p>
+        </p:txBody>
+      </p:sp>
+    </p:spTree>
+    <p:extLst>
+      <p:ext uri="{BB962C8B-B14F-4D97-AF65-F5344CB8AC3E}">
+        <p14:creationId xmlns:p14="http://schemas.microsoft.com/office/powerpoint/2010/main" val="340108885"/>
+      </p:ext>
+    </p:extLst>
+  </p:cSld>
+  <p:clrMapOvr>
+    <a:masterClrMapping/>
+  </p:clrMapOvr>
+</p:sld>
+</file>
+
+<file path=ppt/slides/slide18.xml><?xml version="1.0" encoding="utf-8"?>
+<p:sld xmlns:a="http://schemas.openxmlformats.org/drawingml/2006/main" xmlns:r="http://schemas.openxmlformats.org/officeDocument/2006/relationships" xmlns:p="http://schemas.openxmlformats.org/presentationml/2006/main">
+  <p:cSld>
+    <p:spTree>
+      <p:nvGrpSpPr>
+        <p:cNvPr id="1" name=""/>
+        <p:cNvGrpSpPr/>
+        <p:nvPr/>
+      </p:nvGrpSpPr>
+      <p:grpSpPr>
+        <a:xfrm>
+          <a:off x="0" y="0"/>
+          <a:ext cx="0" cy="0"/>
+          <a:chOff x="0" y="0"/>
+          <a:chExt cx="0" cy="0"/>
+        </a:xfrm>
+      </p:grpSpPr>
+      <p:sp>
+        <p:nvSpPr>
+          <p:cNvPr id="2" name="Content Placeholder 1">
+            <a:extLst>
+              <a:ext uri="{FF2B5EF4-FFF2-40B4-BE49-F238E27FC236}">
+                <a16:creationId xmlns:a16="http://schemas.microsoft.com/office/drawing/2014/main" id="{B4E69B43-BFA7-4573-8896-7E6271005229}"/>
+              </a:ext>
+            </a:extLst>
+          </p:cNvPr>
+          <p:cNvSpPr>
+            <a:spLocks noGrp="1"/>
+          </p:cNvSpPr>
+          <p:nvPr>
+            <p:ph idx="1"/>
+          </p:nvPr>
+        </p:nvSpPr>
+        <p:spPr>
+          <a:xfrm>
+            <a:off x="166681" y="2359741"/>
+            <a:ext cx="11699087" cy="3324299"/>
+          </a:xfrm>
+        </p:spPr>
+        <p:txBody>
+          <a:bodyPr/>
+          <a:lstStyle/>
+          <a:p>
+            <a:r>
+              <a:rPr lang="en-US" dirty="0"/>
+              <a:t>You grade your peers’ papers</a:t>
+            </a:r>
+          </a:p>
+          <a:p>
+            <a:pPr lvl="1"/>
+            <a:r>
+              <a:rPr lang="en-US" dirty="0"/>
+              <a:t>Bad grade: Not clear motivation? Typos/Grammar issues? Problem not defined clearly? Solution sketch unclear? Related work not surveyed?</a:t>
+            </a:r>
+          </a:p>
+          <a:p>
+            <a:r>
+              <a:rPr lang="en-US" dirty="0"/>
+              <a:t>You grade your peers’ reviews</a:t>
+            </a:r>
+          </a:p>
+          <a:p>
+            <a:pPr lvl="1"/>
+            <a:r>
+              <a:rPr lang="en-US" dirty="0"/>
+              <a:t>Bad review: &lt;1 page, single spaced, 11 size font, focuses only on one aspect (e.g. language/grammar)</a:t>
+            </a:r>
+          </a:p>
+          <a:p>
+            <a:pPr lvl="1"/>
+            <a:endParaRPr lang="en-US" dirty="0"/>
+          </a:p>
+          <a:p>
+            <a:pPr lvl="1"/>
+            <a:endParaRPr lang="en-US" dirty="0"/>
+          </a:p>
+          <a:p>
+            <a:pPr lvl="1"/>
+            <a:endParaRPr lang="en-US" dirty="0"/>
+          </a:p>
+          <a:p>
+            <a:endParaRPr lang="en-US" dirty="0"/>
+          </a:p>
+        </p:txBody>
+      </p:sp>
+      <p:sp>
+        <p:nvSpPr>
+          <p:cNvPr id="3" name="Title 2">
+            <a:extLst>
+              <a:ext uri="{FF2B5EF4-FFF2-40B4-BE49-F238E27FC236}">
+                <a16:creationId xmlns:a16="http://schemas.microsoft.com/office/drawing/2014/main" id="{AE6064E6-A10D-4344-96E5-B67D55C248DF}"/>
+              </a:ext>
+            </a:extLst>
+          </p:cNvPr>
+          <p:cNvSpPr>
+            <a:spLocks noGrp="1"/>
+          </p:cNvSpPr>
+          <p:nvPr>
+            <p:ph type="title"/>
+          </p:nvPr>
+        </p:nvSpPr>
+        <p:spPr/>
+        <p:txBody>
+          <a:bodyPr/>
+          <a:lstStyle/>
+          <a:p>
+            <a:r>
+              <a:rPr lang="en-US" dirty="0"/>
+              <a:t>Peer Review</a:t>
+            </a:r>
+          </a:p>
+        </p:txBody>
+      </p:sp>
+      <p:sp>
+        <p:nvSpPr>
+          <p:cNvPr id="4" name="Slide Number Placeholder 3">
+            <a:extLst>
+              <a:ext uri="{FF2B5EF4-FFF2-40B4-BE49-F238E27FC236}">
+                <a16:creationId xmlns:a16="http://schemas.microsoft.com/office/drawing/2014/main" id="{A09505FF-382E-43A7-81C4-57B9FE39CFBC}"/>
+              </a:ext>
+            </a:extLst>
+          </p:cNvPr>
+          <p:cNvSpPr>
+            <a:spLocks noGrp="1"/>
+          </p:cNvSpPr>
+          <p:nvPr>
+            <p:ph type="sldNum" sz="quarter" idx="12"/>
+          </p:nvPr>
+        </p:nvSpPr>
+        <p:spPr/>
+        <p:txBody>
+          <a:bodyPr/>
+          <a:lstStyle/>
+          <a:p>
+            <a:fld id="{29AAD378-655A-49C6-813C-9FD132EF7440}" type="slidenum">
+              <a:rPr lang="en-US" smtClean="0"/>
+              <a:pPr/>
+              <a:t>18</a:t>
+            </a:fld>
+            <a:endParaRPr lang="en-US"/>
+          </a:p>
+        </p:txBody>
+      </p:sp>
+    </p:spTree>
+    <p:extLst>
+      <p:ext uri="{BB962C8B-B14F-4D97-AF65-F5344CB8AC3E}">
+        <p14:creationId xmlns:p14="http://schemas.microsoft.com/office/powerpoint/2010/main" val="3608961475"/>
+      </p:ext>
+    </p:extLst>
+  </p:cSld>
+  <p:clrMapOvr>
+    <a:masterClrMapping/>
+  </p:clrMapOvr>
+</p:sld>
+</file>
+
+<file path=ppt/slides/slide19.xml><?xml version="1.0" encoding="utf-8"?>
+<p:sld xmlns:a="http://schemas.openxmlformats.org/drawingml/2006/main" xmlns:r="http://schemas.openxmlformats.org/officeDocument/2006/relationships" xmlns:p="http://schemas.openxmlformats.org/presentationml/2006/main">
+  <p:cSld>
+    <p:spTree>
+      <p:nvGrpSpPr>
+        <p:cNvPr id="1" name=""/>
+        <p:cNvGrpSpPr/>
+        <p:nvPr/>
+      </p:nvGrpSpPr>
+      <p:grpSpPr>
+        <a:xfrm>
+          <a:off x="0" y="0"/>
+          <a:ext cx="0" cy="0"/>
+          <a:chOff x="0" y="0"/>
+          <a:chExt cx="0" cy="0"/>
+        </a:xfrm>
+      </p:grpSpPr>
+      <p:sp>
+        <p:nvSpPr>
+          <p:cNvPr id="2" name="Content Placeholder 1">
+            <a:extLst>
+              <a:ext uri="{FF2B5EF4-FFF2-40B4-BE49-F238E27FC236}">
+                <a16:creationId xmlns:a16="http://schemas.microsoft.com/office/drawing/2014/main" id="{6FB4652C-46C0-45CC-B704-482FE906812C}"/>
+              </a:ext>
+            </a:extLst>
+          </p:cNvPr>
+          <p:cNvSpPr>
+            <a:spLocks noGrp="1"/>
+          </p:cNvSpPr>
+          <p:nvPr>
+            <p:ph idx="1"/>
+          </p:nvPr>
+        </p:nvSpPr>
+        <p:spPr>
+          <a:xfrm>
+            <a:off x="166681" y="2243737"/>
+            <a:ext cx="11699087" cy="2689413"/>
+          </a:xfrm>
+        </p:spPr>
+        <p:txBody>
+          <a:bodyPr/>
+          <a:lstStyle/>
+          <a:p>
+            <a:r>
+              <a:rPr lang="en-US" dirty="0"/>
+              <a:t>Paper Reviews: 45% (includes presentations)</a:t>
+            </a:r>
+          </a:p>
+          <a:p>
+            <a:r>
+              <a:rPr lang="en-US" dirty="0"/>
+              <a:t>Peer Review: 20%  (includes peer-assisted instructor assessment)</a:t>
+            </a:r>
+          </a:p>
+          <a:p>
+            <a:r>
+              <a:rPr lang="en-US" dirty="0"/>
+              <a:t>Final Paper: 35% (includes instructor assessment of each draft)</a:t>
+            </a:r>
+          </a:p>
+          <a:p>
+            <a:pPr marL="0" indent="0">
+              <a:buNone/>
+            </a:pPr>
+            <a:endParaRPr lang="en-US" dirty="0"/>
+          </a:p>
+        </p:txBody>
+      </p:sp>
+      <p:sp>
+        <p:nvSpPr>
+          <p:cNvPr id="3" name="Title 2">
+            <a:extLst>
+              <a:ext uri="{FF2B5EF4-FFF2-40B4-BE49-F238E27FC236}">
+                <a16:creationId xmlns:a16="http://schemas.microsoft.com/office/drawing/2014/main" id="{3EB475ED-F08E-41E7-B6A0-D3FF2F4AA7D3}"/>
+              </a:ext>
+            </a:extLst>
+          </p:cNvPr>
+          <p:cNvSpPr>
+            <a:spLocks noGrp="1"/>
+          </p:cNvSpPr>
+          <p:nvPr>
+            <p:ph type="title"/>
+          </p:nvPr>
+        </p:nvSpPr>
+        <p:spPr/>
+        <p:txBody>
+          <a:bodyPr/>
+          <a:lstStyle/>
+          <a:p>
+            <a:r>
+              <a:rPr lang="en-US" dirty="0"/>
+              <a:t>Grading and Evaluation Breakdown</a:t>
+            </a:r>
+          </a:p>
+        </p:txBody>
+      </p:sp>
+      <p:sp>
+        <p:nvSpPr>
+          <p:cNvPr id="4" name="Slide Number Placeholder 3">
+            <a:extLst>
+              <a:ext uri="{FF2B5EF4-FFF2-40B4-BE49-F238E27FC236}">
+                <a16:creationId xmlns:a16="http://schemas.microsoft.com/office/drawing/2014/main" id="{90BE5378-889E-4E30-A787-3C9C856A5337}"/>
+              </a:ext>
+            </a:extLst>
+          </p:cNvPr>
+          <p:cNvSpPr>
+            <a:spLocks noGrp="1"/>
+          </p:cNvSpPr>
+          <p:nvPr>
+            <p:ph type="sldNum" sz="quarter" idx="12"/>
+          </p:nvPr>
+        </p:nvSpPr>
+        <p:spPr/>
+        <p:txBody>
+          <a:bodyPr/>
+          <a:lstStyle/>
+          <a:p>
+            <a:fld id="{29AAD378-655A-49C6-813C-9FD132EF7440}" type="slidenum">
+              <a:rPr lang="en-US" smtClean="0"/>
+              <a:pPr/>
+              <a:t>19</a:t>
+            </a:fld>
+            <a:endParaRPr lang="en-US"/>
+          </a:p>
+        </p:txBody>
+      </p:sp>
+    </p:spTree>
+    <p:extLst>
+      <p:ext uri="{BB962C8B-B14F-4D97-AF65-F5344CB8AC3E}">
+        <p14:creationId xmlns:p14="http://schemas.microsoft.com/office/powerpoint/2010/main" val="2418828916"/>
       </p:ext>
     </p:extLst>
   </p:cSld>
@@ -3049,91 +3628,82 @@
         </p:nvSpPr>
         <p:spPr/>
         <p:txBody>
+          <a:bodyPr>
+            <a:normAutofit/>
+          </a:bodyPr>
+          <a:lstStyle/>
+          <a:p>
+            <a:r>
+              <a:rPr lang="en-US" sz="3200" dirty="0"/>
+              <a:t>Sub-area of computer science, as old as computer science itself</a:t>
+            </a:r>
+          </a:p>
+          <a:p>
+            <a:r>
+              <a:rPr lang="en-US" sz="3200" dirty="0"/>
+              <a:t>Arguably at the dawn of CS, all of CS was formal methods</a:t>
+            </a:r>
+          </a:p>
+          <a:p>
+            <a:r>
+              <a:rPr lang="en-US" sz="3200" dirty="0"/>
+              <a:t>Meaning has evolved over the years, but favorite topics include</a:t>
+            </a:r>
+          </a:p>
+          <a:p>
+            <a:pPr lvl="1"/>
+            <a:r>
+              <a:rPr lang="en-US" sz="2800" dirty="0"/>
+              <a:t>Use of Logic : Propositional, Temporal, First-order, Monadic second-order, Second-order, Higher-order logics</a:t>
+            </a:r>
+          </a:p>
+          <a:p>
+            <a:pPr lvl="1"/>
+            <a:r>
+              <a:rPr lang="en-US" sz="2800" dirty="0"/>
+              <a:t>Emphasis on proving properties of programs, reasoning about programs</a:t>
+            </a:r>
+          </a:p>
+          <a:p>
+            <a:pPr lvl="1"/>
+            <a:r>
+              <a:rPr lang="en-US" sz="2800" dirty="0"/>
+              <a:t>View of programs as “state machines” : Automata, Markov chains, Turing machines</a:t>
+            </a:r>
+          </a:p>
+          <a:p>
+            <a:pPr lvl="1"/>
+            <a:endParaRPr lang="en-US" sz="2800" dirty="0"/>
+          </a:p>
+          <a:p>
+            <a:endParaRPr lang="en-US" sz="3200" dirty="0"/>
+          </a:p>
+        </p:txBody>
+      </p:sp>
+      <p:sp>
+        <p:nvSpPr>
+          <p:cNvPr id="3" name="Title 2">
+            <a:extLst>
+              <a:ext uri="{FF2B5EF4-FFF2-40B4-BE49-F238E27FC236}">
+                <a16:creationId xmlns:a16="http://schemas.microsoft.com/office/drawing/2014/main" id="{A8BA5573-1832-4330-9325-CE876E29DDA6}"/>
+              </a:ext>
+            </a:extLst>
+          </p:cNvPr>
+          <p:cNvSpPr>
+            <a:spLocks noGrp="1"/>
+          </p:cNvSpPr>
+          <p:nvPr>
+            <p:ph type="title"/>
+          </p:nvPr>
+        </p:nvSpPr>
+        <p:spPr/>
+        <p:txBody>
           <a:bodyPr/>
           <a:lstStyle/>
           <a:p>
-            <a:pPr marL="0" indent="0">
-              <a:buNone/>
-            </a:pPr>
-            <a:r>
-              <a:rPr lang="en-US" dirty="0"/>
-              <a:t>Different ways to answer this question!</a:t>
-            </a:r>
-          </a:p>
-          <a:p>
-            <a:r>
-              <a:rPr lang="en-US" dirty="0"/>
-              <a:t>Wikipedia: A Cyber-Physical system (CPS) is a </a:t>
-            </a:r>
-            <a:r>
-              <a:rPr lang="en-US" b="1" i="1" dirty="0"/>
-              <a:t>mechanism </a:t>
-            </a:r>
-            <a:r>
-              <a:rPr lang="en-US" dirty="0"/>
-              <a:t>controlled or monitored by </a:t>
-            </a:r>
-            <a:r>
-              <a:rPr lang="en-US" b="1" i="1" dirty="0"/>
-              <a:t>software algorithms</a:t>
-            </a:r>
-            <a:r>
-              <a:rPr lang="en-US" dirty="0"/>
-              <a:t>.</a:t>
-            </a:r>
-          </a:p>
-          <a:p>
-            <a:r>
-              <a:rPr lang="en-US" dirty="0"/>
-              <a:t>NSF: engineered systems built from, and depending upon, the </a:t>
-            </a:r>
-            <a:r>
-              <a:rPr lang="en-US" b="1" i="1" dirty="0"/>
-              <a:t>seamless integration </a:t>
-            </a:r>
-            <a:r>
-              <a:rPr lang="en-US" dirty="0"/>
-              <a:t>of algorithms and physical components </a:t>
-            </a:r>
-          </a:p>
-          <a:p>
-            <a:r>
-              <a:rPr lang="en-US" dirty="0"/>
-              <a:t>From a historical perspective CPS combines elements of cybernetics, mechatronics, control theory, process science, embedded systems, distributed control, and more recently communication.</a:t>
-            </a:r>
-          </a:p>
-          <a:p>
-            <a:r>
-              <a:rPr lang="en-US" dirty="0"/>
-              <a:t>One common saying: CPS = Control + Computation + Communication</a:t>
-            </a:r>
-          </a:p>
-        </p:txBody>
-      </p:sp>
-      <p:sp>
-        <p:nvSpPr>
-          <p:cNvPr id="3" name="Title 2">
-            <a:extLst>
-              <a:ext uri="{FF2B5EF4-FFF2-40B4-BE49-F238E27FC236}">
-                <a16:creationId xmlns:a16="http://schemas.microsoft.com/office/drawing/2014/main" id="{A8BA5573-1832-4330-9325-CE876E29DDA6}"/>
-              </a:ext>
-            </a:extLst>
-          </p:cNvPr>
-          <p:cNvSpPr>
-            <a:spLocks noGrp="1"/>
-          </p:cNvSpPr>
-          <p:nvPr>
-            <p:ph type="title"/>
-          </p:nvPr>
-        </p:nvSpPr>
-        <p:spPr/>
-        <p:txBody>
-          <a:bodyPr/>
-          <a:lstStyle/>
-          <a:p>
-            <a:r>
-              <a:rPr lang="en-US" dirty="0"/>
-              <a:t>What is a Cyber-Physical System?</a:t>
+            <a:r>
+              <a:rPr lang="en-US" dirty="0"/>
+              <a:t>What are formal methods?</a:t>
             </a:r>
           </a:p>
         </p:txBody>
@@ -3172,6 +3742,270 @@
     <p:extLst>
       <p:ext uri="{BB962C8B-B14F-4D97-AF65-F5344CB8AC3E}">
         <p14:creationId xmlns:p14="http://schemas.microsoft.com/office/powerpoint/2010/main" val="961498082"/>
+      </p:ext>
+    </p:extLst>
+  </p:cSld>
+  <p:clrMapOvr>
+    <a:masterClrMapping/>
+  </p:clrMapOvr>
+</p:sld>
+</file>
+
+<file path=ppt/slides/slide20.xml><?xml version="1.0" encoding="utf-8"?>
+<p:sld xmlns:a="http://schemas.openxmlformats.org/drawingml/2006/main" xmlns:r="http://schemas.openxmlformats.org/officeDocument/2006/relationships" xmlns:p="http://schemas.openxmlformats.org/presentationml/2006/main">
+  <p:cSld>
+    <p:spTree>
+      <p:nvGrpSpPr>
+        <p:cNvPr id="1" name=""/>
+        <p:cNvGrpSpPr/>
+        <p:nvPr/>
+      </p:nvGrpSpPr>
+      <p:grpSpPr>
+        <a:xfrm>
+          <a:off x="0" y="0"/>
+          <a:ext cx="0" cy="0"/>
+          <a:chOff x="0" y="0"/>
+          <a:chExt cx="0" cy="0"/>
+        </a:xfrm>
+      </p:grpSpPr>
+      <p:sp>
+        <p:nvSpPr>
+          <p:cNvPr id="2" name="Content Placeholder 1">
+            <a:extLst>
+              <a:ext uri="{FF2B5EF4-FFF2-40B4-BE49-F238E27FC236}">
+                <a16:creationId xmlns:a16="http://schemas.microsoft.com/office/drawing/2014/main" id="{0B231C2C-571D-43CE-B414-D9FB73A4EFCA}"/>
+              </a:ext>
+            </a:extLst>
+          </p:cNvPr>
+          <p:cNvSpPr>
+            <a:spLocks noGrp="1"/>
+          </p:cNvSpPr>
+          <p:nvPr>
+            <p:ph idx="1"/>
+          </p:nvPr>
+        </p:nvSpPr>
+        <p:spPr/>
+        <p:txBody>
+          <a:bodyPr/>
+          <a:lstStyle/>
+          <a:p>
+            <a:endParaRPr lang="en-US" dirty="0"/>
+          </a:p>
+          <a:p>
+            <a:endParaRPr lang="en-US" dirty="0"/>
+          </a:p>
+          <a:p>
+            <a:r>
+              <a:rPr lang="en-US" dirty="0"/>
+              <a:t>Time Accommodations: discuss</a:t>
+            </a:r>
+          </a:p>
+          <a:p>
+            <a:endParaRPr lang="en-US" dirty="0"/>
+          </a:p>
+          <a:p>
+            <a:endParaRPr lang="en-US" dirty="0"/>
+          </a:p>
+        </p:txBody>
+      </p:sp>
+      <p:sp>
+        <p:nvSpPr>
+          <p:cNvPr id="3" name="Title 2">
+            <a:extLst>
+              <a:ext uri="{FF2B5EF4-FFF2-40B4-BE49-F238E27FC236}">
+                <a16:creationId xmlns:a16="http://schemas.microsoft.com/office/drawing/2014/main" id="{4AA4098A-532A-4D1D-A521-470351816AB0}"/>
+              </a:ext>
+            </a:extLst>
+          </p:cNvPr>
+          <p:cNvSpPr>
+            <a:spLocks noGrp="1"/>
+          </p:cNvSpPr>
+          <p:nvPr>
+            <p:ph type="title"/>
+          </p:nvPr>
+        </p:nvSpPr>
+        <p:spPr/>
+        <p:txBody>
+          <a:bodyPr/>
+          <a:lstStyle/>
+          <a:p>
+            <a:r>
+              <a:rPr lang="en-US" dirty="0"/>
+              <a:t>Everything is on Slack</a:t>
+            </a:r>
+          </a:p>
+        </p:txBody>
+      </p:sp>
+      <p:sp>
+        <p:nvSpPr>
+          <p:cNvPr id="4" name="Slide Number Placeholder 3">
+            <a:extLst>
+              <a:ext uri="{FF2B5EF4-FFF2-40B4-BE49-F238E27FC236}">
+                <a16:creationId xmlns:a16="http://schemas.microsoft.com/office/drawing/2014/main" id="{1205F4F9-9CB4-4ED9-AA6D-6BFEFD0E62E8}"/>
+              </a:ext>
+            </a:extLst>
+          </p:cNvPr>
+          <p:cNvSpPr>
+            <a:spLocks noGrp="1"/>
+          </p:cNvSpPr>
+          <p:nvPr>
+            <p:ph type="sldNum" sz="quarter" idx="12"/>
+          </p:nvPr>
+        </p:nvSpPr>
+        <p:spPr/>
+        <p:txBody>
+          <a:bodyPr/>
+          <a:lstStyle/>
+          <a:p>
+            <a:fld id="{29AAD378-655A-49C6-813C-9FD132EF7440}" type="slidenum">
+              <a:rPr lang="en-US" smtClean="0"/>
+              <a:pPr/>
+              <a:t>20</a:t>
+            </a:fld>
+            <a:endParaRPr lang="en-US"/>
+          </a:p>
+        </p:txBody>
+      </p:sp>
+    </p:spTree>
+    <p:extLst>
+      <p:ext uri="{BB962C8B-B14F-4D97-AF65-F5344CB8AC3E}">
+        <p14:creationId xmlns:p14="http://schemas.microsoft.com/office/powerpoint/2010/main" val="3207350107"/>
+      </p:ext>
+    </p:extLst>
+  </p:cSld>
+  <p:clrMapOvr>
+    <a:masterClrMapping/>
+  </p:clrMapOvr>
+</p:sld>
+</file>
+
+<file path=ppt/slides/slide21.xml><?xml version="1.0" encoding="utf-8"?>
+<p:sld xmlns:a="http://schemas.openxmlformats.org/drawingml/2006/main" xmlns:r="http://schemas.openxmlformats.org/officeDocument/2006/relationships" xmlns:p="http://schemas.openxmlformats.org/presentationml/2006/main">
+  <p:cSld>
+    <p:spTree>
+      <p:nvGrpSpPr>
+        <p:cNvPr id="1" name=""/>
+        <p:cNvGrpSpPr/>
+        <p:nvPr/>
+      </p:nvGrpSpPr>
+      <p:grpSpPr>
+        <a:xfrm>
+          <a:off x="0" y="0"/>
+          <a:ext cx="0" cy="0"/>
+          <a:chOff x="0" y="0"/>
+          <a:chExt cx="0" cy="0"/>
+        </a:xfrm>
+      </p:grpSpPr>
+      <p:sp>
+        <p:nvSpPr>
+          <p:cNvPr id="3" name="Title 2">
+            <a:extLst>
+              <a:ext uri="{FF2B5EF4-FFF2-40B4-BE49-F238E27FC236}">
+                <a16:creationId xmlns:a16="http://schemas.microsoft.com/office/drawing/2014/main" id="{770E9C3A-B37F-4ADF-899B-AC2EA49325FB}"/>
+              </a:ext>
+            </a:extLst>
+          </p:cNvPr>
+          <p:cNvSpPr>
+            <a:spLocks noGrp="1"/>
+          </p:cNvSpPr>
+          <p:nvPr>
+            <p:ph type="title"/>
+          </p:nvPr>
+        </p:nvSpPr>
+        <p:spPr/>
+        <p:txBody>
+          <a:bodyPr/>
+          <a:lstStyle/>
+          <a:p>
+            <a:r>
+              <a:rPr lang="en-US" dirty="0"/>
+              <a:t>Introductions …</a:t>
+            </a:r>
+          </a:p>
+        </p:txBody>
+      </p:sp>
+      <p:sp>
+        <p:nvSpPr>
+          <p:cNvPr id="5" name="Content Placeholder 4">
+            <a:extLst>
+              <a:ext uri="{FF2B5EF4-FFF2-40B4-BE49-F238E27FC236}">
+                <a16:creationId xmlns:a16="http://schemas.microsoft.com/office/drawing/2014/main" id="{203829F2-4AFB-47B6-B6B5-A71A8D74CBA2}"/>
+              </a:ext>
+            </a:extLst>
+          </p:cNvPr>
+          <p:cNvSpPr>
+            <a:spLocks noGrp="1"/>
+          </p:cNvSpPr>
+          <p:nvPr>
+            <p:ph idx="1"/>
+          </p:nvPr>
+        </p:nvSpPr>
+        <p:spPr>
+          <a:xfrm>
+            <a:off x="166680" y="2044313"/>
+            <a:ext cx="11699087" cy="2620256"/>
+          </a:xfrm>
+        </p:spPr>
+        <p:txBody>
+          <a:bodyPr/>
+          <a:lstStyle/>
+          <a:p>
+            <a:r>
+              <a:rPr lang="en-US" dirty="0"/>
+              <a:t>What’s your background?</a:t>
+            </a:r>
+          </a:p>
+          <a:p>
+            <a:r>
+              <a:rPr lang="en-US" dirty="0"/>
+              <a:t>What do you expect to get out of it?</a:t>
+            </a:r>
+          </a:p>
+          <a:p>
+            <a:endParaRPr lang="en-US" dirty="0"/>
+          </a:p>
+          <a:p>
+            <a:r>
+              <a:rPr lang="en-US" dirty="0"/>
+              <a:t>Do you have a project in mind?</a:t>
+            </a:r>
+          </a:p>
+        </p:txBody>
+      </p:sp>
+      <p:sp>
+        <p:nvSpPr>
+          <p:cNvPr id="2" name="Slide Number Placeholder 1">
+            <a:extLst>
+              <a:ext uri="{FF2B5EF4-FFF2-40B4-BE49-F238E27FC236}">
+                <a16:creationId xmlns:a16="http://schemas.microsoft.com/office/drawing/2014/main" id="{0331EB4F-0E12-4FCE-BEB7-8B8D48658EF4}"/>
+              </a:ext>
+            </a:extLst>
+          </p:cNvPr>
+          <p:cNvSpPr>
+            <a:spLocks noGrp="1"/>
+          </p:cNvSpPr>
+          <p:nvPr>
+            <p:ph type="sldNum" sz="quarter" idx="12"/>
+          </p:nvPr>
+        </p:nvSpPr>
+        <p:spPr/>
+        <p:txBody>
+          <a:bodyPr/>
+          <a:lstStyle/>
+          <a:p>
+            <a:fld id="{29AAD378-655A-49C6-813C-9FD132EF7440}" type="slidenum">
+              <a:rPr lang="en-US" smtClean="0"/>
+              <a:pPr/>
+              <a:t>21</a:t>
+            </a:fld>
+            <a:endParaRPr lang="en-US"/>
+          </a:p>
+        </p:txBody>
+      </p:sp>
+    </p:spTree>
+    <p:extLst>
+      <p:ext uri="{BB962C8B-B14F-4D97-AF65-F5344CB8AC3E}">
+        <p14:creationId xmlns:p14="http://schemas.microsoft.com/office/powerpoint/2010/main" val="3387314526"/>
       </p:ext>
     </p:extLst>
   </p:cSld>
@@ -3203,7 +4037,7 @@
           <p:cNvPr id="2" name="Content Placeholder 1">
             <a:extLst>
               <a:ext uri="{FF2B5EF4-FFF2-40B4-BE49-F238E27FC236}">
-                <a16:creationId xmlns:a16="http://schemas.microsoft.com/office/drawing/2014/main" id="{18524B99-4901-4F24-9903-384AF92D19F6}"/>
+                <a16:creationId xmlns:a16="http://schemas.microsoft.com/office/drawing/2014/main" id="{EB03B388-0595-4F27-B380-96CB497B1D93}"/>
               </a:ext>
             </a:extLst>
           </p:cNvPr>
@@ -3214,50 +4048,67 @@
             <p:ph idx="1"/>
           </p:nvPr>
         </p:nvSpPr>
-        <p:spPr>
-          <a:xfrm>
-            <a:off x="166681" y="1332703"/>
-            <a:ext cx="7225359" cy="4351338"/>
-          </a:xfrm>
-        </p:spPr>
-        <p:txBody>
-          <a:bodyPr/>
-          <a:lstStyle/>
-          <a:p>
-            <a:r>
-              <a:rPr lang="en-US" dirty="0"/>
-              <a:t>Systems where the behavior of the physical components is strongly influenced by the software components</a:t>
-            </a:r>
-          </a:p>
-          <a:p>
-            <a:r>
-              <a:rPr lang="en-US" dirty="0"/>
-              <a:t>Systems where there the communication between the physical component and the software component may be direct or through a network</a:t>
-            </a:r>
-          </a:p>
-          <a:p>
-            <a:r>
-              <a:rPr lang="en-US" dirty="0"/>
-              <a:t>Systems in which the primary role played by software is </a:t>
-            </a:r>
-            <a:r>
-              <a:rPr lang="en-US" b="1" i="1" dirty="0"/>
-              <a:t>control</a:t>
+        <p:spPr/>
+        <p:txBody>
+          <a:bodyPr>
+            <a:normAutofit/>
+          </a:bodyPr>
+          <a:lstStyle/>
+          <a:p>
+            <a:r>
+              <a:rPr lang="en-US" dirty="0"/>
+              <a:t>Verification</a:t>
+            </a:r>
+          </a:p>
+          <a:p>
+            <a:pPr lvl="1"/>
+            <a:r>
+              <a:rPr lang="en-US" dirty="0"/>
+              <a:t>How do you prove that the program works correctly under all possible inputs?</a:t>
+            </a:r>
+          </a:p>
+          <a:p>
+            <a:pPr lvl="1"/>
+            <a:r>
+              <a:rPr lang="en-US" dirty="0"/>
+              <a:t>How do you show that a program satisfies its given </a:t>
             </a:r>
             <a:r>
               <a:rPr lang="en-US" i="1" dirty="0"/>
-              <a:t> </a:t>
-            </a:r>
-            <a:r>
-              <a:rPr lang="en-US" dirty="0"/>
-              <a:t>(in contrast to passive monitoring).</a:t>
-            </a:r>
-            <a:endParaRPr lang="en-US" b="1" i="1" dirty="0"/>
+              <a:t>specification</a:t>
+            </a:r>
+            <a:r>
+              <a:rPr lang="en-US" dirty="0"/>
+              <a:t>?</a:t>
+            </a:r>
+          </a:p>
+          <a:p>
+            <a:pPr lvl="1"/>
+            <a:endParaRPr lang="en-US" dirty="0"/>
           </a:p>
           <a:p>
             <a:pPr marL="0" indent="0">
               <a:buNone/>
             </a:pPr>
+            <a:r>
+              <a:rPr lang="en-US" dirty="0"/>
+              <a:t>Verification Techniques </a:t>
+            </a:r>
+          </a:p>
+          <a:p>
+            <a:r>
+              <a:rPr lang="en-US" dirty="0"/>
+              <a:t>Theorem proving (deductive verification)</a:t>
+            </a:r>
+          </a:p>
+          <a:p>
+            <a:r>
+              <a:rPr lang="en-US" dirty="0"/>
+              <a:t>Model checking (inductive verification)</a:t>
+            </a:r>
+          </a:p>
+          <a:p>
+            <a:pPr lvl="2"/>
             <a:endParaRPr lang="en-US" dirty="0"/>
           </a:p>
         </p:txBody>
@@ -3267,7 +4118,7 @@
           <p:cNvPr id="3" name="Title 2">
             <a:extLst>
               <a:ext uri="{FF2B5EF4-FFF2-40B4-BE49-F238E27FC236}">
-                <a16:creationId xmlns:a16="http://schemas.microsoft.com/office/drawing/2014/main" id="{66EDED82-67A4-4B11-9EB1-09A84133B4D7}"/>
+                <a16:creationId xmlns:a16="http://schemas.microsoft.com/office/drawing/2014/main" id="{664A565C-3D8A-41B2-AFC2-15614136F5CF}"/>
               </a:ext>
             </a:extLst>
           </p:cNvPr>
@@ -3285,499 +4136,17 @@
           <a:p>
             <a:r>
               <a:rPr lang="en-US" dirty="0"/>
-              <a:t>Our focus on CPS in this course</a:t>
-            </a:r>
-          </a:p>
-        </p:txBody>
-      </p:sp>
-      <p:grpSp>
-        <p:nvGrpSpPr>
-          <p:cNvPr id="6" name="Group 5">
-            <a:extLst>
-              <a:ext uri="{FF2B5EF4-FFF2-40B4-BE49-F238E27FC236}">
-                <a16:creationId xmlns:a16="http://schemas.microsoft.com/office/drawing/2014/main" id="{7371A9CF-DE53-438D-9BFA-BA59337E0BD5}"/>
-              </a:ext>
-            </a:extLst>
-          </p:cNvPr>
-          <p:cNvGrpSpPr/>
-          <p:nvPr/>
-        </p:nvGrpSpPr>
-        <p:grpSpPr>
-          <a:xfrm>
-            <a:off x="7924800" y="905280"/>
-            <a:ext cx="3939615" cy="4130878"/>
-            <a:chOff x="7924800" y="905280"/>
-            <a:chExt cx="3939615" cy="4130878"/>
-          </a:xfrm>
-        </p:grpSpPr>
-        <p:sp>
-          <p:nvSpPr>
-            <p:cNvPr id="7" name="Freeform: Shape 6">
-              <a:extLst>
-                <a:ext uri="{FF2B5EF4-FFF2-40B4-BE49-F238E27FC236}">
-                  <a16:creationId xmlns:a16="http://schemas.microsoft.com/office/drawing/2014/main" id="{A5883194-F1E7-4984-B25D-543EC629B2DD}"/>
-                </a:ext>
-              </a:extLst>
-            </p:cNvPr>
-            <p:cNvSpPr/>
-            <p:nvPr/>
-          </p:nvSpPr>
-          <p:spPr>
-            <a:xfrm>
-              <a:off x="8449014" y="905280"/>
-              <a:ext cx="2524647" cy="2524647"/>
-            </a:xfrm>
-            <a:custGeom>
-              <a:avLst/>
-              <a:gdLst>
-                <a:gd name="connsiteX0" fmla="*/ 0 w 2524647"/>
-                <a:gd name="connsiteY0" fmla="*/ 1262324 h 2524647"/>
-                <a:gd name="connsiteX1" fmla="*/ 1262324 w 2524647"/>
-                <a:gd name="connsiteY1" fmla="*/ 0 h 2524647"/>
-                <a:gd name="connsiteX2" fmla="*/ 2524648 w 2524647"/>
-                <a:gd name="connsiteY2" fmla="*/ 1262324 h 2524647"/>
-                <a:gd name="connsiteX3" fmla="*/ 1262324 w 2524647"/>
-                <a:gd name="connsiteY3" fmla="*/ 2524648 h 2524647"/>
-                <a:gd name="connsiteX4" fmla="*/ 0 w 2524647"/>
-                <a:gd name="connsiteY4" fmla="*/ 1262324 h 2524647"/>
-              </a:gdLst>
-              <a:ahLst/>
-              <a:cxnLst>
-                <a:cxn ang="0">
-                  <a:pos x="connsiteX0" y="connsiteY0"/>
-                </a:cxn>
-                <a:cxn ang="0">
-                  <a:pos x="connsiteX1" y="connsiteY1"/>
-                </a:cxn>
-                <a:cxn ang="0">
-                  <a:pos x="connsiteX2" y="connsiteY2"/>
-                </a:cxn>
-                <a:cxn ang="0">
-                  <a:pos x="connsiteX3" y="connsiteY3"/>
-                </a:cxn>
-                <a:cxn ang="0">
-                  <a:pos x="connsiteX4" y="connsiteY4"/>
-                </a:cxn>
-              </a:cxnLst>
-              <a:rect l="l" t="t" r="r" b="b"/>
-              <a:pathLst>
-                <a:path w="2524647" h="2524647">
-                  <a:moveTo>
-                    <a:pt x="0" y="1262324"/>
-                  </a:moveTo>
-                  <a:cubicBezTo>
-                    <a:pt x="0" y="565162"/>
-                    <a:pt x="565162" y="0"/>
-                    <a:pt x="1262324" y="0"/>
-                  </a:cubicBezTo>
-                  <a:cubicBezTo>
-                    <a:pt x="1959486" y="0"/>
-                    <a:pt x="2524648" y="565162"/>
-                    <a:pt x="2524648" y="1262324"/>
-                  </a:cubicBezTo>
-                  <a:cubicBezTo>
-                    <a:pt x="2524648" y="1959486"/>
-                    <a:pt x="1959486" y="2524648"/>
-                    <a:pt x="1262324" y="2524648"/>
-                  </a:cubicBezTo>
-                  <a:cubicBezTo>
-                    <a:pt x="565162" y="2524648"/>
-                    <a:pt x="0" y="1959486"/>
-                    <a:pt x="0" y="1262324"/>
-                  </a:cubicBezTo>
-                  <a:close/>
-                </a:path>
-              </a:pathLst>
-            </a:custGeom>
-            <a:solidFill>
-              <a:schemeClr val="accent2">
-                <a:lumMod val="40000"/>
-                <a:lumOff val="60000"/>
-                <a:alpha val="57000"/>
-              </a:schemeClr>
-            </a:solidFill>
-          </p:spPr>
-          <p:style>
-            <a:lnRef idx="2">
-              <a:schemeClr val="lt1">
-                <a:hueOff val="0"/>
-                <a:satOff val="0"/>
-                <a:lumOff val="0"/>
-                <a:alphaOff val="0"/>
-              </a:schemeClr>
-            </a:lnRef>
-            <a:fillRef idx="1">
-              <a:scrgbClr r="0" g="0" b="0"/>
-            </a:fillRef>
-            <a:effectRef idx="0">
-              <a:schemeClr val="accent4">
-                <a:alpha val="50000"/>
-                <a:hueOff val="0"/>
-                <a:satOff val="0"/>
-                <a:lumOff val="0"/>
-                <a:alphaOff val="0"/>
-              </a:schemeClr>
-            </a:effectRef>
-            <a:fontRef idx="minor">
-              <a:schemeClr val="tx1"/>
-            </a:fontRef>
-          </p:style>
-          <p:txBody>
-            <a:bodyPr spcFirstLastPara="0" vert="horz" wrap="square" lIns="336619" tIns="441813" rIns="336620" bIns="946743" numCol="1" spcCol="1270" anchor="ctr" anchorCtr="0">
-              <a:noAutofit/>
-            </a:bodyPr>
-            <a:lstStyle/>
-            <a:p>
-              <a:pPr marL="0" lvl="0" indent="0" algn="ctr" defTabSz="1244600">
-                <a:lnSpc>
-                  <a:spcPct val="90000"/>
-                </a:lnSpc>
-                <a:spcBef>
-                  <a:spcPct val="0"/>
-                </a:spcBef>
-                <a:spcAft>
-                  <a:spcPct val="35000"/>
-                </a:spcAft>
-                <a:buNone/>
-              </a:pPr>
-              <a:r>
-                <a:rPr lang="en-US" sz="2800" kern="1200" dirty="0"/>
-                <a:t>Control</a:t>
-              </a:r>
-            </a:p>
-          </p:txBody>
-        </p:sp>
-        <p:sp>
-          <p:nvSpPr>
-            <p:cNvPr id="8" name="Freeform: Shape 7">
-              <a:extLst>
-                <a:ext uri="{FF2B5EF4-FFF2-40B4-BE49-F238E27FC236}">
-                  <a16:creationId xmlns:a16="http://schemas.microsoft.com/office/drawing/2014/main" id="{04895DF0-14E0-41CD-BA88-B977E21F03E7}"/>
-                </a:ext>
-              </a:extLst>
-            </p:cNvPr>
-            <p:cNvSpPr/>
-            <p:nvPr/>
-          </p:nvSpPr>
-          <p:spPr>
-            <a:xfrm>
-              <a:off x="9339768" y="2511511"/>
-              <a:ext cx="2524647" cy="2524647"/>
-            </a:xfrm>
-            <a:custGeom>
-              <a:avLst/>
-              <a:gdLst>
-                <a:gd name="connsiteX0" fmla="*/ 0 w 2524647"/>
-                <a:gd name="connsiteY0" fmla="*/ 1262324 h 2524647"/>
-                <a:gd name="connsiteX1" fmla="*/ 1262324 w 2524647"/>
-                <a:gd name="connsiteY1" fmla="*/ 0 h 2524647"/>
-                <a:gd name="connsiteX2" fmla="*/ 2524648 w 2524647"/>
-                <a:gd name="connsiteY2" fmla="*/ 1262324 h 2524647"/>
-                <a:gd name="connsiteX3" fmla="*/ 1262324 w 2524647"/>
-                <a:gd name="connsiteY3" fmla="*/ 2524648 h 2524647"/>
-                <a:gd name="connsiteX4" fmla="*/ 0 w 2524647"/>
-                <a:gd name="connsiteY4" fmla="*/ 1262324 h 2524647"/>
-              </a:gdLst>
-              <a:ahLst/>
-              <a:cxnLst>
-                <a:cxn ang="0">
-                  <a:pos x="connsiteX0" y="connsiteY0"/>
-                </a:cxn>
-                <a:cxn ang="0">
-                  <a:pos x="connsiteX1" y="connsiteY1"/>
-                </a:cxn>
-                <a:cxn ang="0">
-                  <a:pos x="connsiteX2" y="connsiteY2"/>
-                </a:cxn>
-                <a:cxn ang="0">
-                  <a:pos x="connsiteX3" y="connsiteY3"/>
-                </a:cxn>
-                <a:cxn ang="0">
-                  <a:pos x="connsiteX4" y="connsiteY4"/>
-                </a:cxn>
-              </a:cxnLst>
-              <a:rect l="l" t="t" r="r" b="b"/>
-              <a:pathLst>
-                <a:path w="2524647" h="2524647">
-                  <a:moveTo>
-                    <a:pt x="0" y="1262324"/>
-                  </a:moveTo>
-                  <a:cubicBezTo>
-                    <a:pt x="0" y="565162"/>
-                    <a:pt x="565162" y="0"/>
-                    <a:pt x="1262324" y="0"/>
-                  </a:cubicBezTo>
-                  <a:cubicBezTo>
-                    <a:pt x="1959486" y="0"/>
-                    <a:pt x="2524648" y="565162"/>
-                    <a:pt x="2524648" y="1262324"/>
-                  </a:cubicBezTo>
-                  <a:cubicBezTo>
-                    <a:pt x="2524648" y="1959486"/>
-                    <a:pt x="1959486" y="2524648"/>
-                    <a:pt x="1262324" y="2524648"/>
-                  </a:cubicBezTo>
-                  <a:cubicBezTo>
-                    <a:pt x="565162" y="2524648"/>
-                    <a:pt x="0" y="1959486"/>
-                    <a:pt x="0" y="1262324"/>
-                  </a:cubicBezTo>
-                  <a:close/>
-                </a:path>
-              </a:pathLst>
-            </a:custGeom>
-            <a:solidFill>
-              <a:schemeClr val="accent2">
-                <a:lumMod val="40000"/>
-                <a:lumOff val="60000"/>
-                <a:alpha val="43000"/>
-              </a:schemeClr>
-            </a:solidFill>
-          </p:spPr>
-          <p:style>
-            <a:lnRef idx="2">
-              <a:schemeClr val="lt1">
-                <a:hueOff val="0"/>
-                <a:satOff val="0"/>
-                <a:lumOff val="0"/>
-                <a:alphaOff val="0"/>
-              </a:schemeClr>
-            </a:lnRef>
-            <a:fillRef idx="1">
-              <a:scrgbClr r="0" g="0" b="0"/>
-            </a:fillRef>
-            <a:effectRef idx="0">
-              <a:schemeClr val="accent4">
-                <a:alpha val="50000"/>
-                <a:hueOff val="4900445"/>
-                <a:satOff val="-20388"/>
-                <a:lumOff val="4804"/>
-                <a:alphaOff val="0"/>
-              </a:schemeClr>
-            </a:effectRef>
-            <a:fontRef idx="minor">
-              <a:schemeClr val="tx1"/>
-            </a:fontRef>
-          </p:style>
-          <p:txBody>
-            <a:bodyPr spcFirstLastPara="0" vert="horz" wrap="square" lIns="772122" tIns="652201" rIns="237737" bIns="483890" numCol="1" spcCol="1270" anchor="ctr" anchorCtr="0">
-              <a:noAutofit/>
-            </a:bodyPr>
-            <a:lstStyle/>
-            <a:p>
-              <a:pPr marL="0" lvl="0" indent="0" algn="ctr" defTabSz="977900">
-                <a:lnSpc>
-                  <a:spcPct val="90000"/>
-                </a:lnSpc>
-                <a:spcBef>
-                  <a:spcPct val="0"/>
-                </a:spcBef>
-                <a:spcAft>
-                  <a:spcPct val="35000"/>
-                </a:spcAft>
-                <a:buNone/>
-              </a:pPr>
-              <a:r>
-                <a:rPr lang="en-US" sz="2200" kern="1200" dirty="0"/>
-                <a:t>Computation</a:t>
-              </a:r>
-            </a:p>
-          </p:txBody>
-        </p:sp>
-        <p:sp>
-          <p:nvSpPr>
-            <p:cNvPr id="9" name="Freeform: Shape 8">
-              <a:extLst>
-                <a:ext uri="{FF2B5EF4-FFF2-40B4-BE49-F238E27FC236}">
-                  <a16:creationId xmlns:a16="http://schemas.microsoft.com/office/drawing/2014/main" id="{DDD9658E-38B7-4597-B857-3C19BFDF578D}"/>
-                </a:ext>
-              </a:extLst>
-            </p:cNvPr>
-            <p:cNvSpPr/>
-            <p:nvPr/>
-          </p:nvSpPr>
-          <p:spPr>
-            <a:xfrm>
-              <a:off x="7924800" y="2483185"/>
-              <a:ext cx="2137884" cy="2249051"/>
-            </a:xfrm>
-            <a:custGeom>
-              <a:avLst/>
-              <a:gdLst>
-                <a:gd name="connsiteX0" fmla="*/ 0 w 2524647"/>
-                <a:gd name="connsiteY0" fmla="*/ 1262324 h 2524647"/>
-                <a:gd name="connsiteX1" fmla="*/ 1262324 w 2524647"/>
-                <a:gd name="connsiteY1" fmla="*/ 0 h 2524647"/>
-                <a:gd name="connsiteX2" fmla="*/ 2524648 w 2524647"/>
-                <a:gd name="connsiteY2" fmla="*/ 1262324 h 2524647"/>
-                <a:gd name="connsiteX3" fmla="*/ 1262324 w 2524647"/>
-                <a:gd name="connsiteY3" fmla="*/ 2524648 h 2524647"/>
-                <a:gd name="connsiteX4" fmla="*/ 0 w 2524647"/>
-                <a:gd name="connsiteY4" fmla="*/ 1262324 h 2524647"/>
-              </a:gdLst>
-              <a:ahLst/>
-              <a:cxnLst>
-                <a:cxn ang="0">
-                  <a:pos x="connsiteX0" y="connsiteY0"/>
-                </a:cxn>
-                <a:cxn ang="0">
-                  <a:pos x="connsiteX1" y="connsiteY1"/>
-                </a:cxn>
-                <a:cxn ang="0">
-                  <a:pos x="connsiteX2" y="connsiteY2"/>
-                </a:cxn>
-                <a:cxn ang="0">
-                  <a:pos x="connsiteX3" y="connsiteY3"/>
-                </a:cxn>
-                <a:cxn ang="0">
-                  <a:pos x="connsiteX4" y="connsiteY4"/>
-                </a:cxn>
-              </a:cxnLst>
-              <a:rect l="l" t="t" r="r" b="b"/>
-              <a:pathLst>
-                <a:path w="2524647" h="2524647">
-                  <a:moveTo>
-                    <a:pt x="0" y="1262324"/>
-                  </a:moveTo>
-                  <a:cubicBezTo>
-                    <a:pt x="0" y="565162"/>
-                    <a:pt x="565162" y="0"/>
-                    <a:pt x="1262324" y="0"/>
-                  </a:cubicBezTo>
-                  <a:cubicBezTo>
-                    <a:pt x="1959486" y="0"/>
-                    <a:pt x="2524648" y="565162"/>
-                    <a:pt x="2524648" y="1262324"/>
-                  </a:cubicBezTo>
-                  <a:cubicBezTo>
-                    <a:pt x="2524648" y="1959486"/>
-                    <a:pt x="1959486" y="2524648"/>
-                    <a:pt x="1262324" y="2524648"/>
-                  </a:cubicBezTo>
-                  <a:cubicBezTo>
-                    <a:pt x="565162" y="2524648"/>
-                    <a:pt x="0" y="1959486"/>
-                    <a:pt x="0" y="1262324"/>
-                  </a:cubicBezTo>
-                  <a:close/>
-                </a:path>
-              </a:pathLst>
-            </a:custGeom>
-            <a:solidFill>
-              <a:schemeClr val="bg1">
-                <a:lumMod val="85000"/>
-                <a:alpha val="50000"/>
-              </a:schemeClr>
-            </a:solidFill>
-          </p:spPr>
-          <p:style>
-            <a:lnRef idx="2">
-              <a:schemeClr val="lt1">
-                <a:hueOff val="0"/>
-                <a:satOff val="0"/>
-                <a:lumOff val="0"/>
-                <a:alphaOff val="0"/>
-              </a:schemeClr>
-            </a:lnRef>
-            <a:fillRef idx="1">
-              <a:scrgbClr r="0" g="0" b="0"/>
-            </a:fillRef>
-            <a:effectRef idx="0">
-              <a:schemeClr val="accent4">
-                <a:alpha val="50000"/>
-                <a:hueOff val="9800891"/>
-                <a:satOff val="-40777"/>
-                <a:lumOff val="9608"/>
-                <a:alphaOff val="0"/>
-              </a:schemeClr>
-            </a:effectRef>
-            <a:fontRef idx="minor">
-              <a:schemeClr val="tx1"/>
-            </a:fontRef>
-          </p:style>
-          <p:txBody>
-            <a:bodyPr spcFirstLastPara="0" vert="horz" wrap="square" lIns="237737" tIns="652200" rIns="772122" bIns="483891" numCol="1" spcCol="1270" anchor="ctr" anchorCtr="0">
-              <a:noAutofit/>
-            </a:bodyPr>
-            <a:lstStyle/>
-            <a:p>
-              <a:pPr marL="0" lvl="0" indent="0" algn="ctr" defTabSz="1244600">
-                <a:lnSpc>
-                  <a:spcPct val="90000"/>
-                </a:lnSpc>
-                <a:spcBef>
-                  <a:spcPct val="0"/>
-                </a:spcBef>
-                <a:spcAft>
-                  <a:spcPct val="35000"/>
-                </a:spcAft>
-                <a:buNone/>
-              </a:pPr>
-              <a:r>
-                <a:rPr lang="en-US" sz="2400" kern="1200" dirty="0"/>
-                <a:t>Communication</a:t>
-              </a:r>
-            </a:p>
-          </p:txBody>
-        </p:sp>
-      </p:grpSp>
-      <p:sp>
-        <p:nvSpPr>
-          <p:cNvPr id="5" name="Rectangle 4">
-            <a:extLst>
-              <a:ext uri="{FF2B5EF4-FFF2-40B4-BE49-F238E27FC236}">
-                <a16:creationId xmlns:a16="http://schemas.microsoft.com/office/drawing/2014/main" id="{B516AC0C-7B85-4D52-B493-6C6B41971D07}"/>
-              </a:ext>
-            </a:extLst>
-          </p:cNvPr>
-          <p:cNvSpPr/>
-          <p:nvPr/>
-        </p:nvSpPr>
-        <p:spPr>
-          <a:xfrm>
-            <a:off x="9388620" y="2956556"/>
-            <a:ext cx="645436" cy="472444"/>
-          </a:xfrm>
-          <a:prstGeom prst="rect">
-            <a:avLst/>
-          </a:prstGeom>
-          <a:noFill/>
-          <a:ln>
-            <a:noFill/>
-          </a:ln>
-        </p:spPr>
-        <p:style>
-          <a:lnRef idx="2">
-            <a:schemeClr val="accent3"/>
-          </a:lnRef>
-          <a:fillRef idx="1">
-            <a:schemeClr val="lt1"/>
-          </a:fillRef>
-          <a:effectRef idx="0">
-            <a:schemeClr val="accent3"/>
-          </a:effectRef>
-          <a:fontRef idx="minor">
-            <a:schemeClr val="dk1"/>
-          </a:fontRef>
-        </p:style>
-        <p:txBody>
-          <a:bodyPr rtlCol="0" anchor="ctr"/>
-          <a:lstStyle/>
-          <a:p>
-            <a:pPr algn="ctr"/>
-            <a:r>
-              <a:rPr lang="en-US" sz="2400" dirty="0"/>
-              <a:t>CPS</a:t>
-            </a:r>
-          </a:p>
-        </p:txBody>
-      </p:sp>
-      <p:sp>
-        <p:nvSpPr>
-          <p:cNvPr id="10" name="Slide Number Placeholder 9">
-            <a:extLst>
-              <a:ext uri="{FF2B5EF4-FFF2-40B4-BE49-F238E27FC236}">
-                <a16:creationId xmlns:a16="http://schemas.microsoft.com/office/drawing/2014/main" id="{9C6104C2-EF38-4C82-8818-BC82A7B684E1}"/>
+              <a:t>Favorite problems in formal methods: I</a:t>
+            </a:r>
+          </a:p>
+        </p:txBody>
+      </p:sp>
+      <p:sp>
+        <p:nvSpPr>
+          <p:cNvPr id="4" name="Slide Number Placeholder 3">
+            <a:extLst>
+              <a:ext uri="{FF2B5EF4-FFF2-40B4-BE49-F238E27FC236}">
+                <a16:creationId xmlns:a16="http://schemas.microsoft.com/office/drawing/2014/main" id="{F9F28347-0113-40FA-9610-BD35681F4BD3}"/>
               </a:ext>
             </a:extLst>
           </p:cNvPr>
@@ -3805,7 +4174,7 @@
     </p:spTree>
     <p:extLst>
       <p:ext uri="{BB962C8B-B14F-4D97-AF65-F5344CB8AC3E}">
-        <p14:creationId xmlns:p14="http://schemas.microsoft.com/office/powerpoint/2010/main" val="130332474"/>
+        <p14:creationId xmlns:p14="http://schemas.microsoft.com/office/powerpoint/2010/main" val="2830589457"/>
       </p:ext>
     </p:extLst>
   </p:cSld>
@@ -3834,9 +4203,538 @@
       </p:grpSpPr>
       <p:sp>
         <p:nvSpPr>
+          <p:cNvPr id="2" name="Content Placeholder 1">
+            <a:extLst>
+              <a:ext uri="{FF2B5EF4-FFF2-40B4-BE49-F238E27FC236}">
+                <a16:creationId xmlns:a16="http://schemas.microsoft.com/office/drawing/2014/main" id="{1A3FEA3D-F66F-419D-93C4-40AB37E09F56}"/>
+              </a:ext>
+            </a:extLst>
+          </p:cNvPr>
+          <p:cNvSpPr>
+            <a:spLocks noGrp="1"/>
+          </p:cNvSpPr>
+          <p:nvPr>
+            <p:ph idx="1"/>
+          </p:nvPr>
+        </p:nvSpPr>
+        <p:spPr/>
+        <p:txBody>
+          <a:bodyPr/>
+          <a:lstStyle/>
+          <a:p>
+            <a:r>
+              <a:rPr lang="en-US" dirty="0"/>
+              <a:t>Programmer Assertions </a:t>
+            </a:r>
+          </a:p>
+          <a:p>
+            <a:pPr marL="411480" lvl="1" indent="0">
+              <a:buNone/>
+            </a:pPr>
+            <a:r>
+              <a:rPr lang="en-US" dirty="0">
+                <a:latin typeface="Courier New" panose="02070309020205020404" pitchFamily="49" charset="0"/>
+                <a:cs typeface="Courier New" panose="02070309020205020404" pitchFamily="49" charset="0"/>
+              </a:rPr>
+              <a:t>assert(x&gt;0); // if the assertion fails, bad things happen</a:t>
+            </a:r>
+          </a:p>
+          <a:p>
+            <a:pPr marL="411480" lvl="1" indent="0">
+              <a:buNone/>
+            </a:pPr>
+            <a:endParaRPr lang="en-US" dirty="0">
+              <a:cs typeface="Courier New" panose="02070309020205020404" pitchFamily="49" charset="0"/>
+            </a:endParaRPr>
+          </a:p>
+          <a:p>
+            <a:r>
+              <a:rPr lang="en-US" dirty="0">
+                <a:cs typeface="Courier New" panose="02070309020205020404" pitchFamily="49" charset="0"/>
+              </a:rPr>
+              <a:t>Implicit assertions</a:t>
+            </a:r>
+          </a:p>
+          <a:p>
+            <a:pPr lvl="1"/>
+            <a:r>
+              <a:rPr lang="en-US" dirty="0">
+                <a:cs typeface="Courier New" panose="02070309020205020404" pitchFamily="49" charset="0"/>
+              </a:rPr>
+              <a:t>Don’t dereference a null pointer, don’t exceed array bounds, don’t deallocate freed memory, don’t divide by zero, don’t get stuck in an infinite loop (i.e. do terminate)</a:t>
+            </a:r>
+          </a:p>
+          <a:p>
+            <a:endParaRPr lang="en-US" dirty="0">
+              <a:cs typeface="Courier New" panose="02070309020205020404" pitchFamily="49" charset="0"/>
+            </a:endParaRPr>
+          </a:p>
+          <a:p>
+            <a:r>
+              <a:rPr lang="en-US" dirty="0">
+                <a:cs typeface="Courier New" panose="02070309020205020404" pitchFamily="49" charset="0"/>
+              </a:rPr>
+              <a:t>Input/output examples (for terminating programs)</a:t>
+            </a:r>
+          </a:p>
+          <a:p>
+            <a:endParaRPr lang="en-US" dirty="0">
+              <a:cs typeface="Courier New" panose="02070309020205020404" pitchFamily="49" charset="0"/>
+            </a:endParaRPr>
+          </a:p>
+          <a:p>
+            <a:pPr marL="411480" lvl="1" indent="0">
+              <a:buNone/>
+            </a:pPr>
+            <a:endParaRPr lang="en-US" dirty="0">
+              <a:latin typeface="Courier New" panose="02070309020205020404" pitchFamily="49" charset="0"/>
+              <a:cs typeface="Courier New" panose="02070309020205020404" pitchFamily="49" charset="0"/>
+            </a:endParaRPr>
+          </a:p>
+        </p:txBody>
+      </p:sp>
+      <p:sp>
+        <p:nvSpPr>
           <p:cNvPr id="3" name="Title 2">
             <a:extLst>
               <a:ext uri="{FF2B5EF4-FFF2-40B4-BE49-F238E27FC236}">
+                <a16:creationId xmlns:a16="http://schemas.microsoft.com/office/drawing/2014/main" id="{F44DE8C1-9B48-4BA2-90DE-1239749C1044}"/>
+              </a:ext>
+            </a:extLst>
+          </p:cNvPr>
+          <p:cNvSpPr>
+            <a:spLocks noGrp="1"/>
+          </p:cNvSpPr>
+          <p:nvPr>
+            <p:ph type="title"/>
+          </p:nvPr>
+        </p:nvSpPr>
+        <p:spPr/>
+        <p:txBody>
+          <a:bodyPr/>
+          <a:lstStyle/>
+          <a:p>
+            <a:r>
+              <a:rPr lang="en-US" dirty="0"/>
+              <a:t>Specifications</a:t>
+            </a:r>
+          </a:p>
+        </p:txBody>
+      </p:sp>
+      <p:sp>
+        <p:nvSpPr>
+          <p:cNvPr id="4" name="Slide Number Placeholder 3">
+            <a:extLst>
+              <a:ext uri="{FF2B5EF4-FFF2-40B4-BE49-F238E27FC236}">
+                <a16:creationId xmlns:a16="http://schemas.microsoft.com/office/drawing/2014/main" id="{6412D33C-036C-40BC-8320-DF94183BA0E8}"/>
+              </a:ext>
+            </a:extLst>
+          </p:cNvPr>
+          <p:cNvSpPr>
+            <a:spLocks noGrp="1"/>
+          </p:cNvSpPr>
+          <p:nvPr>
+            <p:ph type="sldNum" sz="quarter" idx="12"/>
+          </p:nvPr>
+        </p:nvSpPr>
+        <p:spPr/>
+        <p:txBody>
+          <a:bodyPr/>
+          <a:lstStyle/>
+          <a:p>
+            <a:fld id="{29AAD378-655A-49C6-813C-9FD132EF7440}" type="slidenum">
+              <a:rPr lang="en-US" smtClean="0"/>
+              <a:pPr/>
+              <a:t>4</a:t>
+            </a:fld>
+            <a:endParaRPr lang="en-US"/>
+          </a:p>
+        </p:txBody>
+      </p:sp>
+    </p:spTree>
+    <p:extLst>
+      <p:ext uri="{BB962C8B-B14F-4D97-AF65-F5344CB8AC3E}">
+        <p14:creationId xmlns:p14="http://schemas.microsoft.com/office/powerpoint/2010/main" val="720336357"/>
+      </p:ext>
+    </p:extLst>
+  </p:cSld>
+  <p:clrMapOvr>
+    <a:masterClrMapping/>
+  </p:clrMapOvr>
+</p:sld>
+</file>
+
+<file path=ppt/slides/slide5.xml><?xml version="1.0" encoding="utf-8"?>
+<p:sld xmlns:a="http://schemas.openxmlformats.org/drawingml/2006/main" xmlns:r="http://schemas.openxmlformats.org/officeDocument/2006/relationships" xmlns:p="http://schemas.openxmlformats.org/presentationml/2006/main">
+  <p:cSld>
+    <p:spTree>
+      <p:nvGrpSpPr>
+        <p:cNvPr id="1" name=""/>
+        <p:cNvGrpSpPr/>
+        <p:nvPr/>
+      </p:nvGrpSpPr>
+      <p:grpSpPr>
+        <a:xfrm>
+          <a:off x="0" y="0"/>
+          <a:ext cx="0" cy="0"/>
+          <a:chOff x="0" y="0"/>
+          <a:chExt cx="0" cy="0"/>
+        </a:xfrm>
+      </p:grpSpPr>
+      <p:sp>
+        <p:nvSpPr>
+          <p:cNvPr id="2" name="Content Placeholder 1">
+            <a:extLst>
+              <a:ext uri="{FF2B5EF4-FFF2-40B4-BE49-F238E27FC236}">
+                <a16:creationId xmlns:a16="http://schemas.microsoft.com/office/drawing/2014/main" id="{1A3FEA3D-F66F-419D-93C4-40AB37E09F56}"/>
+              </a:ext>
+            </a:extLst>
+          </p:cNvPr>
+          <p:cNvSpPr>
+            <a:spLocks noGrp="1"/>
+          </p:cNvSpPr>
+          <p:nvPr>
+            <p:ph idx="1"/>
+          </p:nvPr>
+        </p:nvSpPr>
+        <p:spPr>
+          <a:xfrm>
+            <a:off x="166681" y="1602657"/>
+            <a:ext cx="11699087" cy="4081383"/>
+          </a:xfrm>
+        </p:spPr>
+        <p:txBody>
+          <a:bodyPr>
+            <a:normAutofit/>
+          </a:bodyPr>
+          <a:lstStyle/>
+          <a:p>
+            <a:r>
+              <a:rPr lang="en-US" dirty="0"/>
+              <a:t>First-order logic </a:t>
+            </a:r>
+            <a:r>
+              <a:rPr lang="en-US" sz="2400" dirty="0"/>
+              <a:t>(propositional logic + quantifiers + function symbols + operators) </a:t>
+            </a:r>
+            <a:endParaRPr lang="en-US" dirty="0"/>
+          </a:p>
+          <a:p>
+            <a:endParaRPr lang="en-US" dirty="0">
+              <a:cs typeface="Courier New" panose="02070309020205020404" pitchFamily="49" charset="0"/>
+            </a:endParaRPr>
+          </a:p>
+          <a:p>
+            <a:r>
+              <a:rPr lang="en-US" dirty="0">
+                <a:cs typeface="Courier New" panose="02070309020205020404" pitchFamily="49" charset="0"/>
+              </a:rPr>
+              <a:t>Reactive systems/Cyber-physical systems:</a:t>
+            </a:r>
+          </a:p>
+          <a:p>
+            <a:pPr lvl="1"/>
+            <a:r>
+              <a:rPr lang="en-US" dirty="0">
+                <a:cs typeface="Courier New" panose="02070309020205020404" pitchFamily="49" charset="0"/>
+              </a:rPr>
+              <a:t>Very different style of specifications, because these systems do not terminate</a:t>
+            </a:r>
+          </a:p>
+          <a:p>
+            <a:pPr lvl="1"/>
+            <a:r>
+              <a:rPr lang="en-US" dirty="0">
+                <a:cs typeface="Courier New" panose="02070309020205020404" pitchFamily="49" charset="0"/>
+              </a:rPr>
+              <a:t>Specifications reason about infinite program behaviors</a:t>
+            </a:r>
+          </a:p>
+          <a:p>
+            <a:endParaRPr lang="en-US" dirty="0">
+              <a:cs typeface="Courier New" panose="02070309020205020404" pitchFamily="49" charset="0"/>
+            </a:endParaRPr>
+          </a:p>
+          <a:p>
+            <a:r>
+              <a:rPr lang="en-US" dirty="0">
+                <a:cs typeface="Courier New" panose="02070309020205020404" pitchFamily="49" charset="0"/>
+              </a:rPr>
+              <a:t>Temporal logic specifications: Linear Temporal Logic (LTL), Signal Temporal Logic (STL), Probabilistic Computation-Tree Logic (PCTL)</a:t>
+            </a:r>
+          </a:p>
+          <a:p>
+            <a:pPr marL="411480" lvl="1" indent="0">
+              <a:buNone/>
+            </a:pPr>
+            <a:endParaRPr lang="en-US" dirty="0">
+              <a:latin typeface="Courier New" panose="02070309020205020404" pitchFamily="49" charset="0"/>
+              <a:cs typeface="Courier New" panose="02070309020205020404" pitchFamily="49" charset="0"/>
+            </a:endParaRPr>
+          </a:p>
+        </p:txBody>
+      </p:sp>
+      <p:sp>
+        <p:nvSpPr>
+          <p:cNvPr id="3" name="Title 2">
+            <a:extLst>
+              <a:ext uri="{FF2B5EF4-FFF2-40B4-BE49-F238E27FC236}">
+                <a16:creationId xmlns:a16="http://schemas.microsoft.com/office/drawing/2014/main" id="{F44DE8C1-9B48-4BA2-90DE-1239749C1044}"/>
+              </a:ext>
+            </a:extLst>
+          </p:cNvPr>
+          <p:cNvSpPr>
+            <a:spLocks noGrp="1"/>
+          </p:cNvSpPr>
+          <p:nvPr>
+            <p:ph type="title"/>
+          </p:nvPr>
+        </p:nvSpPr>
+        <p:spPr/>
+        <p:txBody>
+          <a:bodyPr/>
+          <a:lstStyle/>
+          <a:p>
+            <a:r>
+              <a:rPr lang="en-US" dirty="0"/>
+              <a:t>Specifications</a:t>
+            </a:r>
+          </a:p>
+        </p:txBody>
+      </p:sp>
+      <p:sp>
+        <p:nvSpPr>
+          <p:cNvPr id="4" name="Slide Number Placeholder 3">
+            <a:extLst>
+              <a:ext uri="{FF2B5EF4-FFF2-40B4-BE49-F238E27FC236}">
+                <a16:creationId xmlns:a16="http://schemas.microsoft.com/office/drawing/2014/main" id="{6412D33C-036C-40BC-8320-DF94183BA0E8}"/>
+              </a:ext>
+            </a:extLst>
+          </p:cNvPr>
+          <p:cNvSpPr>
+            <a:spLocks noGrp="1"/>
+          </p:cNvSpPr>
+          <p:nvPr>
+            <p:ph type="sldNum" sz="quarter" idx="12"/>
+          </p:nvPr>
+        </p:nvSpPr>
+        <p:spPr/>
+        <p:txBody>
+          <a:bodyPr/>
+          <a:lstStyle/>
+          <a:p>
+            <a:fld id="{29AAD378-655A-49C6-813C-9FD132EF7440}" type="slidenum">
+              <a:rPr lang="en-US" smtClean="0"/>
+              <a:pPr/>
+              <a:t>5</a:t>
+            </a:fld>
+            <a:endParaRPr lang="en-US"/>
+          </a:p>
+        </p:txBody>
+      </p:sp>
+    </p:spTree>
+    <p:extLst>
+      <p:ext uri="{BB962C8B-B14F-4D97-AF65-F5344CB8AC3E}">
+        <p14:creationId xmlns:p14="http://schemas.microsoft.com/office/powerpoint/2010/main" val="2245199988"/>
+      </p:ext>
+    </p:extLst>
+  </p:cSld>
+  <p:clrMapOvr>
+    <a:masterClrMapping/>
+  </p:clrMapOvr>
+</p:sld>
+</file>
+
+<file path=ppt/slides/slide6.xml><?xml version="1.0" encoding="utf-8"?>
+<p:sld xmlns:a="http://schemas.openxmlformats.org/drawingml/2006/main" xmlns:r="http://schemas.openxmlformats.org/officeDocument/2006/relationships" xmlns:p="http://schemas.openxmlformats.org/presentationml/2006/main">
+  <p:cSld>
+    <p:spTree>
+      <p:nvGrpSpPr>
+        <p:cNvPr id="1" name=""/>
+        <p:cNvGrpSpPr/>
+        <p:nvPr/>
+      </p:nvGrpSpPr>
+      <p:grpSpPr>
+        <a:xfrm>
+          <a:off x="0" y="0"/>
+          <a:ext cx="0" cy="0"/>
+          <a:chOff x="0" y="0"/>
+          <a:chExt cx="0" cy="0"/>
+        </a:xfrm>
+      </p:grpSpPr>
+      <p:sp>
+        <p:nvSpPr>
+          <p:cNvPr id="2" name="Content Placeholder 1">
+            <a:extLst>
+              <a:ext uri="{FF2B5EF4-FFF2-40B4-BE49-F238E27FC236}">
+                <a16:creationId xmlns:a16="http://schemas.microsoft.com/office/drawing/2014/main" id="{A7E5ED60-49CB-4C8B-80D2-076684AF878F}"/>
+              </a:ext>
+            </a:extLst>
+          </p:cNvPr>
+          <p:cNvSpPr>
+            <a:spLocks noGrp="1"/>
+          </p:cNvSpPr>
+          <p:nvPr>
+            <p:ph idx="1"/>
+          </p:nvPr>
+        </p:nvSpPr>
+        <p:spPr/>
+        <p:txBody>
+          <a:bodyPr>
+            <a:normAutofit/>
+          </a:bodyPr>
+          <a:lstStyle/>
+          <a:p>
+            <a:r>
+              <a:rPr lang="en-US" dirty="0"/>
+              <a:t>For system of type ‘M’, do all its behaviors satisfy specification of type ‘S’?</a:t>
+            </a:r>
+          </a:p>
+          <a:p>
+            <a:r>
+              <a:rPr lang="en-US" dirty="0"/>
+              <a:t>M = deterministic, nondeterministic, probabilistic, stochastic, continuous-time, discrete-time, hybrid (</a:t>
+            </a:r>
+            <a:r>
+              <a:rPr lang="en-US" dirty="0" err="1"/>
+              <a:t>continuous+discrete</a:t>
+            </a:r>
+            <a:r>
+              <a:rPr lang="en-US" dirty="0"/>
+              <a:t>)</a:t>
+            </a:r>
+          </a:p>
+          <a:p>
+            <a:r>
+              <a:rPr lang="en-US" dirty="0"/>
+              <a:t>S = LTL, CTL, PCTL, STL, MTL etc.</a:t>
+            </a:r>
+          </a:p>
+          <a:p>
+            <a:endParaRPr lang="en-US" dirty="0"/>
+          </a:p>
+          <a:p>
+            <a:r>
+              <a:rPr lang="en-US" dirty="0"/>
+              <a:t>Important considerations:</a:t>
+            </a:r>
+          </a:p>
+          <a:p>
+            <a:pPr lvl="1"/>
+            <a:r>
+              <a:rPr lang="en-US" dirty="0"/>
+              <a:t>Is it decidable? </a:t>
+            </a:r>
+          </a:p>
+          <a:p>
+            <a:pPr lvl="1"/>
+            <a:r>
+              <a:rPr lang="en-US" dirty="0"/>
+              <a:t>What is its complexity?</a:t>
+            </a:r>
+          </a:p>
+          <a:p>
+            <a:pPr lvl="1"/>
+            <a:r>
+              <a:rPr lang="en-US" dirty="0"/>
+              <a:t>Abstraction/Refinement/Counterexamples</a:t>
+            </a:r>
+          </a:p>
+        </p:txBody>
+      </p:sp>
+      <p:sp>
+        <p:nvSpPr>
+          <p:cNvPr id="3" name="Title 2">
+            <a:extLst>
+              <a:ext uri="{FF2B5EF4-FFF2-40B4-BE49-F238E27FC236}">
+                <a16:creationId xmlns:a16="http://schemas.microsoft.com/office/drawing/2014/main" id="{4F340826-371A-434E-8190-12B041F9BDEF}"/>
+              </a:ext>
+            </a:extLst>
+          </p:cNvPr>
+          <p:cNvSpPr>
+            <a:spLocks noGrp="1"/>
+          </p:cNvSpPr>
+          <p:nvPr>
+            <p:ph type="title"/>
+          </p:nvPr>
+        </p:nvSpPr>
+        <p:spPr/>
+        <p:txBody>
+          <a:bodyPr/>
+          <a:lstStyle/>
+          <a:p>
+            <a:r>
+              <a:rPr lang="en-US" dirty="0"/>
+              <a:t>Model checking</a:t>
+            </a:r>
+          </a:p>
+        </p:txBody>
+      </p:sp>
+      <p:sp>
+        <p:nvSpPr>
+          <p:cNvPr id="4" name="Slide Number Placeholder 3">
+            <a:extLst>
+              <a:ext uri="{FF2B5EF4-FFF2-40B4-BE49-F238E27FC236}">
+                <a16:creationId xmlns:a16="http://schemas.microsoft.com/office/drawing/2014/main" id="{FC902393-970A-40D6-B1E0-4AAFCC0A65C4}"/>
+              </a:ext>
+            </a:extLst>
+          </p:cNvPr>
+          <p:cNvSpPr>
+            <a:spLocks noGrp="1"/>
+          </p:cNvSpPr>
+          <p:nvPr>
+            <p:ph type="sldNum" sz="quarter" idx="12"/>
+          </p:nvPr>
+        </p:nvSpPr>
+        <p:spPr/>
+        <p:txBody>
+          <a:bodyPr/>
+          <a:lstStyle/>
+          <a:p>
+            <a:fld id="{29AAD378-655A-49C6-813C-9FD132EF7440}" type="slidenum">
+              <a:rPr lang="en-US" smtClean="0"/>
+              <a:pPr/>
+              <a:t>6</a:t>
+            </a:fld>
+            <a:endParaRPr lang="en-US"/>
+          </a:p>
+        </p:txBody>
+      </p:sp>
+    </p:spTree>
+    <p:extLst>
+      <p:ext uri="{BB962C8B-B14F-4D97-AF65-F5344CB8AC3E}">
+        <p14:creationId xmlns:p14="http://schemas.microsoft.com/office/powerpoint/2010/main" val="388101832"/>
+      </p:ext>
+    </p:extLst>
+  </p:cSld>
+  <p:clrMapOvr>
+    <a:masterClrMapping/>
+  </p:clrMapOvr>
+</p:sld>
+</file>
+
+<file path=ppt/slides/slide7.xml><?xml version="1.0" encoding="utf-8"?>
+<p:sld xmlns:a="http://schemas.openxmlformats.org/drawingml/2006/main" xmlns:r="http://schemas.openxmlformats.org/officeDocument/2006/relationships" xmlns:p="http://schemas.openxmlformats.org/presentationml/2006/main">
+  <p:cSld>
+    <p:spTree>
+      <p:nvGrpSpPr>
+        <p:cNvPr id="1" name=""/>
+        <p:cNvGrpSpPr/>
+        <p:nvPr/>
+      </p:nvGrpSpPr>
+      <p:grpSpPr>
+        <a:xfrm>
+          <a:off x="0" y="0"/>
+          <a:ext cx="0" cy="0"/>
+          <a:chOff x="0" y="0"/>
+          <a:chExt cx="0" cy="0"/>
+        </a:xfrm>
+      </p:grpSpPr>
+      <p:sp>
+        <p:nvSpPr>
+          <p:cNvPr id="3" name="Title 2">
+            <a:extLst>
+              <a:ext uri="{FF2B5EF4-FFF2-40B4-BE49-F238E27FC236}">
                 <a16:creationId xmlns:a16="http://schemas.microsoft.com/office/drawing/2014/main" id="{1F643C2F-B8B6-4904-B379-5BF0B5787556}"/>
               </a:ext>
             </a:extLst>
@@ -3855,7 +4753,7 @@
           <a:p>
             <a:r>
               <a:rPr lang="en-US" dirty="0"/>
-              <a:t>One view of a CPS</a:t>
+              <a:t>Cyber-Physical / Robotic systems</a:t>
             </a:r>
           </a:p>
         </p:txBody>
@@ -4349,7 +5247,7 @@
             <a:fld id="{29AAD378-655A-49C6-813C-9FD132EF7440}" type="slidenum">
               <a:rPr lang="en-US" smtClean="0"/>
               <a:pPr/>
-              <a:t>4</a:t>
+              <a:t>7</a:t>
             </a:fld>
             <a:endParaRPr lang="en-US"/>
           </a:p>
@@ -4359,753 +5257,6 @@
     <p:extLst>
       <p:ext uri="{BB962C8B-B14F-4D97-AF65-F5344CB8AC3E}">
         <p14:creationId xmlns:p14="http://schemas.microsoft.com/office/powerpoint/2010/main" val="1722227092"/>
-      </p:ext>
-    </p:extLst>
-  </p:cSld>
-  <p:clrMapOvr>
-    <a:masterClrMapping/>
-  </p:clrMapOvr>
-</p:sld>
-</file>
-
-<file path=ppt/slides/slide5.xml><?xml version="1.0" encoding="utf-8"?>
-<p:sld xmlns:a="http://schemas.openxmlformats.org/drawingml/2006/main" xmlns:r="http://schemas.openxmlformats.org/officeDocument/2006/relationships" xmlns:p="http://schemas.openxmlformats.org/presentationml/2006/main">
-  <p:cSld>
-    <p:spTree>
-      <p:nvGrpSpPr>
-        <p:cNvPr id="1" name=""/>
-        <p:cNvGrpSpPr/>
-        <p:nvPr/>
-      </p:nvGrpSpPr>
-      <p:grpSpPr>
-        <a:xfrm>
-          <a:off x="0" y="0"/>
-          <a:ext cx="0" cy="0"/>
-          <a:chOff x="0" y="0"/>
-          <a:chExt cx="0" cy="0"/>
-        </a:xfrm>
-      </p:grpSpPr>
-      <p:sp>
-        <p:nvSpPr>
-          <p:cNvPr id="4" name="Title 1">
-            <a:extLst>
-              <a:ext uri="{FF2B5EF4-FFF2-40B4-BE49-F238E27FC236}">
-                <a16:creationId xmlns:a16="http://schemas.microsoft.com/office/drawing/2014/main" id="{B1C016A6-262F-42EC-90FC-2FC44CAF8992}"/>
-              </a:ext>
-            </a:extLst>
-          </p:cNvPr>
-          <p:cNvSpPr>
-            <a:spLocks noGrp="1"/>
-          </p:cNvSpPr>
-          <p:nvPr>
-            <p:ph type="title"/>
-          </p:nvPr>
-        </p:nvSpPr>
-        <p:spPr>
-          <a:xfrm>
-            <a:off x="239155" y="460004"/>
-            <a:ext cx="10515600" cy="861862"/>
-          </a:xfrm>
-        </p:spPr>
-        <p:txBody>
-          <a:bodyPr/>
-          <a:lstStyle/>
-          <a:p>
-            <a:r>
-              <a:rPr lang="en-US" dirty="0"/>
-              <a:t>Examples</a:t>
-            </a:r>
-          </a:p>
-        </p:txBody>
-      </p:sp>
-      <p:pic>
-        <p:nvPicPr>
-          <p:cNvPr id="35" name="Picture 34">
-            <a:extLst>
-              <a:ext uri="{FF2B5EF4-FFF2-40B4-BE49-F238E27FC236}">
-                <a16:creationId xmlns:a16="http://schemas.microsoft.com/office/drawing/2014/main" id="{C0AA2915-4807-41CA-9E15-338ACED42B2F}"/>
-              </a:ext>
-            </a:extLst>
-          </p:cNvPr>
-          <p:cNvPicPr>
-            <a:picLocks noChangeAspect="1"/>
-          </p:cNvPicPr>
-          <p:nvPr/>
-        </p:nvPicPr>
-        <p:blipFill>
-          <a:blip r:embed="rId3"/>
-          <a:stretch>
-            <a:fillRect/>
-          </a:stretch>
-        </p:blipFill>
-        <p:spPr>
-          <a:xfrm>
-            <a:off x="239155" y="1517848"/>
-            <a:ext cx="2972635" cy="1817023"/>
-          </a:xfrm>
-          <a:prstGeom prst="rect">
-            <a:avLst/>
-          </a:prstGeom>
-        </p:spPr>
-      </p:pic>
-      <p:pic>
-        <p:nvPicPr>
-          <p:cNvPr id="36" name="Picture 35">
-            <a:extLst>
-              <a:ext uri="{FF2B5EF4-FFF2-40B4-BE49-F238E27FC236}">
-                <a16:creationId xmlns:a16="http://schemas.microsoft.com/office/drawing/2014/main" id="{7CA7A873-B3E0-4167-A9F3-5756CF286C64}"/>
-              </a:ext>
-            </a:extLst>
-          </p:cNvPr>
-          <p:cNvPicPr>
-            <a:picLocks noChangeAspect="1"/>
-          </p:cNvPicPr>
-          <p:nvPr/>
-        </p:nvPicPr>
-        <p:blipFill>
-          <a:blip r:embed="rId4"/>
-          <a:stretch>
-            <a:fillRect/>
-          </a:stretch>
-        </p:blipFill>
-        <p:spPr>
-          <a:xfrm>
-            <a:off x="3978723" y="890935"/>
-            <a:ext cx="3036463" cy="2000883"/>
-          </a:xfrm>
-          <a:prstGeom prst="rect">
-            <a:avLst/>
-          </a:prstGeom>
-        </p:spPr>
-      </p:pic>
-      <p:pic>
-        <p:nvPicPr>
-          <p:cNvPr id="38" name="Picture 37">
-            <a:extLst>
-              <a:ext uri="{FF2B5EF4-FFF2-40B4-BE49-F238E27FC236}">
-                <a16:creationId xmlns:a16="http://schemas.microsoft.com/office/drawing/2014/main" id="{7E84C913-3ACB-45F3-970E-AF50BED1B38C}"/>
-              </a:ext>
-            </a:extLst>
-          </p:cNvPr>
-          <p:cNvPicPr>
-            <a:picLocks noChangeAspect="1"/>
-          </p:cNvPicPr>
-          <p:nvPr/>
-        </p:nvPicPr>
-        <p:blipFill rotWithShape="1">
-          <a:blip r:embed="rId5"/>
-          <a:srcRect l="15244" t="24475" r="10739" b="12500"/>
-          <a:stretch/>
-        </p:blipFill>
-        <p:spPr>
-          <a:xfrm>
-            <a:off x="8020898" y="873493"/>
-            <a:ext cx="2921166" cy="1989894"/>
-          </a:xfrm>
-          <a:prstGeom prst="rect">
-            <a:avLst/>
-          </a:prstGeom>
-        </p:spPr>
-      </p:pic>
-      <p:pic>
-        <p:nvPicPr>
-          <p:cNvPr id="39" name="Picture 38">
-            <a:extLst>
-              <a:ext uri="{FF2B5EF4-FFF2-40B4-BE49-F238E27FC236}">
-                <a16:creationId xmlns:a16="http://schemas.microsoft.com/office/drawing/2014/main" id="{61AD59A2-7BAA-4B08-A88C-44397A809A9A}"/>
-              </a:ext>
-            </a:extLst>
-          </p:cNvPr>
-          <p:cNvPicPr>
-            <a:picLocks noChangeAspect="1"/>
-          </p:cNvPicPr>
-          <p:nvPr/>
-        </p:nvPicPr>
-        <p:blipFill rotWithShape="1">
-          <a:blip r:embed="rId6"/>
-          <a:srcRect l="8752" t="13551" r="7669" b="14322"/>
-          <a:stretch/>
-        </p:blipFill>
-        <p:spPr>
-          <a:xfrm>
-            <a:off x="315532" y="3429000"/>
-            <a:ext cx="2551899" cy="2202252"/>
-          </a:xfrm>
-          <a:prstGeom prst="rect">
-            <a:avLst/>
-          </a:prstGeom>
-        </p:spPr>
-      </p:pic>
-      <p:pic>
-        <p:nvPicPr>
-          <p:cNvPr id="40" name="Picture 39">
-            <a:extLst>
-              <a:ext uri="{FF2B5EF4-FFF2-40B4-BE49-F238E27FC236}">
-                <a16:creationId xmlns:a16="http://schemas.microsoft.com/office/drawing/2014/main" id="{6A1CD0CB-CA75-47C6-BB77-912AE4C18621}"/>
-              </a:ext>
-            </a:extLst>
-          </p:cNvPr>
-          <p:cNvPicPr>
-            <a:picLocks noChangeAspect="1"/>
-          </p:cNvPicPr>
-          <p:nvPr/>
-        </p:nvPicPr>
-        <p:blipFill rotWithShape="1">
-          <a:blip r:embed="rId7"/>
-          <a:srcRect t="18760" r="47280" b="5143"/>
-          <a:stretch/>
-        </p:blipFill>
-        <p:spPr>
-          <a:xfrm>
-            <a:off x="8020898" y="3141197"/>
-            <a:ext cx="3036463" cy="2490055"/>
-          </a:xfrm>
-          <a:prstGeom prst="rect">
-            <a:avLst/>
-          </a:prstGeom>
-        </p:spPr>
-      </p:pic>
-      <p:pic>
-        <p:nvPicPr>
-          <p:cNvPr id="41" name="Picture 40">
-            <a:extLst>
-              <a:ext uri="{FF2B5EF4-FFF2-40B4-BE49-F238E27FC236}">
-                <a16:creationId xmlns:a16="http://schemas.microsoft.com/office/drawing/2014/main" id="{383C74CD-2887-4658-B336-10FA89FA1D6A}"/>
-              </a:ext>
-            </a:extLst>
-          </p:cNvPr>
-          <p:cNvPicPr>
-            <a:picLocks noChangeAspect="1"/>
-          </p:cNvPicPr>
-          <p:nvPr/>
-        </p:nvPicPr>
-        <p:blipFill rotWithShape="1">
-          <a:blip r:embed="rId8"/>
-          <a:srcRect t="13519" b="14834"/>
-          <a:stretch/>
-        </p:blipFill>
-        <p:spPr>
-          <a:xfrm>
-            <a:off x="3759225" y="2955975"/>
-            <a:ext cx="3475457" cy="2490056"/>
-          </a:xfrm>
-          <a:prstGeom prst="rect">
-            <a:avLst/>
-          </a:prstGeom>
-        </p:spPr>
-      </p:pic>
-      <p:sp>
-        <p:nvSpPr>
-          <p:cNvPr id="42" name="TextBox 41">
-            <a:extLst>
-              <a:ext uri="{FF2B5EF4-FFF2-40B4-BE49-F238E27FC236}">
-                <a16:creationId xmlns:a16="http://schemas.microsoft.com/office/drawing/2014/main" id="{DE9C6DD1-46C7-4091-B7B5-E6F3A00AD8F9}"/>
-              </a:ext>
-            </a:extLst>
-          </p:cNvPr>
-          <p:cNvSpPr txBox="1"/>
-          <p:nvPr/>
-        </p:nvSpPr>
-        <p:spPr>
-          <a:xfrm>
-            <a:off x="3778919" y="5510188"/>
-            <a:ext cx="3791679" cy="369332"/>
-          </a:xfrm>
-          <a:prstGeom prst="rect">
-            <a:avLst/>
-          </a:prstGeom>
-          <a:noFill/>
-        </p:spPr>
-        <p:txBody>
-          <a:bodyPr wrap="none" rtlCol="0">
-            <a:spAutoFit/>
-          </a:bodyPr>
-          <a:lstStyle/>
-          <a:p>
-            <a:r>
-              <a:rPr lang="en-US" dirty="0"/>
-              <a:t>[All images from Google image search]</a:t>
-            </a:r>
-          </a:p>
-        </p:txBody>
-      </p:sp>
-      <p:sp>
-        <p:nvSpPr>
-          <p:cNvPr id="2" name="Slide Number Placeholder 1">
-            <a:extLst>
-              <a:ext uri="{FF2B5EF4-FFF2-40B4-BE49-F238E27FC236}">
-                <a16:creationId xmlns:a16="http://schemas.microsoft.com/office/drawing/2014/main" id="{9264F3C2-FC6D-4606-9E8F-B89A6B37A47E}"/>
-              </a:ext>
-            </a:extLst>
-          </p:cNvPr>
-          <p:cNvSpPr>
-            <a:spLocks noGrp="1"/>
-          </p:cNvSpPr>
-          <p:nvPr>
-            <p:ph type="sldNum" sz="quarter" idx="12"/>
-          </p:nvPr>
-        </p:nvSpPr>
-        <p:spPr/>
-        <p:txBody>
-          <a:bodyPr/>
-          <a:lstStyle/>
-          <a:p>
-            <a:fld id="{29AAD378-655A-49C6-813C-9FD132EF7440}" type="slidenum">
-              <a:rPr lang="en-US" smtClean="0"/>
-              <a:pPr/>
-              <a:t>5</a:t>
-            </a:fld>
-            <a:endParaRPr lang="en-US"/>
-          </a:p>
-        </p:txBody>
-      </p:sp>
-    </p:spTree>
-    <p:extLst>
-      <p:ext uri="{BB962C8B-B14F-4D97-AF65-F5344CB8AC3E}">
-        <p14:creationId xmlns:p14="http://schemas.microsoft.com/office/powerpoint/2010/main" val="1179974989"/>
-      </p:ext>
-    </p:extLst>
-  </p:cSld>
-  <p:clrMapOvr>
-    <a:masterClrMapping/>
-  </p:clrMapOvr>
-</p:sld>
-</file>
-
-<file path=ppt/slides/slide6.xml><?xml version="1.0" encoding="utf-8"?>
-<p:sld xmlns:a="http://schemas.openxmlformats.org/drawingml/2006/main" xmlns:r="http://schemas.openxmlformats.org/officeDocument/2006/relationships" xmlns:p="http://schemas.openxmlformats.org/presentationml/2006/main">
-  <p:cSld>
-    <p:spTree>
-      <p:nvGrpSpPr>
-        <p:cNvPr id="1" name=""/>
-        <p:cNvGrpSpPr/>
-        <p:nvPr/>
-      </p:nvGrpSpPr>
-      <p:grpSpPr>
-        <a:xfrm>
-          <a:off x="0" y="0"/>
-          <a:ext cx="0" cy="0"/>
-          <a:chOff x="0" y="0"/>
-          <a:chExt cx="0" cy="0"/>
-        </a:xfrm>
-      </p:grpSpPr>
-      <p:sp>
-        <p:nvSpPr>
-          <p:cNvPr id="3" name="Title 2">
-            <a:extLst>
-              <a:ext uri="{FF2B5EF4-FFF2-40B4-BE49-F238E27FC236}">
-                <a16:creationId xmlns:a16="http://schemas.microsoft.com/office/drawing/2014/main" id="{F207156B-BFFB-4EE7-864E-49BE38988085}"/>
-              </a:ext>
-            </a:extLst>
-          </p:cNvPr>
-          <p:cNvSpPr>
-            <a:spLocks noGrp="1"/>
-          </p:cNvSpPr>
-          <p:nvPr>
-            <p:ph type="title"/>
-          </p:nvPr>
-        </p:nvSpPr>
-        <p:spPr/>
-        <p:txBody>
-          <a:bodyPr/>
-          <a:lstStyle/>
-          <a:p>
-            <a:r>
-              <a:rPr lang="en-US" dirty="0"/>
-              <a:t>Autonomous/Semi-autonomous CPS</a:t>
-            </a:r>
-          </a:p>
-        </p:txBody>
-      </p:sp>
-      <p:pic>
-        <p:nvPicPr>
-          <p:cNvPr id="4" name="Picture 3">
-            <a:extLst>
-              <a:ext uri="{FF2B5EF4-FFF2-40B4-BE49-F238E27FC236}">
-                <a16:creationId xmlns:a16="http://schemas.microsoft.com/office/drawing/2014/main" id="{C8ECDF8C-2B4A-40FF-8174-038B3470A3F3}"/>
-              </a:ext>
-            </a:extLst>
-          </p:cNvPr>
-          <p:cNvPicPr>
-            <a:picLocks noChangeAspect="1"/>
-          </p:cNvPicPr>
-          <p:nvPr/>
-        </p:nvPicPr>
-        <p:blipFill rotWithShape="1">
-          <a:blip r:embed="rId2"/>
-          <a:srcRect l="21167" t="13667" r="16984"/>
-          <a:stretch/>
-        </p:blipFill>
-        <p:spPr>
-          <a:xfrm>
-            <a:off x="13000" y="1398370"/>
-            <a:ext cx="4241587" cy="3272838"/>
-          </a:xfrm>
-          <a:prstGeom prst="rect">
-            <a:avLst/>
-          </a:prstGeom>
-        </p:spPr>
-      </p:pic>
-      <p:sp>
-        <p:nvSpPr>
-          <p:cNvPr id="5" name="TextBox 4">
-            <a:extLst>
-              <a:ext uri="{FF2B5EF4-FFF2-40B4-BE49-F238E27FC236}">
-                <a16:creationId xmlns:a16="http://schemas.microsoft.com/office/drawing/2014/main" id="{7F4850AF-6B6F-4C32-9DD9-FB2763A8C3C2}"/>
-              </a:ext>
-            </a:extLst>
-          </p:cNvPr>
-          <p:cNvSpPr txBox="1"/>
-          <p:nvPr/>
-        </p:nvSpPr>
-        <p:spPr>
-          <a:xfrm>
-            <a:off x="228153" y="4752800"/>
-            <a:ext cx="3008388" cy="369332"/>
-          </a:xfrm>
-          <a:prstGeom prst="rect">
-            <a:avLst/>
-          </a:prstGeom>
-          <a:noFill/>
-        </p:spPr>
-        <p:txBody>
-          <a:bodyPr wrap="none" rtlCol="0">
-            <a:spAutoFit/>
-          </a:bodyPr>
-          <a:lstStyle/>
-          <a:p>
-            <a:r>
-              <a:rPr lang="en-US" i="1" dirty="0"/>
-              <a:t>Image credit: Motor Authority</a:t>
-            </a:r>
-          </a:p>
-        </p:txBody>
-      </p:sp>
-      <p:pic>
-        <p:nvPicPr>
-          <p:cNvPr id="6" name="Picture 5">
-            <a:extLst>
-              <a:ext uri="{FF2B5EF4-FFF2-40B4-BE49-F238E27FC236}">
-                <a16:creationId xmlns:a16="http://schemas.microsoft.com/office/drawing/2014/main" id="{AECBFB1D-58EC-4E94-9C80-BD98376641AD}"/>
-              </a:ext>
-            </a:extLst>
-          </p:cNvPr>
-          <p:cNvPicPr>
-            <a:picLocks noChangeAspect="1"/>
-          </p:cNvPicPr>
-          <p:nvPr/>
-        </p:nvPicPr>
-        <p:blipFill rotWithShape="1">
-          <a:blip r:embed="rId3"/>
-          <a:srcRect l="10505" r="14244" b="18436"/>
-          <a:stretch/>
-        </p:blipFill>
-        <p:spPr>
-          <a:xfrm>
-            <a:off x="4254587" y="1398370"/>
-            <a:ext cx="4095591" cy="3309578"/>
-          </a:xfrm>
-          <a:prstGeom prst="rect">
-            <a:avLst/>
-          </a:prstGeom>
-        </p:spPr>
-      </p:pic>
-      <p:sp>
-        <p:nvSpPr>
-          <p:cNvPr id="7" name="TextBox 6">
-            <a:extLst>
-              <a:ext uri="{FF2B5EF4-FFF2-40B4-BE49-F238E27FC236}">
-                <a16:creationId xmlns:a16="http://schemas.microsoft.com/office/drawing/2014/main" id="{E210A6C2-1B3A-4079-B63C-B7C032314625}"/>
-              </a:ext>
-            </a:extLst>
-          </p:cNvPr>
-          <p:cNvSpPr txBox="1"/>
-          <p:nvPr/>
-        </p:nvSpPr>
-        <p:spPr>
-          <a:xfrm>
-            <a:off x="4254587" y="4726131"/>
-            <a:ext cx="2288512" cy="369332"/>
-          </a:xfrm>
-          <a:prstGeom prst="rect">
-            <a:avLst/>
-          </a:prstGeom>
-          <a:noFill/>
-        </p:spPr>
-        <p:txBody>
-          <a:bodyPr wrap="none" rtlCol="0">
-            <a:spAutoFit/>
-          </a:bodyPr>
-          <a:lstStyle/>
-          <a:p>
-            <a:r>
-              <a:rPr lang="en-US" i="1" dirty="0"/>
-              <a:t>Image credit: army.mil</a:t>
-            </a:r>
-          </a:p>
-        </p:txBody>
-      </p:sp>
-      <p:pic>
-        <p:nvPicPr>
-          <p:cNvPr id="8" name="Picture 7">
-            <a:extLst>
-              <a:ext uri="{FF2B5EF4-FFF2-40B4-BE49-F238E27FC236}">
-                <a16:creationId xmlns:a16="http://schemas.microsoft.com/office/drawing/2014/main" id="{0895FD13-73BB-4C29-B6FC-3A3DB5BDB881}"/>
-              </a:ext>
-            </a:extLst>
-          </p:cNvPr>
-          <p:cNvPicPr>
-            <a:picLocks noChangeAspect="1"/>
-          </p:cNvPicPr>
-          <p:nvPr/>
-        </p:nvPicPr>
-        <p:blipFill>
-          <a:blip r:embed="rId4"/>
-          <a:stretch>
-            <a:fillRect/>
-          </a:stretch>
-        </p:blipFill>
-        <p:spPr>
-          <a:xfrm>
-            <a:off x="8496174" y="1398370"/>
-            <a:ext cx="3613941" cy="3345338"/>
-          </a:xfrm>
-          <a:prstGeom prst="rect">
-            <a:avLst/>
-          </a:prstGeom>
-        </p:spPr>
-      </p:pic>
-      <p:sp>
-        <p:nvSpPr>
-          <p:cNvPr id="9" name="TextBox 8">
-            <a:extLst>
-              <a:ext uri="{FF2B5EF4-FFF2-40B4-BE49-F238E27FC236}">
-                <a16:creationId xmlns:a16="http://schemas.microsoft.com/office/drawing/2014/main" id="{55E33FF7-0B3F-48C8-871F-43C97F27B6BC}"/>
-              </a:ext>
-            </a:extLst>
-          </p:cNvPr>
-          <p:cNvSpPr txBox="1"/>
-          <p:nvPr/>
-        </p:nvSpPr>
-        <p:spPr>
-          <a:xfrm>
-            <a:off x="8441105" y="4743376"/>
-            <a:ext cx="2866490" cy="369332"/>
-          </a:xfrm>
-          <a:prstGeom prst="rect">
-            <a:avLst/>
-          </a:prstGeom>
-          <a:noFill/>
-        </p:spPr>
-        <p:txBody>
-          <a:bodyPr wrap="none" rtlCol="0">
-            <a:spAutoFit/>
-          </a:bodyPr>
-          <a:lstStyle/>
-          <a:p>
-            <a:r>
-              <a:rPr lang="en-US" i="1" dirty="0"/>
-              <a:t>Image credit: Google images</a:t>
-            </a:r>
-          </a:p>
-        </p:txBody>
-      </p:sp>
-      <p:sp>
-        <p:nvSpPr>
-          <p:cNvPr id="2" name="Slide Number Placeholder 1">
-            <a:extLst>
-              <a:ext uri="{FF2B5EF4-FFF2-40B4-BE49-F238E27FC236}">
-                <a16:creationId xmlns:a16="http://schemas.microsoft.com/office/drawing/2014/main" id="{E482DD4E-9CE4-422A-93FF-EE830A4A74D6}"/>
-              </a:ext>
-            </a:extLst>
-          </p:cNvPr>
-          <p:cNvSpPr>
-            <a:spLocks noGrp="1"/>
-          </p:cNvSpPr>
-          <p:nvPr>
-            <p:ph type="sldNum" sz="quarter" idx="12"/>
-          </p:nvPr>
-        </p:nvSpPr>
-        <p:spPr/>
-        <p:txBody>
-          <a:bodyPr/>
-          <a:lstStyle/>
-          <a:p>
-            <a:fld id="{29AAD378-655A-49C6-813C-9FD132EF7440}" type="slidenum">
-              <a:rPr lang="en-US" smtClean="0"/>
-              <a:pPr/>
-              <a:t>6</a:t>
-            </a:fld>
-            <a:endParaRPr lang="en-US"/>
-          </a:p>
-        </p:txBody>
-      </p:sp>
-    </p:spTree>
-    <p:extLst>
-      <p:ext uri="{BB962C8B-B14F-4D97-AF65-F5344CB8AC3E}">
-        <p14:creationId xmlns:p14="http://schemas.microsoft.com/office/powerpoint/2010/main" val="1090842720"/>
-      </p:ext>
-    </p:extLst>
-  </p:cSld>
-  <p:clrMapOvr>
-    <a:masterClrMapping/>
-  </p:clrMapOvr>
-</p:sld>
-</file>
-
-<file path=ppt/slides/slide7.xml><?xml version="1.0" encoding="utf-8"?>
-<p:sld xmlns:a="http://schemas.openxmlformats.org/drawingml/2006/main" xmlns:r="http://schemas.openxmlformats.org/officeDocument/2006/relationships" xmlns:p="http://schemas.openxmlformats.org/presentationml/2006/main">
-  <p:cSld>
-    <p:spTree>
-      <p:nvGrpSpPr>
-        <p:cNvPr id="1" name=""/>
-        <p:cNvGrpSpPr/>
-        <p:nvPr/>
-      </p:nvGrpSpPr>
-      <p:grpSpPr>
-        <a:xfrm>
-          <a:off x="0" y="0"/>
-          <a:ext cx="0" cy="0"/>
-          <a:chOff x="0" y="0"/>
-          <a:chExt cx="0" cy="0"/>
-        </a:xfrm>
-      </p:grpSpPr>
-      <p:sp>
-        <p:nvSpPr>
-          <p:cNvPr id="2" name="Content Placeholder 1">
-            <a:extLst>
-              <a:ext uri="{FF2B5EF4-FFF2-40B4-BE49-F238E27FC236}">
-                <a16:creationId xmlns:a16="http://schemas.microsoft.com/office/drawing/2014/main" id="{D33020AC-2261-452A-96A4-DD89E911CF10}"/>
-              </a:ext>
-            </a:extLst>
-          </p:cNvPr>
-          <p:cNvSpPr>
-            <a:spLocks noGrp="1"/>
-          </p:cNvSpPr>
-          <p:nvPr>
-            <p:ph idx="1"/>
-          </p:nvPr>
-        </p:nvSpPr>
-        <p:spPr>
-          <a:xfrm>
-            <a:off x="166680" y="1625600"/>
-            <a:ext cx="11699087" cy="4005179"/>
-          </a:xfrm>
-        </p:spPr>
-        <p:txBody>
-          <a:bodyPr>
-            <a:normAutofit/>
-          </a:bodyPr>
-          <a:lstStyle/>
-          <a:p>
-            <a:r>
-              <a:rPr lang="en-US" dirty="0"/>
-              <a:t>Gain familiarity with topics in formal reasoning for CPS</a:t>
-            </a:r>
-          </a:p>
-          <a:p>
-            <a:pPr lvl="1"/>
-            <a:r>
-              <a:rPr lang="en-US" dirty="0"/>
-              <a:t>Verification Approaches</a:t>
-            </a:r>
-          </a:p>
-          <a:p>
-            <a:pPr lvl="1"/>
-            <a:r>
-              <a:rPr lang="en-US" dirty="0"/>
-              <a:t>Requirement Formalisms</a:t>
-            </a:r>
-          </a:p>
-          <a:p>
-            <a:pPr lvl="1"/>
-            <a:r>
-              <a:rPr lang="en-US" dirty="0"/>
-              <a:t>Reasoning about Autonomy in CPS</a:t>
-            </a:r>
-          </a:p>
-          <a:p>
-            <a:r>
-              <a:rPr lang="en-US" dirty="0"/>
-              <a:t>Reading papers in CPS without feeling overwhelmed by continuous math</a:t>
-            </a:r>
-          </a:p>
-          <a:p>
-            <a:r>
-              <a:rPr lang="en-US" dirty="0"/>
-              <a:t>Gaining familiarity with favorite notation used by CPS people</a:t>
-            </a:r>
-          </a:p>
-          <a:p>
-            <a:r>
-              <a:rPr lang="en-US" dirty="0"/>
-              <a:t>Making connections between software verification and CPS verification</a:t>
-            </a:r>
-          </a:p>
-        </p:txBody>
-      </p:sp>
-      <p:sp>
-        <p:nvSpPr>
-          <p:cNvPr id="3" name="Title 2">
-            <a:extLst>
-              <a:ext uri="{FF2B5EF4-FFF2-40B4-BE49-F238E27FC236}">
-                <a16:creationId xmlns:a16="http://schemas.microsoft.com/office/drawing/2014/main" id="{5E3C9381-3B04-4D50-B99A-6F8155E7BAED}"/>
-              </a:ext>
-            </a:extLst>
-          </p:cNvPr>
-          <p:cNvSpPr>
-            <a:spLocks noGrp="1"/>
-          </p:cNvSpPr>
-          <p:nvPr>
-            <p:ph type="title"/>
-          </p:nvPr>
-        </p:nvSpPr>
-        <p:spPr/>
-        <p:txBody>
-          <a:bodyPr/>
-          <a:lstStyle/>
-          <a:p>
-            <a:r>
-              <a:rPr lang="en-US" dirty="0"/>
-              <a:t>Course Objectives</a:t>
-            </a:r>
-          </a:p>
-        </p:txBody>
-      </p:sp>
-      <p:sp>
-        <p:nvSpPr>
-          <p:cNvPr id="4" name="Slide Number Placeholder 3">
-            <a:extLst>
-              <a:ext uri="{FF2B5EF4-FFF2-40B4-BE49-F238E27FC236}">
-                <a16:creationId xmlns:a16="http://schemas.microsoft.com/office/drawing/2014/main" id="{BC43B098-5EAC-4859-BD49-AC3C3E3C8097}"/>
-              </a:ext>
-            </a:extLst>
-          </p:cNvPr>
-          <p:cNvSpPr>
-            <a:spLocks noGrp="1"/>
-          </p:cNvSpPr>
-          <p:nvPr>
-            <p:ph type="sldNum" sz="quarter" idx="12"/>
-          </p:nvPr>
-        </p:nvSpPr>
-        <p:spPr/>
-        <p:txBody>
-          <a:bodyPr/>
-          <a:lstStyle/>
-          <a:p>
-            <a:fld id="{29AAD378-655A-49C6-813C-9FD132EF7440}" type="slidenum">
-              <a:rPr lang="en-US" smtClean="0"/>
-              <a:pPr/>
-              <a:t>7</a:t>
-            </a:fld>
-            <a:endParaRPr lang="en-US"/>
-          </a:p>
-        </p:txBody>
-      </p:sp>
-    </p:spTree>
-    <p:extLst>
-      <p:ext uri="{BB962C8B-B14F-4D97-AF65-F5344CB8AC3E}">
-        <p14:creationId xmlns:p14="http://schemas.microsoft.com/office/powerpoint/2010/main" val="217986061"/>
       </p:ext>
     </p:extLst>
   </p:cSld>
@@ -5134,327 +5285,115 @@
       </p:grpSpPr>
       <p:sp>
         <p:nvSpPr>
-          <p:cNvPr id="3" name="Title 2">
-            <a:extLst>
-              <a:ext uri="{FF2B5EF4-FFF2-40B4-BE49-F238E27FC236}">
-                <a16:creationId xmlns:a16="http://schemas.microsoft.com/office/drawing/2014/main" id="{BCF552B3-28F0-485A-8823-A083ED470DD1}"/>
-              </a:ext>
-            </a:extLst>
-          </p:cNvPr>
-          <p:cNvSpPr>
-            <a:spLocks noGrp="1"/>
-          </p:cNvSpPr>
-          <p:nvPr>
-            <p:ph type="title"/>
-          </p:nvPr>
-        </p:nvSpPr>
-        <p:spPr/>
-        <p:txBody>
-          <a:bodyPr/>
-          <a:lstStyle/>
-          <a:p>
-            <a:r>
-              <a:rPr lang="en-US" dirty="0"/>
-              <a:t>Key Theme of the course: Formal Reasoning</a:t>
-            </a:r>
-          </a:p>
-        </p:txBody>
-      </p:sp>
-      <p:pic>
-        <p:nvPicPr>
-          <p:cNvPr id="4" name="Picture 2" descr="Image result for tesla accident">
-            <a:extLst>
-              <a:ext uri="{FF2B5EF4-FFF2-40B4-BE49-F238E27FC236}">
-                <a16:creationId xmlns:a16="http://schemas.microsoft.com/office/drawing/2014/main" id="{F4F6EE1E-A20B-4FE0-9F17-E7E20A9499FC}"/>
-              </a:ext>
-            </a:extLst>
-          </p:cNvPr>
-          <p:cNvPicPr>
-            <a:picLocks noChangeAspect="1" noChangeArrowheads="1"/>
-          </p:cNvPicPr>
-          <p:nvPr/>
-        </p:nvPicPr>
-        <p:blipFill>
-          <a:blip r:embed="rId2">
-            <a:extLst>
-              <a:ext uri="{28A0092B-C50C-407E-A947-70E740481C1C}">
-                <a14:useLocalDpi xmlns:a14="http://schemas.microsoft.com/office/drawing/2010/main" val="0"/>
-              </a:ext>
-            </a:extLst>
-          </a:blip>
-          <a:srcRect/>
-          <a:stretch>
-            <a:fillRect/>
-          </a:stretch>
-        </p:blipFill>
-        <p:spPr bwMode="auto">
-          <a:xfrm>
-            <a:off x="512234" y="1209202"/>
-            <a:ext cx="3636433" cy="2197012"/>
-          </a:xfrm>
-          <a:prstGeom prst="rect">
-            <a:avLst/>
-          </a:prstGeom>
-          <a:noFill/>
-          <a:extLst>
-            <a:ext uri="{909E8E84-426E-40DD-AFC4-6F175D3DCCD1}">
-              <a14:hiddenFill xmlns:a14="http://schemas.microsoft.com/office/drawing/2010/main">
-                <a:solidFill>
-                  <a:srgbClr val="FFFFFF"/>
-                </a:solidFill>
-              </a14:hiddenFill>
-            </a:ext>
-          </a:extLst>
-        </p:spPr>
-      </p:pic>
-      <p:sp>
-        <p:nvSpPr>
-          <p:cNvPr id="5" name="Rectangle 4">
-            <a:extLst>
-              <a:ext uri="{FF2B5EF4-FFF2-40B4-BE49-F238E27FC236}">
-                <a16:creationId xmlns:a16="http://schemas.microsoft.com/office/drawing/2014/main" id="{707E8D20-4594-4BC6-B51B-631EFCF670C2}"/>
-              </a:ext>
-            </a:extLst>
-          </p:cNvPr>
-          <p:cNvSpPr/>
-          <p:nvPr/>
+          <p:cNvPr id="2" name="Content Placeholder 1">
+            <a:extLst>
+              <a:ext uri="{FF2B5EF4-FFF2-40B4-BE49-F238E27FC236}">
+                <a16:creationId xmlns:a16="http://schemas.microsoft.com/office/drawing/2014/main" id="{E828C7D4-7ED2-4F93-A28F-082DB105BC00}"/>
+              </a:ext>
+            </a:extLst>
+          </p:cNvPr>
+          <p:cNvSpPr>
+            <a:spLocks noGrp="1"/>
+          </p:cNvSpPr>
+          <p:nvPr>
+            <p:ph idx="1"/>
+          </p:nvPr>
         </p:nvSpPr>
         <p:spPr>
           <a:xfrm>
-            <a:off x="4296834" y="3451787"/>
-            <a:ext cx="4072466" cy="2031325"/>
+            <a:off x="166681" y="1917289"/>
+            <a:ext cx="11699087" cy="3766751"/>
           </a:xfrm>
-          <a:prstGeom prst="rect">
-            <a:avLst/>
-          </a:prstGeom>
-          <a:blipFill>
-            <a:blip r:embed="rId3"/>
-            <a:tile tx="0" ty="0" sx="100000" sy="100000" flip="none" algn="tl"/>
-          </a:blipFill>
-          <a:ln>
-            <a:solidFill>
-              <a:schemeClr val="tx1"/>
-            </a:solidFill>
-            <a:prstDash val="sysDash"/>
-          </a:ln>
         </p:spPr>
         <p:txBody>
-          <a:bodyPr wrap="square">
-            <a:spAutoFit/>
-          </a:bodyPr>
-          <a:lstStyle/>
-          <a:p>
-            <a:r>
-              <a:rPr lang="en-US" dirty="0">
-                <a:latin typeface="Times New Roman" panose="02020603050405020304" pitchFamily="18" charset="0"/>
-                <a:cs typeface="Times New Roman" panose="02020603050405020304" pitchFamily="18" charset="0"/>
-              </a:rPr>
-              <a:t>The </a:t>
-            </a:r>
-            <a:r>
-              <a:rPr lang="en-US" b="1" dirty="0">
-                <a:latin typeface="Times New Roman" panose="02020603050405020304" pitchFamily="18" charset="0"/>
-                <a:cs typeface="Times New Roman" panose="02020603050405020304" pitchFamily="18" charset="0"/>
-              </a:rPr>
-              <a:t>FDA</a:t>
-            </a:r>
-            <a:r>
-              <a:rPr lang="en-US" dirty="0">
-                <a:latin typeface="Times New Roman" panose="02020603050405020304" pitchFamily="18" charset="0"/>
-                <a:cs typeface="Times New Roman" panose="02020603050405020304" pitchFamily="18" charset="0"/>
-              </a:rPr>
-              <a:t> has issued </a:t>
-            </a:r>
-            <a:r>
-              <a:rPr lang="en-US" b="1" dirty="0">
-                <a:latin typeface="Times New Roman" panose="02020603050405020304" pitchFamily="18" charset="0"/>
-                <a:cs typeface="Times New Roman" panose="02020603050405020304" pitchFamily="18" charset="0"/>
-              </a:rPr>
-              <a:t>23 recalls of defective devices </a:t>
-            </a:r>
-            <a:r>
-              <a:rPr lang="en-US" dirty="0">
-                <a:latin typeface="Times New Roman" panose="02020603050405020304" pitchFamily="18" charset="0"/>
-                <a:cs typeface="Times New Roman" panose="02020603050405020304" pitchFamily="18" charset="0"/>
-              </a:rPr>
-              <a:t>during the first half of 2010, all of which are categorized as “Class I,” meaning there is “</a:t>
-            </a:r>
-            <a:r>
-              <a:rPr lang="en-US" b="1" dirty="0">
-                <a:latin typeface="Times New Roman" panose="02020603050405020304" pitchFamily="18" charset="0"/>
-                <a:cs typeface="Times New Roman" panose="02020603050405020304" pitchFamily="18" charset="0"/>
-              </a:rPr>
-              <a:t>reasonable probability</a:t>
-            </a:r>
-            <a:r>
-              <a:rPr lang="en-US" dirty="0">
-                <a:latin typeface="Times New Roman" panose="02020603050405020304" pitchFamily="18" charset="0"/>
-                <a:cs typeface="Times New Roman" panose="02020603050405020304" pitchFamily="18" charset="0"/>
-              </a:rPr>
-              <a:t> that use of these products will cause serious </a:t>
-            </a:r>
-            <a:r>
-              <a:rPr lang="en-US" b="1" dirty="0">
-                <a:latin typeface="Times New Roman" panose="02020603050405020304" pitchFamily="18" charset="0"/>
-                <a:cs typeface="Times New Roman" panose="02020603050405020304" pitchFamily="18" charset="0"/>
-              </a:rPr>
-              <a:t>adverse health consequences</a:t>
-            </a:r>
-            <a:r>
-              <a:rPr lang="en-US" dirty="0">
-                <a:latin typeface="Times New Roman" panose="02020603050405020304" pitchFamily="18" charset="0"/>
-                <a:cs typeface="Times New Roman" panose="02020603050405020304" pitchFamily="18" charset="0"/>
-              </a:rPr>
-              <a:t> or </a:t>
-            </a:r>
-            <a:r>
-              <a:rPr lang="en-US" b="1" dirty="0">
-                <a:latin typeface="Times New Roman" panose="02020603050405020304" pitchFamily="18" charset="0"/>
-                <a:cs typeface="Times New Roman" panose="02020603050405020304" pitchFamily="18" charset="0"/>
-              </a:rPr>
-              <a:t>death</a:t>
-            </a:r>
-            <a:r>
-              <a:rPr lang="en-US" dirty="0">
-                <a:latin typeface="Times New Roman" panose="02020603050405020304" pitchFamily="18" charset="0"/>
-                <a:cs typeface="Times New Roman" panose="02020603050405020304" pitchFamily="18" charset="0"/>
-              </a:rPr>
-              <a:t>.”</a:t>
-            </a:r>
-          </a:p>
-        </p:txBody>
-      </p:sp>
-      <p:pic>
-        <p:nvPicPr>
-          <p:cNvPr id="6" name="Picture 4" descr="Image result for pacemaker ">
-            <a:extLst>
-              <a:ext uri="{FF2B5EF4-FFF2-40B4-BE49-F238E27FC236}">
-                <a16:creationId xmlns:a16="http://schemas.microsoft.com/office/drawing/2014/main" id="{BE7B9524-12D1-4A48-BB3C-619062C7991F}"/>
-              </a:ext>
-            </a:extLst>
-          </p:cNvPr>
-          <p:cNvPicPr>
-            <a:picLocks noChangeAspect="1" noChangeArrowheads="1"/>
-          </p:cNvPicPr>
-          <p:nvPr/>
-        </p:nvPicPr>
-        <p:blipFill>
-          <a:blip r:embed="rId4">
-            <a:extLst>
-              <a:ext uri="{28A0092B-C50C-407E-A947-70E740481C1C}">
-                <a14:useLocalDpi xmlns:a14="http://schemas.microsoft.com/office/drawing/2010/main" val="0"/>
-              </a:ext>
-            </a:extLst>
-          </a:blip>
-          <a:srcRect/>
-          <a:stretch>
-            <a:fillRect/>
-          </a:stretch>
-        </p:blipFill>
-        <p:spPr bwMode="auto">
-          <a:xfrm>
-            <a:off x="4296834" y="1274316"/>
-            <a:ext cx="4033576" cy="2131898"/>
-          </a:xfrm>
-          <a:prstGeom prst="rect">
-            <a:avLst/>
-          </a:prstGeom>
-          <a:noFill/>
-          <a:extLst>
-            <a:ext uri="{909E8E84-426E-40DD-AFC4-6F175D3DCCD1}">
-              <a14:hiddenFill xmlns:a14="http://schemas.microsoft.com/office/drawing/2010/main">
-                <a:solidFill>
-                  <a:srgbClr val="FFFFFF"/>
-                </a:solidFill>
-              </a14:hiddenFill>
-            </a:ext>
-          </a:extLst>
-        </p:spPr>
-      </p:pic>
-      <p:pic>
-        <p:nvPicPr>
-          <p:cNvPr id="7" name="Picture 6">
-            <a:extLst>
-              <a:ext uri="{FF2B5EF4-FFF2-40B4-BE49-F238E27FC236}">
-                <a16:creationId xmlns:a16="http://schemas.microsoft.com/office/drawing/2014/main" id="{81FDAA57-8B46-47EB-95BC-613178A0E609}"/>
-              </a:ext>
-            </a:extLst>
-          </p:cNvPr>
-          <p:cNvPicPr>
-            <a:picLocks noChangeAspect="1"/>
-          </p:cNvPicPr>
-          <p:nvPr/>
-        </p:nvPicPr>
-        <p:blipFill>
-          <a:blip r:embed="rId5"/>
-          <a:stretch>
-            <a:fillRect/>
-          </a:stretch>
-        </p:blipFill>
-        <p:spPr>
-          <a:xfrm>
-            <a:off x="512233" y="3451787"/>
-            <a:ext cx="3652899" cy="1979580"/>
-          </a:xfrm>
-          <a:prstGeom prst="rect">
-            <a:avLst/>
-          </a:prstGeom>
-        </p:spPr>
-      </p:pic>
-      <p:sp>
-        <p:nvSpPr>
-          <p:cNvPr id="8" name="TextBox 7">
-            <a:extLst>
-              <a:ext uri="{FF2B5EF4-FFF2-40B4-BE49-F238E27FC236}">
-                <a16:creationId xmlns:a16="http://schemas.microsoft.com/office/drawing/2014/main" id="{0C074BBD-3768-47C3-A03B-32BC3B80FD25}"/>
-              </a:ext>
-            </a:extLst>
-          </p:cNvPr>
-          <p:cNvSpPr txBox="1"/>
-          <p:nvPr/>
-        </p:nvSpPr>
-        <p:spPr>
-          <a:xfrm>
-            <a:off x="8478577" y="2384379"/>
-            <a:ext cx="3636433" cy="3046988"/>
-          </a:xfrm>
-          <a:prstGeom prst="rect">
-            <a:avLst/>
-          </a:prstGeom>
-        </p:spPr>
-        <p:style>
-          <a:lnRef idx="1">
-            <a:schemeClr val="accent2"/>
-          </a:lnRef>
-          <a:fillRef idx="2">
-            <a:schemeClr val="accent2"/>
-          </a:fillRef>
-          <a:effectRef idx="1">
-            <a:schemeClr val="accent2"/>
-          </a:effectRef>
-          <a:fontRef idx="minor">
-            <a:schemeClr val="dk1"/>
-          </a:fontRef>
-        </p:style>
-        <p:txBody>
-          <a:bodyPr wrap="square" rtlCol="0">
-            <a:spAutoFit/>
-          </a:bodyPr>
-          <a:lstStyle/>
-          <a:p>
-            <a:r>
-              <a:rPr lang="en-US" sz="2400" dirty="0"/>
-              <a:t>Formal Reasoning is required because we are dealing with systems that are safety-critical, and/or mission-critical with huge implications on human health, well-being, economy, etc.</a:t>
-            </a:r>
-          </a:p>
-        </p:txBody>
-      </p:sp>
-      <p:sp>
-        <p:nvSpPr>
-          <p:cNvPr id="9" name="Slide Number Placeholder 8">
-            <a:extLst>
-              <a:ext uri="{FF2B5EF4-FFF2-40B4-BE49-F238E27FC236}">
-                <a16:creationId xmlns:a16="http://schemas.microsoft.com/office/drawing/2014/main" id="{D60909E3-6D56-493E-8B1D-0C6F9613880F}"/>
+          <a:bodyPr/>
+          <a:lstStyle/>
+          <a:p>
+            <a:r>
+              <a:rPr lang="en-US" dirty="0"/>
+              <a:t>What is the system model?</a:t>
+            </a:r>
+          </a:p>
+          <a:p>
+            <a:pPr lvl="1"/>
+            <a:r>
+              <a:rPr lang="en-US" dirty="0"/>
+              <a:t>System model needs to also include model of the environment</a:t>
+            </a:r>
+          </a:p>
+          <a:p>
+            <a:pPr lvl="1"/>
+            <a:r>
+              <a:rPr lang="en-US" dirty="0"/>
+              <a:t>Environment is noisy, continuous-time, time-varying, full of things you did not foresee</a:t>
+            </a:r>
+          </a:p>
+          <a:p>
+            <a:r>
+              <a:rPr lang="en-US" dirty="0"/>
+              <a:t>Lot more software than just the “control software”</a:t>
+            </a:r>
+          </a:p>
+          <a:p>
+            <a:pPr lvl="1"/>
+            <a:r>
+              <a:rPr lang="en-US" dirty="0"/>
+              <a:t>Software for Perception, Communication</a:t>
+            </a:r>
+          </a:p>
+          <a:p>
+            <a:pPr lvl="1"/>
+            <a:r>
+              <a:rPr lang="en-US" dirty="0"/>
+              <a:t>Software for Sensor/Actuator calibration</a:t>
+            </a:r>
+          </a:p>
+          <a:p>
+            <a:pPr lvl="1"/>
+            <a:r>
+              <a:rPr lang="en-US" dirty="0"/>
+              <a:t>System subject to hardware failures : software is just one part of the robot</a:t>
+            </a:r>
+          </a:p>
+          <a:p>
+            <a:endParaRPr lang="en-US" dirty="0"/>
+          </a:p>
+        </p:txBody>
+      </p:sp>
+      <p:sp>
+        <p:nvSpPr>
+          <p:cNvPr id="3" name="Title 2">
+            <a:extLst>
+              <a:ext uri="{FF2B5EF4-FFF2-40B4-BE49-F238E27FC236}">
+                <a16:creationId xmlns:a16="http://schemas.microsoft.com/office/drawing/2014/main" id="{E82B0EFE-DB58-4FEB-AEB5-B73BA634A3D0}"/>
+              </a:ext>
+            </a:extLst>
+          </p:cNvPr>
+          <p:cNvSpPr>
+            <a:spLocks noGrp="1"/>
+          </p:cNvSpPr>
+          <p:nvPr>
+            <p:ph type="title"/>
+          </p:nvPr>
+        </p:nvSpPr>
+        <p:spPr/>
+        <p:txBody>
+          <a:bodyPr/>
+          <a:lstStyle/>
+          <a:p>
+            <a:r>
+              <a:rPr lang="en-US" dirty="0"/>
+              <a:t>Further Challenges in Robotic systems</a:t>
+            </a:r>
+          </a:p>
+        </p:txBody>
+      </p:sp>
+      <p:sp>
+        <p:nvSpPr>
+          <p:cNvPr id="4" name="Slide Number Placeholder 3">
+            <a:extLst>
+              <a:ext uri="{FF2B5EF4-FFF2-40B4-BE49-F238E27FC236}">
+                <a16:creationId xmlns:a16="http://schemas.microsoft.com/office/drawing/2014/main" id="{C8D1F5BB-32E3-4AEB-8DD3-EA9A8F6628CA}"/>
               </a:ext>
             </a:extLst>
           </p:cNvPr>
@@ -5482,7 +5421,7 @@
     </p:spTree>
     <p:extLst>
       <p:ext uri="{BB962C8B-B14F-4D97-AF65-F5344CB8AC3E}">
-        <p14:creationId xmlns:p14="http://schemas.microsoft.com/office/powerpoint/2010/main" val="4055147731"/>
+        <p14:creationId xmlns:p14="http://schemas.microsoft.com/office/powerpoint/2010/main" val="4033997673"/>
       </p:ext>
     </p:extLst>
   </p:cSld>
@@ -5514,7 +5453,7 @@
           <p:cNvPr id="2" name="Content Placeholder 1">
             <a:extLst>
               <a:ext uri="{FF2B5EF4-FFF2-40B4-BE49-F238E27FC236}">
-                <a16:creationId xmlns:a16="http://schemas.microsoft.com/office/drawing/2014/main" id="{366F58D0-AA99-4A20-84EB-EEFB44A45880}"/>
+                <a16:creationId xmlns:a16="http://schemas.microsoft.com/office/drawing/2014/main" id="{1BF4A6FF-D9AF-4A97-A50B-2D80F8215D97}"/>
               </a:ext>
             </a:extLst>
           </p:cNvPr>
@@ -5527,95 +5466,70 @@
         </p:nvSpPr>
         <p:spPr>
           <a:xfrm>
-            <a:off x="166680" y="1209202"/>
-            <a:ext cx="11699087" cy="4351338"/>
+            <a:off x="166681" y="1415845"/>
+            <a:ext cx="11699087" cy="4268196"/>
           </a:xfrm>
         </p:spPr>
         <p:txBody>
-          <a:bodyPr>
-            <a:normAutofit lnSpcReduction="10000"/>
-          </a:bodyPr>
-          <a:lstStyle/>
-          <a:p>
-            <a:pPr marL="0" indent="0">
-              <a:buNone/>
-            </a:pPr>
-            <a:r>
-              <a:rPr lang="en-US" dirty="0"/>
-              <a:t>Divided into 3 atoms</a:t>
-            </a:r>
-          </a:p>
-          <a:p>
-            <a:r>
-              <a:rPr lang="en-US" dirty="0"/>
-              <a:t>Atom A</a:t>
+          <a:bodyPr/>
+          <a:lstStyle/>
+          <a:p>
+            <a:r>
+              <a:rPr lang="en-US" dirty="0"/>
+              <a:t>(Functional) Program Synthesis</a:t>
             </a:r>
           </a:p>
           <a:p>
             <a:pPr lvl="1"/>
             <a:r>
               <a:rPr lang="en-US" dirty="0"/>
-              <a:t>Formal Verification</a:t>
+              <a:t>How do you find a program that matches given input/output data</a:t>
+            </a:r>
+          </a:p>
+          <a:p>
+            <a:r>
+              <a:rPr lang="en-US" dirty="0"/>
+              <a:t>Reactive Synthesis (from logical, temporal specifications)</a:t>
             </a:r>
           </a:p>
           <a:p>
             <a:pPr lvl="1"/>
             <a:r>
               <a:rPr lang="en-US" dirty="0"/>
-              <a:t>Hybrid Systems Models</a:t>
-            </a:r>
-          </a:p>
-          <a:p>
-            <a:pPr lvl="1"/>
-            <a:r>
-              <a:rPr lang="en-US" dirty="0"/>
-              <a:t>Deductive techniques</a:t>
-            </a:r>
-          </a:p>
-          <a:p>
-            <a:r>
-              <a:rPr lang="en-US" dirty="0"/>
-              <a:t>Atom B</a:t>
-            </a:r>
-          </a:p>
-          <a:p>
-            <a:pPr lvl="1"/>
-            <a:r>
-              <a:rPr lang="en-US" dirty="0"/>
-              <a:t>Temporal Logic Requirements</a:t>
-            </a:r>
-          </a:p>
-          <a:p>
-            <a:pPr lvl="1"/>
-            <a:r>
-              <a:rPr lang="en-US" dirty="0"/>
-              <a:t>Verification and Testing</a:t>
-            </a:r>
-          </a:p>
-          <a:p>
-            <a:pPr lvl="1"/>
-            <a:r>
-              <a:rPr lang="en-US" dirty="0"/>
-              <a:t>Verification for Stochastic systems</a:t>
-            </a:r>
-          </a:p>
-          <a:p>
-            <a:r>
-              <a:rPr lang="en-US" dirty="0"/>
-              <a:t>Atom C</a:t>
-            </a:r>
-          </a:p>
-          <a:p>
-            <a:pPr lvl="1"/>
-            <a:r>
-              <a:rPr lang="en-US" dirty="0"/>
-              <a:t>CPS + AI verification</a:t>
+              <a:t>Find a supervisor, controller, policy that ensures that the system satisfies its specification</a:t>
             </a:r>
           </a:p>
           <a:p>
             <a:pPr lvl="1"/>
             <a:endParaRPr lang="en-US" dirty="0"/>
           </a:p>
+          <a:p>
+            <a:r>
+              <a:rPr lang="en-US" dirty="0"/>
+              <a:t>Important problems:</a:t>
+            </a:r>
+          </a:p>
+          <a:p>
+            <a:pPr lvl="1"/>
+            <a:r>
+              <a:rPr lang="en-US" dirty="0"/>
+              <a:t>Is it decidable?</a:t>
+            </a:r>
+          </a:p>
+          <a:p>
+            <a:pPr lvl="1"/>
+            <a:r>
+              <a:rPr lang="en-US" dirty="0"/>
+              <a:t>What is its complexity?</a:t>
+            </a:r>
+          </a:p>
+          <a:p>
+            <a:pPr lvl="1"/>
+            <a:r>
+              <a:rPr lang="en-US" dirty="0"/>
+              <a:t>What are the assumptions under which it is possible (what kinds of environments)?</a:t>
+            </a:r>
+          </a:p>
         </p:txBody>
       </p:sp>
       <p:sp>
@@ -5623,7 +5537,7 @@
           <p:cNvPr id="3" name="Title 2">
             <a:extLst>
               <a:ext uri="{FF2B5EF4-FFF2-40B4-BE49-F238E27FC236}">
-                <a16:creationId xmlns:a16="http://schemas.microsoft.com/office/drawing/2014/main" id="{7C353041-60AE-4330-8819-C02B58731C1A}"/>
+                <a16:creationId xmlns:a16="http://schemas.microsoft.com/office/drawing/2014/main" id="{2B7E0C6C-827D-4901-B8CD-ED278E6B5A98}"/>
               </a:ext>
             </a:extLst>
           </p:cNvPr>
@@ -5641,7 +5555,7 @@
           <a:p>
             <a:r>
               <a:rPr lang="en-US" dirty="0"/>
-              <a:t>Course Overview</a:t>
+              <a:t>Favorite problems in formal methods: II</a:t>
             </a:r>
           </a:p>
         </p:txBody>
@@ -5651,7 +5565,7 @@
           <p:cNvPr id="4" name="Slide Number Placeholder 3">
             <a:extLst>
               <a:ext uri="{FF2B5EF4-FFF2-40B4-BE49-F238E27FC236}">
-                <a16:creationId xmlns:a16="http://schemas.microsoft.com/office/drawing/2014/main" id="{BA58A67C-1864-44E2-AD83-9C9A304F638C}"/>
+                <a16:creationId xmlns:a16="http://schemas.microsoft.com/office/drawing/2014/main" id="{93CDB8F0-2D90-4622-AB5A-EA0EBE323FB1}"/>
               </a:ext>
             </a:extLst>
           </p:cNvPr>
@@ -5679,7 +5593,7 @@
     </p:spTree>
     <p:extLst>
       <p:ext uri="{BB962C8B-B14F-4D97-AF65-F5344CB8AC3E}">
-        <p14:creationId xmlns:p14="http://schemas.microsoft.com/office/powerpoint/2010/main" val="4162771304"/>
+        <p14:creationId xmlns:p14="http://schemas.microsoft.com/office/powerpoint/2010/main" val="3910616064"/>
       </p:ext>
     </p:extLst>
   </p:cSld>
